--- a/slides/Tag-2_3-Tags-und-Releases.pptx
+++ b/slides/Tag-2_3-Tags-und-Releases.pptx
@@ -14,8 +14,8 @@
   </p:handoutMasterIdLst>
   <p:sldIdLst>
     <p:sldId id="604" r:id="rId4"/>
-    <p:sldId id="289" r:id="rId5"/>
-    <p:sldId id="727" r:id="rId6"/>
+    <p:sldId id="592" r:id="rId5"/>
+    <p:sldId id="728" r:id="rId6"/>
     <p:sldId id="596" r:id="rId7"/>
     <p:sldId id="287" r:id="rId8"/>
     <p:sldId id="368" r:id="rId9"/>
@@ -2235,7 +2235,7 @@
               <a:pPr algn="ctr">
                 <a:defRPr/>
               </a:pPr>
-              <a:t>18.06.2024</a:t>
+              <a:t>19.06.2024</a:t>
             </a:fld>
             <a:endParaRPr lang="de-DE" sz="1000" dirty="0">
               <a:solidFill>
@@ -4358,7 +4358,7 @@
               <a:pPr algn="ctr">
                 <a:defRPr/>
               </a:pPr>
-              <a:t>18.06.2024</a:t>
+              <a:t>19.06.2024</a:t>
             </a:fld>
             <a:endParaRPr lang="de-DE" sz="1000">
               <a:solidFill>
@@ -8198,7 +8198,7 @@
             </a:pPr>
             <a:r>
               <a:rPr lang="de-DE" altLang="de-DE" sz="1800" b="1" dirty="0"/>
-              <a:t>Tag 3 – </a:t>
+              <a:t>Tag 3 – Docker, </a:t>
             </a:r>
             <a:r>
               <a:rPr lang="de-DE" altLang="de-DE" sz="1800" b="1" dirty="0" err="1"/>
@@ -8206,7 +8206,7 @@
             </a:r>
             <a:r>
               <a:rPr lang="de-DE" altLang="de-DE" sz="1800" b="1" dirty="0"/>
-              <a:t>, Docker, </a:t>
+              <a:t>, </a:t>
             </a:r>
             <a:r>
               <a:rPr lang="de-DE" altLang="de-DE" sz="1800" b="1" dirty="0" err="1"/>
@@ -8223,12 +8223,8 @@
               <a:buChar char="•"/>
             </a:pPr>
             <a:r>
-              <a:rPr lang="de-DE" altLang="de-DE" sz="1400" dirty="0" err="1"/>
-              <a:t>GitOps</a:t>
-            </a:r>
-            <a:r>
               <a:rPr lang="de-DE" altLang="de-DE" sz="1400" dirty="0"/>
-              <a:t> Grundlagen</a:t>
+              <a:t>Entwicklung mit Docker</a:t>
             </a:r>
           </a:p>
           <a:p>
@@ -8238,7 +8234,7 @@
             </a:pPr>
             <a:r>
               <a:rPr lang="de-DE" altLang="de-DE" sz="1400" dirty="0"/>
-              <a:t>Entwicklung mit Docker</a:t>
+              <a:t>Container/Docker-Registry</a:t>
             </a:r>
           </a:p>
           <a:p>
@@ -8248,7 +8244,15 @@
             </a:pPr>
             <a:r>
               <a:rPr lang="de-DE" altLang="de-DE" sz="1400" dirty="0"/>
-              <a:t>Container/Docker-Registry</a:t>
+              <a:t>Erstellen von Release- und </a:t>
+            </a:r>
+            <a:r>
+              <a:rPr lang="de-DE" altLang="de-DE" sz="1400" dirty="0" err="1"/>
+              <a:t>Tagged</a:t>
+            </a:r>
+            <a:r>
+              <a:rPr lang="de-DE" altLang="de-DE" sz="1400" dirty="0"/>
+              <a:t>-Images</a:t>
             </a:r>
           </a:p>
           <a:p>
@@ -8257,16 +8261,12 @@
               <a:buChar char="•"/>
             </a:pPr>
             <a:r>
+              <a:rPr lang="de-DE" altLang="de-DE" sz="1400" dirty="0" err="1"/>
+              <a:t>GitOps</a:t>
+            </a:r>
+            <a:r>
               <a:rPr lang="de-DE" altLang="de-DE" sz="1400" dirty="0"/>
-              <a:t>Erstellen von Release- und </a:t>
-            </a:r>
-            <a:r>
-              <a:rPr lang="de-DE" altLang="de-DE" sz="1400" dirty="0" err="1"/>
-              <a:t>Tagged</a:t>
-            </a:r>
-            <a:r>
-              <a:rPr lang="de-DE" altLang="de-DE" sz="1400" dirty="0"/>
-              <a:t>-Images</a:t>
+              <a:t> Grundlagen</a:t>
             </a:r>
           </a:p>
           <a:p>
@@ -8340,6 +8340,11 @@
         </p:txBody>
       </p:sp>
     </p:spTree>
+    <p:extLst>
+      <p:ext uri="{BB962C8B-B14F-4D97-AF65-F5344CB8AC3E}">
+        <p14:creationId xmlns:p14="http://schemas.microsoft.com/office/powerpoint/2010/main" val="3781715788"/>
+      </p:ext>
+    </p:extLst>
   </p:cSld>
   <p:clrMapOvr>
     <a:masterClrMapping/>
@@ -8599,7 +8604,7 @@
             </a:pPr>
             <a:r>
               <a:rPr lang="de-DE" altLang="de-DE" sz="1800" b="1" dirty="0"/>
-              <a:t>Tag 3 – </a:t>
+              <a:t>Tag 3 – Docker, </a:t>
             </a:r>
             <a:r>
               <a:rPr lang="de-DE" altLang="de-DE" sz="1800" b="1" dirty="0" err="1"/>
@@ -8607,7 +8612,7 @@
             </a:r>
             <a:r>
               <a:rPr lang="de-DE" altLang="de-DE" sz="1800" b="1" dirty="0"/>
-              <a:t>, Docker, </a:t>
+              <a:t>, </a:t>
             </a:r>
             <a:r>
               <a:rPr lang="de-DE" altLang="de-DE" sz="1800" b="1" dirty="0" err="1"/>
@@ -8624,12 +8629,8 @@
               <a:buChar char="•"/>
             </a:pPr>
             <a:r>
-              <a:rPr lang="de-DE" altLang="de-DE" sz="1400" dirty="0" err="1"/>
-              <a:t>GitOps</a:t>
-            </a:r>
-            <a:r>
               <a:rPr lang="de-DE" altLang="de-DE" sz="1400" dirty="0"/>
-              <a:t> Grundlagen</a:t>
+              <a:t>Entwicklung mit Docker</a:t>
             </a:r>
           </a:p>
           <a:p>
@@ -8639,7 +8640,7 @@
             </a:pPr>
             <a:r>
               <a:rPr lang="de-DE" altLang="de-DE" sz="1400" dirty="0"/>
-              <a:t>Entwicklung mit Docker</a:t>
+              <a:t>Container/Docker-Registry</a:t>
             </a:r>
           </a:p>
           <a:p>
@@ -8649,7 +8650,15 @@
             </a:pPr>
             <a:r>
               <a:rPr lang="de-DE" altLang="de-DE" sz="1400" dirty="0"/>
-              <a:t>Container/Docker-Registry</a:t>
+              <a:t>Erstellen von Release- und </a:t>
+            </a:r>
+            <a:r>
+              <a:rPr lang="de-DE" altLang="de-DE" sz="1400" dirty="0" err="1"/>
+              <a:t>Tagged</a:t>
+            </a:r>
+            <a:r>
+              <a:rPr lang="de-DE" altLang="de-DE" sz="1400" dirty="0"/>
+              <a:t>-Images</a:t>
             </a:r>
           </a:p>
           <a:p>
@@ -8658,16 +8667,12 @@
               <a:buChar char="•"/>
             </a:pPr>
             <a:r>
+              <a:rPr lang="de-DE" altLang="de-DE" sz="1400" dirty="0" err="1"/>
+              <a:t>GitOps</a:t>
+            </a:r>
+            <a:r>
               <a:rPr lang="de-DE" altLang="de-DE" sz="1400" dirty="0"/>
-              <a:t>Erstellen von Release- und </a:t>
-            </a:r>
-            <a:r>
-              <a:rPr lang="de-DE" altLang="de-DE" sz="1400" dirty="0" err="1"/>
-              <a:t>Tagged</a:t>
-            </a:r>
-            <a:r>
-              <a:rPr lang="de-DE" altLang="de-DE" sz="1400" dirty="0"/>
-              <a:t>-Images</a:t>
+              <a:t> Grundlagen</a:t>
             </a:r>
           </a:p>
           <a:p>
@@ -8741,6 +8746,11 @@
         </p:txBody>
       </p:sp>
     </p:spTree>
+    <p:extLst>
+      <p:ext uri="{BB962C8B-B14F-4D97-AF65-F5344CB8AC3E}">
+        <p14:creationId xmlns:p14="http://schemas.microsoft.com/office/powerpoint/2010/main" val="3799254221"/>
+      </p:ext>
+    </p:extLst>
   </p:cSld>
   <p:clrMapOvr>
     <a:masterClrMapping/>

--- a/slides/Tag-2_3-Tags-und-Releases.pptx
+++ b/slides/Tag-2_3-Tags-und-Releases.pptx
@@ -2235,7 +2235,7 @@
               <a:pPr algn="ctr">
                 <a:defRPr/>
               </a:pPr>
-              <a:t>19.06.2024</a:t>
+              <a:t>06.07.2024</a:t>
             </a:fld>
             <a:endParaRPr lang="de-DE" sz="1000" dirty="0">
               <a:solidFill>
@@ -4358,7 +4358,7 @@
               <a:pPr algn="ctr">
                 <a:defRPr/>
               </a:pPr>
-              <a:t>19.06.2024</a:t>
+              <a:t>06.07.2024</a:t>
             </a:fld>
             <a:endParaRPr lang="de-DE" sz="1000">
               <a:solidFill>
@@ -5772,8 +5772,12 @@
               <a:buNone/>
             </a:pPr>
             <a:r>
+              <a:rPr lang="de-DE" altLang="de-DE" sz="1600"/>
+              <a:t>09.07.2024</a:t>
+            </a:r>
+            <a:r>
               <a:rPr lang="de-DE" altLang="de-DE" sz="1600" dirty="0"/>
-              <a:t>18.06.2024, Daniel Krämer</a:t>
+              <a:t>, Daniel Krämer</a:t>
             </a:r>
           </a:p>
         </p:txBody>

--- a/slides/Tag-2_3-Tags-und-Releases.pptx
+++ b/slides/Tag-2_3-Tags-und-Releases.pptx
@@ -7,30 +7,28 @@
     <p:sldMasterId id="2147483897" r:id="rId3"/>
   </p:sldMasterIdLst>
   <p:notesMasterIdLst>
-    <p:notesMasterId r:id="rId22"/>
+    <p:notesMasterId r:id="rId20"/>
   </p:notesMasterIdLst>
   <p:handoutMasterIdLst>
-    <p:handoutMasterId r:id="rId23"/>
+    <p:handoutMasterId r:id="rId21"/>
   </p:handoutMasterIdLst>
   <p:sldIdLst>
-    <p:sldId id="604" r:id="rId4"/>
-    <p:sldId id="592" r:id="rId5"/>
-    <p:sldId id="728" r:id="rId6"/>
-    <p:sldId id="596" r:id="rId7"/>
-    <p:sldId id="287" r:id="rId8"/>
-    <p:sldId id="368" r:id="rId9"/>
-    <p:sldId id="420" r:id="rId10"/>
-    <p:sldId id="421" r:id="rId11"/>
-    <p:sldId id="424" r:id="rId12"/>
-    <p:sldId id="423" r:id="rId13"/>
-    <p:sldId id="425" r:id="rId14"/>
-    <p:sldId id="426" r:id="rId15"/>
-    <p:sldId id="427" r:id="rId16"/>
-    <p:sldId id="597" r:id="rId17"/>
-    <p:sldId id="724" r:id="rId18"/>
-    <p:sldId id="598" r:id="rId19"/>
-    <p:sldId id="430" r:id="rId20"/>
-    <p:sldId id="725" r:id="rId21"/>
+    <p:sldId id="728" r:id="rId4"/>
+    <p:sldId id="596" r:id="rId5"/>
+    <p:sldId id="287" r:id="rId6"/>
+    <p:sldId id="368" r:id="rId7"/>
+    <p:sldId id="420" r:id="rId8"/>
+    <p:sldId id="421" r:id="rId9"/>
+    <p:sldId id="424" r:id="rId10"/>
+    <p:sldId id="423" r:id="rId11"/>
+    <p:sldId id="425" r:id="rId12"/>
+    <p:sldId id="426" r:id="rId13"/>
+    <p:sldId id="427" r:id="rId14"/>
+    <p:sldId id="597" r:id="rId15"/>
+    <p:sldId id="724" r:id="rId16"/>
+    <p:sldId id="598" r:id="rId17"/>
+    <p:sldId id="430" r:id="rId18"/>
+    <p:sldId id="725" r:id="rId19"/>
   </p:sldIdLst>
   <p:sldSz cx="9144000" cy="6858000" type="screen4x3"/>
   <p:notesSz cx="6784975" cy="9921875"/>
@@ -1100,7 +1098,7 @@
                 <a:latin typeface="Arial" panose="020B0604020202020204" pitchFamily="34" charset="0"/>
               </a:rPr>
               <a:pPr/>
-              <a:t>5</a:t>
+              <a:t>3</a:t>
             </a:fld>
             <a:endParaRPr lang="de-DE" altLang="de-DE" sz="1000">
               <a:latin typeface="Arial" panose="020B0604020202020204" pitchFamily="34" charset="0"/>
@@ -1304,7 +1302,7 @@
                 <a:tabLst/>
                 <a:defRPr/>
               </a:pPr>
-              <a:t>15</a:t>
+              <a:t>13</a:t>
             </a:fld>
             <a:endParaRPr kumimoji="0" lang="de-DE" altLang="de-DE" sz="1000" b="0" i="1" u="none" strike="noStrike" kern="1200" cap="none" spc="0" normalizeH="0" baseline="0" noProof="0">
               <a:ln>
@@ -1448,7 +1446,7 @@
                 <a:tabLst/>
                 <a:defRPr/>
               </a:pPr>
-              <a:t>18</a:t>
+              <a:t>16</a:t>
             </a:fld>
             <a:endParaRPr kumimoji="0" lang="de-DE" altLang="de-DE" sz="1000" b="0" i="1" u="none" strike="noStrike" kern="1200" cap="none" spc="0" normalizeH="0" baseline="0" noProof="0">
               <a:ln>
@@ -2235,7 +2233,7 @@
               <a:pPr algn="ctr">
                 <a:defRPr/>
               </a:pPr>
-              <a:t>06.07.2024</a:t>
+              <a:t>06.09.24</a:t>
             </a:fld>
             <a:endParaRPr lang="de-DE" sz="1000" dirty="0">
               <a:solidFill>
@@ -2598,7 +2596,7 @@
                 </a:solidFill>
                 <a:latin typeface="Arial" charset="0"/>
               </a:rPr>
-              <a:t>Daniel Krämer</a:t>
+              <a:t>Jan Lühr</a:t>
             </a:r>
           </a:p>
         </p:txBody>
@@ -4358,7 +4356,7 @@
               <a:pPr algn="ctr">
                 <a:defRPr/>
               </a:pPr>
-              <a:t>06.07.2024</a:t>
+              <a:t>06.09.24</a:t>
             </a:fld>
             <a:endParaRPr lang="de-DE" sz="1000">
               <a:solidFill>
@@ -4721,7 +4719,7 @@
                 </a:solidFill>
                 <a:latin typeface="Arial" charset="0"/>
               </a:rPr>
-              <a:t>Daniel Krämer</a:t>
+              <a:t>Jan Lühr</a:t>
             </a:r>
           </a:p>
         </p:txBody>
@@ -5647,10 +5645,353 @@
       </p:grpSpPr>
       <p:sp>
         <p:nvSpPr>
-          <p:cNvPr id="4098" name="Rectangle 2">
+          <p:cNvPr id="6146" name="Inhaltsplatzhalter 18">
             <a:extLst>
               <a:ext uri="{FF2B5EF4-FFF2-40B4-BE49-F238E27FC236}">
-                <a16:creationId xmlns:a16="http://schemas.microsoft.com/office/drawing/2014/main" id="{E4B2C6CD-AD60-3C79-94C5-A3C58293BC9E}"/>
+                <a16:creationId xmlns:a16="http://schemas.microsoft.com/office/drawing/2014/main" id="{BE3C4C95-FD5D-27F0-ED0C-AB8113CAC9F1}"/>
+              </a:ext>
+            </a:extLst>
+          </p:cNvPr>
+          <p:cNvSpPr>
+            <a:spLocks noGrp="1"/>
+          </p:cNvSpPr>
+          <p:nvPr>
+            <p:ph idx="1"/>
+          </p:nvPr>
+        </p:nvSpPr>
+        <p:spPr/>
+        <p:txBody>
+          <a:bodyPr/>
+          <a:lstStyle/>
+          <a:p>
+            <a:pPr>
+              <a:buFont typeface="Arial" panose="020B0604020202020204" pitchFamily="34" charset="0"/>
+              <a:buChar char="•"/>
+            </a:pPr>
+            <a:r>
+              <a:rPr lang="de-DE" altLang="de-DE" sz="1800" b="1" dirty="0"/>
+              <a:t>Tag 1 – Einführung in </a:t>
+            </a:r>
+            <a:r>
+              <a:rPr lang="de-DE" altLang="de-DE" sz="1800" b="1" dirty="0" err="1"/>
+              <a:t>Git</a:t>
+            </a:r>
+            <a:r>
+              <a:rPr lang="de-DE" altLang="de-DE" sz="1800" b="1" dirty="0"/>
+              <a:t> und </a:t>
+            </a:r>
+            <a:r>
+              <a:rPr lang="de-DE" altLang="de-DE" sz="1800" b="1" dirty="0" err="1"/>
+              <a:t>GitLab</a:t>
+            </a:r>
+            <a:endParaRPr lang="de-DE" altLang="de-DE" sz="1800" b="1" dirty="0"/>
+          </a:p>
+          <a:p>
+            <a:pPr lvl="1">
+              <a:buFont typeface="Arial" panose="020B0604020202020204" pitchFamily="34" charset="0"/>
+              <a:buChar char="•"/>
+            </a:pPr>
+            <a:r>
+              <a:rPr lang="de-DE" altLang="de-DE" sz="1400" dirty="0"/>
+              <a:t>Einführung &amp; Kursüberblick</a:t>
+            </a:r>
+          </a:p>
+          <a:p>
+            <a:pPr lvl="1">
+              <a:buFont typeface="Arial" panose="020B0604020202020204" pitchFamily="34" charset="0"/>
+              <a:buChar char="•"/>
+            </a:pPr>
+            <a:r>
+              <a:rPr lang="de-DE" altLang="de-DE" sz="1400" dirty="0"/>
+              <a:t>Grundlagen von </a:t>
+            </a:r>
+            <a:r>
+              <a:rPr lang="de-DE" altLang="de-DE" sz="1400" dirty="0" err="1"/>
+              <a:t>Git</a:t>
+            </a:r>
+            <a:endParaRPr lang="de-DE" altLang="de-DE" sz="1400" dirty="0"/>
+          </a:p>
+          <a:p>
+            <a:pPr lvl="1">
+              <a:buFont typeface="Arial" panose="020B0604020202020204" pitchFamily="34" charset="0"/>
+              <a:buChar char="•"/>
+            </a:pPr>
+            <a:r>
+              <a:rPr lang="de-DE" altLang="de-DE" sz="1400" dirty="0" err="1"/>
+              <a:t>Git</a:t>
+            </a:r>
+            <a:r>
+              <a:rPr lang="de-DE" altLang="de-DE" sz="1400" dirty="0"/>
+              <a:t> </a:t>
+            </a:r>
+            <a:r>
+              <a:rPr lang="de-DE" altLang="de-DE" sz="1400" dirty="0" err="1"/>
+              <a:t>Rebase</a:t>
+            </a:r>
+            <a:r>
+              <a:rPr lang="de-DE" altLang="de-DE" sz="1400" dirty="0"/>
+              <a:t> und </a:t>
+            </a:r>
+            <a:r>
+              <a:rPr lang="de-DE" altLang="de-DE" sz="1400" dirty="0" err="1"/>
+              <a:t>Merge</a:t>
+            </a:r>
+            <a:r>
+              <a:rPr lang="de-DE" altLang="de-DE" sz="1400" dirty="0"/>
+              <a:t>-Strategien</a:t>
+            </a:r>
+          </a:p>
+          <a:p>
+            <a:pPr lvl="1">
+              <a:buFont typeface="Arial" panose="020B0604020202020204" pitchFamily="34" charset="0"/>
+              <a:buChar char="•"/>
+            </a:pPr>
+            <a:r>
+              <a:rPr lang="de-DE" altLang="de-DE" sz="1400" dirty="0" err="1"/>
+              <a:t>Git</a:t>
+            </a:r>
+            <a:r>
+              <a:rPr lang="de-DE" altLang="de-DE" sz="1400" dirty="0"/>
+              <a:t> Remote</a:t>
+            </a:r>
+          </a:p>
+          <a:p>
+            <a:pPr lvl="1">
+              <a:buFont typeface="Arial" panose="020B0604020202020204" pitchFamily="34" charset="0"/>
+              <a:buChar char="•"/>
+            </a:pPr>
+            <a:r>
+              <a:rPr lang="de-DE" altLang="de-DE" sz="1400" dirty="0"/>
+              <a:t>Grundlagen von </a:t>
+            </a:r>
+            <a:r>
+              <a:rPr lang="de-DE" altLang="de-DE" sz="1400" dirty="0" err="1"/>
+              <a:t>GitLab</a:t>
+            </a:r>
+            <a:endParaRPr lang="de-DE" altLang="de-DE" sz="1400" dirty="0"/>
+          </a:p>
+          <a:p>
+            <a:pPr>
+              <a:buFont typeface="Arial" panose="020B0604020202020204" pitchFamily="34" charset="0"/>
+              <a:buChar char="•"/>
+            </a:pPr>
+            <a:r>
+              <a:rPr lang="de-DE" altLang="de-DE" sz="1800" b="1" dirty="0"/>
+              <a:t>Tag 2 – </a:t>
+            </a:r>
+            <a:r>
+              <a:rPr lang="de-DE" altLang="de-DE" sz="1800" b="1" dirty="0" err="1"/>
+              <a:t>Git</a:t>
+            </a:r>
+            <a:r>
+              <a:rPr lang="de-DE" altLang="de-DE" sz="1800" b="1" dirty="0"/>
+              <a:t>-Workflows, CI/CD, </a:t>
+            </a:r>
+            <a:r>
+              <a:rPr lang="de-DE" altLang="de-DE" sz="1800" b="1" dirty="0" err="1"/>
+              <a:t>GitLab</a:t>
+            </a:r>
+            <a:r>
+              <a:rPr lang="de-DE" altLang="de-DE" sz="1800" b="1" dirty="0"/>
+              <a:t> CI </a:t>
+            </a:r>
+          </a:p>
+          <a:p>
+            <a:pPr lvl="1">
+              <a:buFont typeface="Arial" panose="020B0604020202020204" pitchFamily="34" charset="0"/>
+              <a:buChar char="•"/>
+            </a:pPr>
+            <a:r>
+              <a:rPr lang="de-DE" altLang="de-DE" sz="1400" dirty="0" err="1"/>
+              <a:t>Git</a:t>
+            </a:r>
+            <a:r>
+              <a:rPr lang="de-DE" altLang="de-DE" sz="1400" dirty="0"/>
+              <a:t>-Workflow im Team</a:t>
+            </a:r>
+          </a:p>
+          <a:p>
+            <a:pPr lvl="1">
+              <a:buFont typeface="Arial" panose="020B0604020202020204" pitchFamily="34" charset="0"/>
+              <a:buChar char="•"/>
+            </a:pPr>
+            <a:r>
+              <a:rPr lang="de-DE" altLang="de-DE" sz="1400" dirty="0" err="1"/>
+              <a:t>Gitflow</a:t>
+            </a:r>
+            <a:r>
+              <a:rPr lang="de-DE" altLang="de-DE" sz="1400" dirty="0"/>
+              <a:t>-Workflow</a:t>
+            </a:r>
+          </a:p>
+          <a:p>
+            <a:pPr lvl="1">
+              <a:buFont typeface="Arial" panose="020B0604020202020204" pitchFamily="34" charset="0"/>
+              <a:buChar char="•"/>
+            </a:pPr>
+            <a:r>
+              <a:rPr lang="de-DE" altLang="de-DE" sz="1400" u="sng" dirty="0"/>
+              <a:t>Tags, Releases &amp; deren Verwaltung</a:t>
+            </a:r>
+          </a:p>
+          <a:p>
+            <a:pPr lvl="1">
+              <a:buFont typeface="Arial" panose="020B0604020202020204" pitchFamily="34" charset="0"/>
+              <a:buChar char="•"/>
+            </a:pPr>
+            <a:r>
+              <a:rPr lang="de-DE" altLang="de-DE" sz="1400" dirty="0"/>
+              <a:t>Einführung in </a:t>
+            </a:r>
+            <a:r>
+              <a:rPr lang="de-DE" altLang="de-DE" sz="1400" dirty="0" err="1"/>
+              <a:t>GitLab</a:t>
+            </a:r>
+            <a:r>
+              <a:rPr lang="de-DE" altLang="de-DE" sz="1400" dirty="0"/>
+              <a:t> CI/CD &amp; </a:t>
+            </a:r>
+            <a:r>
+              <a:rPr lang="de-DE" altLang="de-DE" sz="1400" dirty="0" err="1"/>
+              <a:t>gitlab-ci.yml</a:t>
+            </a:r>
+            <a:endParaRPr lang="de-DE" altLang="de-DE" sz="1400" dirty="0"/>
+          </a:p>
+          <a:p>
+            <a:pPr lvl="1">
+              <a:buFont typeface="Arial" panose="020B0604020202020204" pitchFamily="34" charset="0"/>
+              <a:buChar char="•"/>
+            </a:pPr>
+            <a:r>
+              <a:rPr lang="de-DE" altLang="de-DE" sz="1400" dirty="0" err="1"/>
+              <a:t>GitLab</a:t>
+            </a:r>
+            <a:r>
+              <a:rPr lang="de-DE" altLang="de-DE" sz="1400" dirty="0"/>
+              <a:t> Runner</a:t>
+            </a:r>
+          </a:p>
+          <a:p>
+            <a:pPr>
+              <a:buFont typeface="Arial" panose="020B0604020202020204" pitchFamily="34" charset="0"/>
+              <a:buChar char="•"/>
+            </a:pPr>
+            <a:r>
+              <a:rPr lang="de-DE" altLang="de-DE" sz="1800" b="1" dirty="0"/>
+              <a:t>Tag 3 – Docker, </a:t>
+            </a:r>
+            <a:r>
+              <a:rPr lang="de-DE" altLang="de-DE" sz="1800" b="1" dirty="0" err="1"/>
+              <a:t>GitOps</a:t>
+            </a:r>
+            <a:r>
+              <a:rPr lang="de-DE" altLang="de-DE" sz="1800" b="1" dirty="0"/>
+              <a:t>, </a:t>
+            </a:r>
+            <a:r>
+              <a:rPr lang="de-DE" altLang="de-DE" sz="1800" b="1" dirty="0" err="1"/>
+              <a:t>Deployment</a:t>
+            </a:r>
+            <a:r>
+              <a:rPr lang="de-DE" altLang="de-DE" sz="1800" b="1" dirty="0"/>
+              <a:t>-Strategien</a:t>
+            </a:r>
+          </a:p>
+          <a:p>
+            <a:pPr lvl="1">
+              <a:buFont typeface="Arial" panose="020B0604020202020204" pitchFamily="34" charset="0"/>
+              <a:buChar char="•"/>
+            </a:pPr>
+            <a:r>
+              <a:rPr lang="de-DE" altLang="de-DE" sz="1400" dirty="0"/>
+              <a:t>Entwicklung mit Docker</a:t>
+            </a:r>
+          </a:p>
+          <a:p>
+            <a:pPr lvl="1">
+              <a:buFont typeface="Arial" panose="020B0604020202020204" pitchFamily="34" charset="0"/>
+              <a:buChar char="•"/>
+            </a:pPr>
+            <a:r>
+              <a:rPr lang="de-DE" altLang="de-DE" sz="1400" dirty="0"/>
+              <a:t>Container/Docker-Registry</a:t>
+            </a:r>
+          </a:p>
+          <a:p>
+            <a:pPr lvl="1">
+              <a:buFont typeface="Arial" panose="020B0604020202020204" pitchFamily="34" charset="0"/>
+              <a:buChar char="•"/>
+            </a:pPr>
+            <a:r>
+              <a:rPr lang="de-DE" altLang="de-DE" sz="1400" dirty="0"/>
+              <a:t>Erstellen von Release- und </a:t>
+            </a:r>
+            <a:r>
+              <a:rPr lang="de-DE" altLang="de-DE" sz="1400" dirty="0" err="1"/>
+              <a:t>Tagged</a:t>
+            </a:r>
+            <a:r>
+              <a:rPr lang="de-DE" altLang="de-DE" sz="1400" dirty="0"/>
+              <a:t>-Images</a:t>
+            </a:r>
+          </a:p>
+          <a:p>
+            <a:pPr lvl="1">
+              <a:buFont typeface="Arial" panose="020B0604020202020204" pitchFamily="34" charset="0"/>
+              <a:buChar char="•"/>
+            </a:pPr>
+            <a:r>
+              <a:rPr lang="de-DE" altLang="de-DE" sz="1400" dirty="0" err="1"/>
+              <a:t>GitOps</a:t>
+            </a:r>
+            <a:r>
+              <a:rPr lang="de-DE" altLang="de-DE" sz="1400" dirty="0"/>
+              <a:t> Grundlagen</a:t>
+            </a:r>
+          </a:p>
+          <a:p>
+            <a:pPr lvl="1">
+              <a:buFont typeface="Arial" panose="020B0604020202020204" pitchFamily="34" charset="0"/>
+              <a:buChar char="•"/>
+            </a:pPr>
+            <a:r>
+              <a:rPr lang="de-DE" altLang="de-DE" sz="1400" dirty="0"/>
+              <a:t>Möglichkeiten des </a:t>
+            </a:r>
+            <a:r>
+              <a:rPr lang="de-DE" altLang="de-DE" sz="1400" dirty="0" err="1"/>
+              <a:t>Deployments</a:t>
+            </a:r>
+            <a:r>
+              <a:rPr lang="de-DE" altLang="de-DE" sz="1400" dirty="0"/>
+              <a:t> &amp; Verwaltung von Konfiguration</a:t>
+            </a:r>
+          </a:p>
+          <a:p>
+            <a:pPr lvl="1">
+              <a:buFont typeface="Arial" panose="020B0604020202020204" pitchFamily="34" charset="0"/>
+              <a:buChar char="•"/>
+            </a:pPr>
+            <a:r>
+              <a:rPr lang="de-DE" altLang="de-DE" sz="1400" dirty="0"/>
+              <a:t>Abschlussübung &amp; Diskussion</a:t>
+            </a:r>
+          </a:p>
+          <a:p>
+            <a:pPr lvl="1">
+              <a:buFont typeface="Arial" panose="020B0604020202020204" pitchFamily="34" charset="0"/>
+              <a:buChar char="•"/>
+            </a:pPr>
+            <a:endParaRPr lang="de-DE" altLang="de-DE" sz="1400" dirty="0"/>
+          </a:p>
+        </p:txBody>
+      </p:sp>
+      <p:sp>
+        <p:nvSpPr>
+          <p:cNvPr id="6147" name="Rectangle 1062">
+            <a:extLst>
+              <a:ext uri="{FF2B5EF4-FFF2-40B4-BE49-F238E27FC236}">
+                <a16:creationId xmlns:a16="http://schemas.microsoft.com/office/drawing/2014/main" id="{C46E9340-3256-8D55-A265-94F2F41E288E}"/>
               </a:ext>
             </a:extLst>
           </p:cNvPr>
@@ -5658,327 +5999,32 @@
             <a:spLocks noGrp="1" noChangeArrowheads="1"/>
           </p:cNvSpPr>
           <p:nvPr>
-            <p:ph type="ctrTitle" idx="4294967295"/>
+            <p:ph type="title"/>
           </p:nvPr>
         </p:nvSpPr>
-        <p:spPr bwMode="auto">
+        <p:spPr>
           <a:xfrm>
-            <a:off x="468313" y="2562225"/>
-            <a:ext cx="5471839" cy="938213"/>
+            <a:off x="285750" y="142875"/>
+            <a:ext cx="5654675" cy="706438"/>
           </a:xfrm>
-          <a:prstGeom prst="rect">
-            <a:avLst/>
-          </a:prstGeom>
-          <a:noFill/>
-          <a:extLst>
-            <a:ext uri="{909E8E84-426E-40DD-AFC4-6F175D3DCCD1}">
-              <a14:hiddenFill xmlns:a14="http://schemas.microsoft.com/office/drawing/2010/main">
-                <a:solidFill>
-                  <a:srgbClr val="FFFFFF"/>
-                </a:solidFill>
-              </a14:hiddenFill>
-            </a:ext>
-            <a:ext uri="{91240B29-F687-4F45-9708-019B960494DF}">
-              <a14:hiddenLine xmlns:a14="http://schemas.microsoft.com/office/drawing/2010/main" w="9525">
-                <a:solidFill>
-                  <a:srgbClr val="000000"/>
-                </a:solidFill>
-                <a:miter lim="800000"/>
-                <a:headEnd/>
-                <a:tailEnd/>
-              </a14:hiddenLine>
-            </a:ext>
-          </a:extLst>
         </p:spPr>
         <p:txBody>
           <a:bodyPr/>
           <a:lstStyle/>
           <a:p>
-            <a:pPr algn="l" eaLnBrk="1" hangingPunct="1"/>
-            <a:r>
-              <a:rPr lang="de-DE" altLang="de-DE" sz="3200" dirty="0"/>
-              <a:t>Tag 2: </a:t>
-            </a:r>
-            <a:r>
-              <a:rPr lang="de-DE" altLang="de-DE" sz="3200" dirty="0" err="1"/>
-              <a:t>Git</a:t>
-            </a:r>
-            <a:r>
-              <a:rPr lang="de-DE" altLang="de-DE" sz="3200" dirty="0"/>
-              <a:t>-Workflows, CI/CD, </a:t>
-            </a:r>
-            <a:r>
-              <a:rPr lang="de-DE" altLang="de-DE" sz="3200" dirty="0" err="1"/>
-              <a:t>GitLab</a:t>
-            </a:r>
-            <a:r>
-              <a:rPr lang="de-DE" altLang="de-DE" sz="3200" dirty="0"/>
-              <a:t> CI </a:t>
+            <a:r>
+              <a:rPr lang="de-DE" altLang="de-DE" dirty="0"/>
+              <a:t>Agenda</a:t>
             </a:r>
           </a:p>
         </p:txBody>
       </p:sp>
-      <p:sp>
-        <p:nvSpPr>
-          <p:cNvPr id="4099" name="Rectangle 3">
-            <a:extLst>
-              <a:ext uri="{FF2B5EF4-FFF2-40B4-BE49-F238E27FC236}">
-                <a16:creationId xmlns:a16="http://schemas.microsoft.com/office/drawing/2014/main" id="{89107976-89BA-B819-B0F4-5904DD4F4AAC}"/>
-              </a:ext>
-            </a:extLst>
-          </p:cNvPr>
-          <p:cNvSpPr>
-            <a:spLocks noGrp="1" noChangeArrowheads="1"/>
-          </p:cNvSpPr>
-          <p:nvPr>
-            <p:ph type="subTitle" idx="4294967295"/>
-          </p:nvPr>
-        </p:nvSpPr>
-        <p:spPr bwMode="auto">
-          <a:xfrm>
-            <a:off x="468312" y="4462463"/>
-            <a:ext cx="4190603" cy="622300"/>
-          </a:xfrm>
-          <a:prstGeom prst="rect">
-            <a:avLst/>
-          </a:prstGeom>
-          <a:noFill/>
-          <a:extLst>
-            <a:ext uri="{909E8E84-426E-40DD-AFC4-6F175D3DCCD1}">
-              <a14:hiddenFill xmlns:a14="http://schemas.microsoft.com/office/drawing/2010/main">
-                <a:solidFill>
-                  <a:srgbClr val="FFFFFF"/>
-                </a:solidFill>
-              </a14:hiddenFill>
-            </a:ext>
-            <a:ext uri="{91240B29-F687-4F45-9708-019B960494DF}">
-              <a14:hiddenLine xmlns:a14="http://schemas.microsoft.com/office/drawing/2010/main" w="9525">
-                <a:solidFill>
-                  <a:srgbClr val="000000"/>
-                </a:solidFill>
-                <a:miter lim="800000"/>
-                <a:headEnd/>
-                <a:tailEnd/>
-              </a14:hiddenLine>
-            </a:ext>
-          </a:extLst>
-        </p:spPr>
-        <p:txBody>
-          <a:bodyPr/>
-          <a:lstStyle/>
-          <a:p>
-            <a:pPr eaLnBrk="1" hangingPunct="1">
-              <a:buFontTx/>
-              <a:buNone/>
-            </a:pPr>
-            <a:r>
-              <a:rPr lang="de-DE" altLang="de-DE" sz="1600"/>
-              <a:t>09.07.2024</a:t>
-            </a:r>
-            <a:r>
-              <a:rPr lang="de-DE" altLang="de-DE" sz="1600" dirty="0"/>
-              <a:t>, Daniel Krämer</a:t>
-            </a:r>
-          </a:p>
-        </p:txBody>
-      </p:sp>
-      <p:sp>
-        <p:nvSpPr>
-          <p:cNvPr id="4100" name="Rectangle 4">
-            <a:extLst>
-              <a:ext uri="{FF2B5EF4-FFF2-40B4-BE49-F238E27FC236}">
-                <a16:creationId xmlns:a16="http://schemas.microsoft.com/office/drawing/2014/main" id="{4D866AF1-CD71-C1C5-56DD-B2E98E020155}"/>
-              </a:ext>
-            </a:extLst>
-          </p:cNvPr>
-          <p:cNvSpPr>
-            <a:spLocks noChangeArrowheads="1"/>
-          </p:cNvSpPr>
-          <p:nvPr/>
-        </p:nvSpPr>
-        <p:spPr bwMode="auto">
-          <a:xfrm>
-            <a:off x="468313" y="549275"/>
-            <a:ext cx="4032250" cy="938213"/>
-          </a:xfrm>
-          <a:prstGeom prst="rect">
-            <a:avLst/>
-          </a:prstGeom>
-          <a:noFill/>
-          <a:ln>
-            <a:noFill/>
-          </a:ln>
-          <a:extLst>
-            <a:ext uri="{909E8E84-426E-40DD-AFC4-6F175D3DCCD1}">
-              <a14:hiddenFill xmlns:a14="http://schemas.microsoft.com/office/drawing/2010/main">
-                <a:solidFill>
-                  <a:srgbClr val="FFFFFF"/>
-                </a:solidFill>
-              </a14:hiddenFill>
-            </a:ext>
-            <a:ext uri="{91240B29-F687-4F45-9708-019B960494DF}">
-              <a14:hiddenLine xmlns:a14="http://schemas.microsoft.com/office/drawing/2010/main" w="9525">
-                <a:solidFill>
-                  <a:srgbClr val="000000"/>
-                </a:solidFill>
-                <a:miter lim="800000"/>
-                <a:headEnd/>
-                <a:tailEnd/>
-              </a14:hiddenLine>
-            </a:ext>
-          </a:extLst>
-        </p:spPr>
-        <p:txBody>
-          <a:bodyPr/>
-          <a:lstStyle>
-            <a:lvl1pPr>
-              <a:defRPr sz="2400">
-                <a:solidFill>
-                  <a:schemeClr val="tx1"/>
-                </a:solidFill>
-                <a:latin typeface="Times New Roman" panose="02020603050405020304" pitchFamily="18" charset="0"/>
-              </a:defRPr>
-            </a:lvl1pPr>
-            <a:lvl2pPr marL="742950" indent="-285750">
-              <a:defRPr sz="2400">
-                <a:solidFill>
-                  <a:schemeClr val="tx1"/>
-                </a:solidFill>
-                <a:latin typeface="Times New Roman" panose="02020603050405020304" pitchFamily="18" charset="0"/>
-              </a:defRPr>
-            </a:lvl2pPr>
-            <a:lvl3pPr marL="1143000" indent="-228600">
-              <a:defRPr sz="2400">
-                <a:solidFill>
-                  <a:schemeClr val="tx1"/>
-                </a:solidFill>
-                <a:latin typeface="Times New Roman" panose="02020603050405020304" pitchFamily="18" charset="0"/>
-              </a:defRPr>
-            </a:lvl3pPr>
-            <a:lvl4pPr marL="1600200" indent="-228600">
-              <a:defRPr sz="2400">
-                <a:solidFill>
-                  <a:schemeClr val="tx1"/>
-                </a:solidFill>
-                <a:latin typeface="Times New Roman" panose="02020603050405020304" pitchFamily="18" charset="0"/>
-              </a:defRPr>
-            </a:lvl4pPr>
-            <a:lvl5pPr marL="2057400" indent="-228600">
-              <a:defRPr sz="2400">
-                <a:solidFill>
-                  <a:schemeClr val="tx1"/>
-                </a:solidFill>
-                <a:latin typeface="Times New Roman" panose="02020603050405020304" pitchFamily="18" charset="0"/>
-              </a:defRPr>
-            </a:lvl5pPr>
-            <a:lvl6pPr marL="2514600" indent="-228600" eaLnBrk="0" fontAlgn="base" hangingPunct="0">
-              <a:spcBef>
-                <a:spcPct val="0"/>
-              </a:spcBef>
-              <a:spcAft>
-                <a:spcPct val="0"/>
-              </a:spcAft>
-              <a:defRPr sz="2400">
-                <a:solidFill>
-                  <a:schemeClr val="tx1"/>
-                </a:solidFill>
-                <a:latin typeface="Times New Roman" panose="02020603050405020304" pitchFamily="18" charset="0"/>
-              </a:defRPr>
-            </a:lvl6pPr>
-            <a:lvl7pPr marL="2971800" indent="-228600" eaLnBrk="0" fontAlgn="base" hangingPunct="0">
-              <a:spcBef>
-                <a:spcPct val="0"/>
-              </a:spcBef>
-              <a:spcAft>
-                <a:spcPct val="0"/>
-              </a:spcAft>
-              <a:defRPr sz="2400">
-                <a:solidFill>
-                  <a:schemeClr val="tx1"/>
-                </a:solidFill>
-                <a:latin typeface="Times New Roman" panose="02020603050405020304" pitchFamily="18" charset="0"/>
-              </a:defRPr>
-            </a:lvl7pPr>
-            <a:lvl8pPr marL="3429000" indent="-228600" eaLnBrk="0" fontAlgn="base" hangingPunct="0">
-              <a:spcBef>
-                <a:spcPct val="0"/>
-              </a:spcBef>
-              <a:spcAft>
-                <a:spcPct val="0"/>
-              </a:spcAft>
-              <a:defRPr sz="2400">
-                <a:solidFill>
-                  <a:schemeClr val="tx1"/>
-                </a:solidFill>
-                <a:latin typeface="Times New Roman" panose="02020603050405020304" pitchFamily="18" charset="0"/>
-              </a:defRPr>
-            </a:lvl8pPr>
-            <a:lvl9pPr marL="3886200" indent="-228600" eaLnBrk="0" fontAlgn="base" hangingPunct="0">
-              <a:spcBef>
-                <a:spcPct val="0"/>
-              </a:spcBef>
-              <a:spcAft>
-                <a:spcPct val="0"/>
-              </a:spcAft>
-              <a:defRPr sz="2400">
-                <a:solidFill>
-                  <a:schemeClr val="tx1"/>
-                </a:solidFill>
-                <a:latin typeface="Times New Roman" panose="02020603050405020304" pitchFamily="18" charset="0"/>
-              </a:defRPr>
-            </a:lvl9pPr>
-          </a:lstStyle>
-          <a:p>
-            <a:pPr eaLnBrk="1" hangingPunct="1"/>
-            <a:endParaRPr lang="de-DE" altLang="de-DE" sz="4400" dirty="0">
-              <a:solidFill>
-                <a:schemeClr val="tx2"/>
-              </a:solidFill>
-              <a:latin typeface="Arial" panose="020B0604020202020204" pitchFamily="34" charset="0"/>
-            </a:endParaRPr>
-          </a:p>
-        </p:txBody>
-      </p:sp>
-      <p:pic>
-        <p:nvPicPr>
-          <p:cNvPr id="3" name="Grafik 2">
-            <a:extLst>
-              <a:ext uri="{FF2B5EF4-FFF2-40B4-BE49-F238E27FC236}">
-                <a16:creationId xmlns:a16="http://schemas.microsoft.com/office/drawing/2014/main" id="{F795EC6A-86ED-78D6-3916-EC81E8315965}"/>
-              </a:ext>
-            </a:extLst>
-          </p:cNvPr>
-          <p:cNvPicPr>
-            <a:picLocks noChangeAspect="1"/>
-          </p:cNvPicPr>
-          <p:nvPr/>
-        </p:nvPicPr>
-        <p:blipFill>
-          <a:blip r:embed="rId2">
-            <a:extLst>
-              <a:ext uri="{28A0092B-C50C-407E-A947-70E740481C1C}">
-                <a14:useLocalDpi xmlns:a14="http://schemas.microsoft.com/office/drawing/2010/main" val="0"/>
-              </a:ext>
-              <a:ext uri="{96DAC541-7B7A-43D3-8B79-37D633B846F1}">
-                <asvg:svgBlip xmlns:asvg="http://schemas.microsoft.com/office/drawing/2016/SVG/main" r:embed="rId3"/>
-              </a:ext>
-            </a:extLst>
-          </a:blip>
-          <a:stretch>
-            <a:fillRect/>
-          </a:stretch>
-        </p:blipFill>
-        <p:spPr>
-          <a:xfrm>
-            <a:off x="309959" y="263970"/>
-            <a:ext cx="4348957" cy="1508822"/>
-          </a:xfrm>
-          <a:prstGeom prst="rect">
-            <a:avLst/>
-          </a:prstGeom>
-        </p:spPr>
-      </p:pic>
     </p:spTree>
+    <p:extLst>
+      <p:ext uri="{BB962C8B-B14F-4D97-AF65-F5344CB8AC3E}">
+        <p14:creationId xmlns:p14="http://schemas.microsoft.com/office/powerpoint/2010/main" val="3799254221"/>
+      </p:ext>
+    </p:extLst>
   </p:cSld>
   <p:clrMapOvr>
     <a:masterClrMapping/>
@@ -6029,326 +6075,81 @@
           <a:bodyPr/>
           <a:lstStyle/>
           <a:p>
-            <a:r>
-              <a:rPr lang="de-DE" altLang="de-DE" dirty="0" err="1">
-                <a:latin typeface="Consolas" panose="020B0609020204030204" pitchFamily="49" charset="0"/>
-              </a:rPr>
-              <a:t>git</a:t>
-            </a:r>
-            <a:r>
-              <a:rPr lang="de-DE" altLang="de-DE" dirty="0">
-                <a:latin typeface="Consolas" panose="020B0609020204030204" pitchFamily="49" charset="0"/>
-              </a:rPr>
-              <a:t> </a:t>
-            </a:r>
-            <a:r>
-              <a:rPr lang="de-DE" altLang="de-DE" dirty="0" err="1">
-                <a:latin typeface="Consolas" panose="020B0609020204030204" pitchFamily="49" charset="0"/>
-              </a:rPr>
-              <a:t>checkout</a:t>
-            </a:r>
-            <a:r>
-              <a:rPr lang="de-DE" altLang="de-DE" dirty="0">
-                <a:latin typeface="Consolas" panose="020B0609020204030204" pitchFamily="49" charset="0"/>
-              </a:rPr>
-              <a:t> &lt;tag-name&gt; </a:t>
-            </a:r>
+            <a:pPr marL="0" indent="0">
+              <a:buNone/>
+            </a:pPr>
+            <a:r>
+              <a:rPr lang="de-DE" altLang="de-DE" b="1" dirty="0" err="1"/>
+              <a:t>Annotated</a:t>
+            </a:r>
+            <a:r>
+              <a:rPr lang="de-DE" altLang="de-DE" b="1" dirty="0"/>
+              <a:t> und Lightweight Tags</a:t>
+            </a:r>
+          </a:p>
+          <a:p>
             <a:r>
               <a:rPr lang="de-DE" altLang="de-DE" dirty="0"/>
-              <a:t>ermöglicht Auschecken eines getaggten Commit</a:t>
-            </a:r>
-          </a:p>
-          <a:p>
-            <a:pPr marL="457200" lvl="1" indent="0">
-              <a:spcBef>
-                <a:spcPts val="0"/>
-              </a:spcBef>
-              <a:buNone/>
-            </a:pPr>
-            <a:endParaRPr lang="en-US" altLang="de-DE" sz="1200" dirty="0">
-              <a:latin typeface="Consolas" panose="020B0609020204030204" pitchFamily="49" charset="0"/>
-            </a:endParaRPr>
-          </a:p>
-          <a:p>
-            <a:pPr marL="457200" lvl="1" indent="0">
-              <a:spcBef>
-                <a:spcPts val="0"/>
-              </a:spcBef>
-              <a:buNone/>
-            </a:pPr>
-            <a:r>
-              <a:rPr lang="en-US" altLang="de-DE" sz="1200" dirty="0">
-                <a:latin typeface="Consolas" panose="020B0609020204030204" pitchFamily="49" charset="0"/>
-              </a:rPr>
-              <a:t>$ git checkout release-v0.0.1</a:t>
-            </a:r>
-          </a:p>
-          <a:p>
-            <a:pPr marL="457200" lvl="1" indent="0">
-              <a:spcBef>
-                <a:spcPts val="0"/>
-              </a:spcBef>
-              <a:buNone/>
-            </a:pPr>
-            <a:r>
-              <a:rPr lang="en-US" altLang="de-DE" sz="1200" dirty="0">
-                <a:latin typeface="Consolas" panose="020B0609020204030204" pitchFamily="49" charset="0"/>
-              </a:rPr>
-              <a:t>Note: switching to 'release-v0.0.1'.</a:t>
-            </a:r>
-          </a:p>
-          <a:p>
-            <a:pPr marL="457200" lvl="1" indent="0">
-              <a:spcBef>
-                <a:spcPts val="0"/>
-              </a:spcBef>
-              <a:buNone/>
-            </a:pPr>
-            <a:endParaRPr lang="en-US" altLang="de-DE" sz="1200" dirty="0">
-              <a:latin typeface="Consolas" panose="020B0609020204030204" pitchFamily="49" charset="0"/>
-            </a:endParaRPr>
-          </a:p>
-          <a:p>
-            <a:pPr marL="457200" lvl="1" indent="0">
-              <a:spcBef>
-                <a:spcPts val="0"/>
-              </a:spcBef>
-              <a:buNone/>
-            </a:pPr>
-            <a:r>
-              <a:rPr lang="en-US" altLang="de-DE" sz="1200" dirty="0">
-                <a:latin typeface="Consolas" panose="020B0609020204030204" pitchFamily="49" charset="0"/>
-              </a:rPr>
-              <a:t>You are in '</a:t>
-            </a:r>
-            <a:r>
-              <a:rPr lang="en-US" altLang="de-DE" sz="1200" b="1" dirty="0">
-                <a:latin typeface="Consolas" panose="020B0609020204030204" pitchFamily="49" charset="0"/>
-              </a:rPr>
-              <a:t>detached HEAD</a:t>
-            </a:r>
-            <a:r>
-              <a:rPr lang="en-US" altLang="de-DE" sz="1200" dirty="0">
-                <a:latin typeface="Consolas" panose="020B0609020204030204" pitchFamily="49" charset="0"/>
-              </a:rPr>
-              <a:t>' state. You can look around, make experimental</a:t>
-            </a:r>
-          </a:p>
-          <a:p>
-            <a:pPr marL="457200" lvl="1" indent="0">
-              <a:spcBef>
-                <a:spcPts val="0"/>
-              </a:spcBef>
-              <a:buNone/>
-            </a:pPr>
-            <a:r>
-              <a:rPr lang="en-US" altLang="de-DE" sz="1200" dirty="0">
-                <a:latin typeface="Consolas" panose="020B0609020204030204" pitchFamily="49" charset="0"/>
-              </a:rPr>
-              <a:t>changes and commit them, and you can discard any commits you make in this</a:t>
-            </a:r>
-          </a:p>
-          <a:p>
-            <a:pPr marL="457200" lvl="1" indent="0">
-              <a:spcBef>
-                <a:spcPts val="0"/>
-              </a:spcBef>
-              <a:buNone/>
-            </a:pPr>
-            <a:r>
-              <a:rPr lang="en-US" altLang="de-DE" sz="1200" dirty="0">
-                <a:latin typeface="Consolas" panose="020B0609020204030204" pitchFamily="49" charset="0"/>
-              </a:rPr>
-              <a:t>state without impacting any branches by switching back to a branch.</a:t>
-            </a:r>
-          </a:p>
-          <a:p>
-            <a:pPr marL="457200" lvl="1" indent="0">
-              <a:spcBef>
-                <a:spcPts val="0"/>
-              </a:spcBef>
-              <a:buNone/>
-            </a:pPr>
-            <a:endParaRPr lang="en-US" altLang="de-DE" sz="1200" dirty="0">
-              <a:latin typeface="Consolas" panose="020B0609020204030204" pitchFamily="49" charset="0"/>
-            </a:endParaRPr>
-          </a:p>
-          <a:p>
-            <a:pPr marL="457200" lvl="1" indent="0">
-              <a:spcBef>
-                <a:spcPts val="0"/>
-              </a:spcBef>
-              <a:buNone/>
-            </a:pPr>
-            <a:r>
-              <a:rPr lang="en-US" altLang="de-DE" sz="1200" dirty="0">
-                <a:latin typeface="Consolas" panose="020B0609020204030204" pitchFamily="49" charset="0"/>
-              </a:rPr>
-              <a:t>If you want to create a new branch to retain commits you create, you may</a:t>
-            </a:r>
-          </a:p>
-          <a:p>
-            <a:pPr marL="457200" lvl="1" indent="0">
-              <a:spcBef>
-                <a:spcPts val="0"/>
-              </a:spcBef>
-              <a:buNone/>
-            </a:pPr>
-            <a:r>
-              <a:rPr lang="en-US" altLang="de-DE" sz="1200" dirty="0">
-                <a:latin typeface="Consolas" panose="020B0609020204030204" pitchFamily="49" charset="0"/>
-              </a:rPr>
-              <a:t>do so (now or later) by using -c with the switch command. Example:</a:t>
-            </a:r>
-          </a:p>
-          <a:p>
-            <a:pPr marL="457200" lvl="1" indent="0">
-              <a:spcBef>
-                <a:spcPts val="0"/>
-              </a:spcBef>
-              <a:buNone/>
-            </a:pPr>
-            <a:endParaRPr lang="en-US" altLang="de-DE" sz="1200" dirty="0">
-              <a:latin typeface="Consolas" panose="020B0609020204030204" pitchFamily="49" charset="0"/>
-            </a:endParaRPr>
-          </a:p>
-          <a:p>
-            <a:pPr marL="457200" lvl="1" indent="0">
-              <a:spcBef>
-                <a:spcPts val="0"/>
-              </a:spcBef>
-              <a:buNone/>
-            </a:pPr>
-            <a:r>
-              <a:rPr lang="en-US" altLang="de-DE" sz="1200" dirty="0">
-                <a:latin typeface="Consolas" panose="020B0609020204030204" pitchFamily="49" charset="0"/>
-              </a:rPr>
-              <a:t>  git switch -c &lt;new-branch-name&gt;</a:t>
-            </a:r>
-          </a:p>
-          <a:p>
-            <a:pPr marL="457200" lvl="1" indent="0">
-              <a:spcBef>
-                <a:spcPts val="0"/>
-              </a:spcBef>
-              <a:buNone/>
-            </a:pPr>
-            <a:endParaRPr lang="en-US" altLang="de-DE" sz="1200" dirty="0">
-              <a:latin typeface="Consolas" panose="020B0609020204030204" pitchFamily="49" charset="0"/>
-            </a:endParaRPr>
-          </a:p>
-          <a:p>
-            <a:pPr marL="457200" lvl="1" indent="0">
-              <a:spcBef>
-                <a:spcPts val="0"/>
-              </a:spcBef>
-              <a:buNone/>
-            </a:pPr>
-            <a:r>
-              <a:rPr lang="en-US" altLang="de-DE" sz="1200" dirty="0">
-                <a:latin typeface="Consolas" panose="020B0609020204030204" pitchFamily="49" charset="0"/>
-              </a:rPr>
-              <a:t>Or undo this operation with:</a:t>
-            </a:r>
-          </a:p>
-          <a:p>
-            <a:pPr marL="457200" lvl="1" indent="0">
-              <a:spcBef>
-                <a:spcPts val="0"/>
-              </a:spcBef>
-              <a:buNone/>
-            </a:pPr>
-            <a:endParaRPr lang="en-US" altLang="de-DE" sz="1200" dirty="0">
-              <a:latin typeface="Consolas" panose="020B0609020204030204" pitchFamily="49" charset="0"/>
-            </a:endParaRPr>
-          </a:p>
-          <a:p>
-            <a:pPr marL="457200" lvl="1" indent="0">
-              <a:spcBef>
-                <a:spcPts val="0"/>
-              </a:spcBef>
-              <a:buNone/>
-            </a:pPr>
-            <a:r>
-              <a:rPr lang="en-US" altLang="de-DE" sz="1200" dirty="0">
-                <a:latin typeface="Consolas" panose="020B0609020204030204" pitchFamily="49" charset="0"/>
-              </a:rPr>
-              <a:t>  git switch -</a:t>
-            </a:r>
-          </a:p>
-          <a:p>
-            <a:pPr marL="457200" lvl="1" indent="0">
-              <a:spcBef>
-                <a:spcPts val="0"/>
-              </a:spcBef>
-              <a:buNone/>
-            </a:pPr>
-            <a:endParaRPr lang="en-US" altLang="de-DE" sz="1200" dirty="0">
-              <a:latin typeface="Consolas" panose="020B0609020204030204" pitchFamily="49" charset="0"/>
-            </a:endParaRPr>
-          </a:p>
-          <a:p>
-            <a:pPr marL="457200" lvl="1" indent="0">
-              <a:spcBef>
-                <a:spcPts val="0"/>
-              </a:spcBef>
-              <a:buNone/>
-            </a:pPr>
-            <a:r>
-              <a:rPr lang="en-US" altLang="de-DE" sz="1200" dirty="0">
-                <a:latin typeface="Consolas" panose="020B0609020204030204" pitchFamily="49" charset="0"/>
-              </a:rPr>
-              <a:t>Turn off this advice by setting config variable </a:t>
-            </a:r>
-            <a:r>
-              <a:rPr lang="en-US" altLang="de-DE" sz="1200" dirty="0" err="1">
-                <a:latin typeface="Consolas" panose="020B0609020204030204" pitchFamily="49" charset="0"/>
-              </a:rPr>
-              <a:t>advice.detachedHead</a:t>
-            </a:r>
-            <a:r>
-              <a:rPr lang="en-US" altLang="de-DE" sz="1200" dirty="0">
-                <a:latin typeface="Consolas" panose="020B0609020204030204" pitchFamily="49" charset="0"/>
-              </a:rPr>
-              <a:t> to false</a:t>
-            </a:r>
-          </a:p>
-          <a:p>
-            <a:pPr marL="457200" lvl="1" indent="0">
-              <a:spcBef>
-                <a:spcPts val="0"/>
-              </a:spcBef>
-              <a:buNone/>
-            </a:pPr>
-            <a:endParaRPr lang="en-US" altLang="de-DE" sz="1200" dirty="0">
-              <a:latin typeface="Consolas" panose="020B0609020204030204" pitchFamily="49" charset="0"/>
-            </a:endParaRPr>
-          </a:p>
-          <a:p>
-            <a:pPr marL="457200" lvl="1" indent="0">
-              <a:spcBef>
-                <a:spcPts val="0"/>
-              </a:spcBef>
-              <a:buNone/>
-            </a:pPr>
-            <a:r>
-              <a:rPr lang="en-US" altLang="de-DE" sz="1200" dirty="0">
-                <a:latin typeface="Consolas" panose="020B0609020204030204" pitchFamily="49" charset="0"/>
-              </a:rPr>
-              <a:t>HEAD is now at c3a059e Add </a:t>
-            </a:r>
-            <a:r>
-              <a:rPr lang="en-US" altLang="de-DE" sz="1200" dirty="0" err="1">
-                <a:latin typeface="Consolas" panose="020B0609020204030204" pitchFamily="49" charset="0"/>
-              </a:rPr>
-              <a:t>final_file</a:t>
-            </a:r>
-            <a:endParaRPr lang="de-DE" altLang="de-DE" sz="1200" dirty="0">
-              <a:latin typeface="Consolas" panose="020B0609020204030204" pitchFamily="49" charset="0"/>
-            </a:endParaRPr>
-          </a:p>
-          <a:p>
-            <a:endParaRPr lang="de-DE" altLang="de-DE" dirty="0"/>
+              <a:t>Lightweight Tags geben Commit nur ein Alias</a:t>
+            </a:r>
+          </a:p>
+          <a:p>
+            <a:r>
+              <a:rPr lang="de-DE" altLang="de-DE" dirty="0" err="1"/>
+              <a:t>Annotated</a:t>
+            </a:r>
+            <a:r>
+              <a:rPr lang="de-DE" altLang="de-DE" dirty="0"/>
+              <a:t> Tags enthalten mehr Informationen</a:t>
+            </a:r>
+          </a:p>
+          <a:p>
+            <a:pPr lvl="1"/>
+            <a:r>
+              <a:rPr lang="de-DE" altLang="de-DE" dirty="0"/>
+              <a:t>Tagger Name</a:t>
+            </a:r>
+          </a:p>
+          <a:p>
+            <a:pPr lvl="1"/>
+            <a:r>
+              <a:rPr lang="de-DE" altLang="de-DE" dirty="0"/>
+              <a:t>Tagger E-Mail</a:t>
+            </a:r>
+          </a:p>
+          <a:p>
+            <a:pPr lvl="1"/>
+            <a:r>
+              <a:rPr lang="de-DE" altLang="de-DE" dirty="0"/>
+              <a:t>Datum</a:t>
+            </a:r>
+          </a:p>
+          <a:p>
+            <a:pPr lvl="1"/>
+            <a:r>
+              <a:rPr lang="de-DE" altLang="de-DE" dirty="0"/>
+              <a:t>Tagging Message</a:t>
+            </a:r>
+          </a:p>
+          <a:p>
+            <a:pPr lvl="1"/>
+            <a:r>
+              <a:rPr lang="de-DE" altLang="de-DE" dirty="0"/>
+              <a:t>Checksumme</a:t>
+            </a:r>
+          </a:p>
+          <a:p>
+            <a:pPr lvl="1"/>
+            <a:r>
+              <a:rPr lang="de-DE" altLang="de-DE" dirty="0"/>
+              <a:t>Signierung</a:t>
+            </a:r>
+          </a:p>
+          <a:p>
+            <a:r>
+              <a:rPr lang="de-DE" altLang="de-DE" dirty="0"/>
+              <a:t>Sinnvoll, falls detaillierte Protokollierung erforderlich ist</a:t>
+            </a:r>
           </a:p>
         </p:txBody>
       </p:sp>
@@ -6392,7 +6193,7 @@
     </p:spTree>
     <p:extLst>
       <p:ext uri="{BB962C8B-B14F-4D97-AF65-F5344CB8AC3E}">
-        <p14:creationId xmlns:p14="http://schemas.microsoft.com/office/powerpoint/2010/main" val="1904022772"/>
+        <p14:creationId xmlns:p14="http://schemas.microsoft.com/office/powerpoint/2010/main" val="968504568"/>
       </p:ext>
     </p:extLst>
   </p:cSld>
@@ -6446,6 +6247,23 @@
           <a:lstStyle/>
           <a:p>
             <a:r>
+              <a:rPr lang="de-DE" altLang="de-DE" dirty="0" err="1"/>
+              <a:t>Annotated</a:t>
+            </a:r>
+            <a:r>
+              <a:rPr lang="de-DE" altLang="de-DE" dirty="0"/>
+              <a:t> Tag erstellen</a:t>
+            </a:r>
+          </a:p>
+          <a:p>
+            <a:pPr marL="0" indent="0">
+              <a:buNone/>
+            </a:pPr>
+            <a:r>
+              <a:rPr lang="de-DE" altLang="de-DE" dirty="0"/>
+              <a:t>	</a:t>
+            </a:r>
+            <a:r>
               <a:rPr lang="de-DE" altLang="de-DE" dirty="0" err="1">
                 <a:latin typeface="Consolas" panose="020B0609020204030204" pitchFamily="49" charset="0"/>
               </a:rPr>
@@ -6455,44 +6273,16 @@
               <a:rPr lang="de-DE" altLang="de-DE" dirty="0">
                 <a:latin typeface="Consolas" panose="020B0609020204030204" pitchFamily="49" charset="0"/>
               </a:rPr>
-              <a:t> </a:t>
-            </a:r>
-            <a:r>
-              <a:rPr lang="de-DE" altLang="de-DE" dirty="0" err="1">
-                <a:latin typeface="Consolas" panose="020B0609020204030204" pitchFamily="49" charset="0"/>
-              </a:rPr>
-              <a:t>checkout</a:t>
-            </a:r>
-            <a:r>
-              <a:rPr lang="de-DE" altLang="de-DE" dirty="0">
-                <a:latin typeface="Consolas" panose="020B0609020204030204" pitchFamily="49" charset="0"/>
-              </a:rPr>
-              <a:t> –b &lt;</a:t>
-            </a:r>
-            <a:r>
-              <a:rPr lang="de-DE" altLang="de-DE" dirty="0" err="1">
-                <a:latin typeface="Consolas" panose="020B0609020204030204" pitchFamily="49" charset="0"/>
-              </a:rPr>
-              <a:t>branch</a:t>
-            </a:r>
-            <a:r>
-              <a:rPr lang="de-DE" altLang="de-DE" dirty="0">
-                <a:latin typeface="Consolas" panose="020B0609020204030204" pitchFamily="49" charset="0"/>
-              </a:rPr>
-              <a:t>-name&gt; &lt;tag-name&gt; </a:t>
-            </a:r>
-            <a:r>
-              <a:rPr lang="de-DE" altLang="de-DE" dirty="0"/>
-              <a:t>ermöglicht Erstellen eines </a:t>
-            </a:r>
-            <a:r>
-              <a:rPr lang="de-DE" altLang="de-DE" dirty="0" err="1"/>
-              <a:t>Branches</a:t>
-            </a:r>
-            <a:r>
-              <a:rPr lang="de-DE" altLang="de-DE" dirty="0"/>
-              <a:t> abzweigend vom getaggten Commit</a:t>
-            </a:r>
+              <a:t> tag -a &lt;tag-name&gt;</a:t>
+            </a:r>
+          </a:p>
+          <a:p>
+            <a:pPr marL="457200" lvl="1" indent="0">
+              <a:buNone/>
+            </a:pPr>
+            <a:endParaRPr lang="de-DE" altLang="de-DE" sz="1200" dirty="0">
+              <a:latin typeface="Consolas" panose="020B0609020204030204" pitchFamily="49" charset="0"/>
+            </a:endParaRPr>
           </a:p>
           <a:p>
             <a:pPr marL="457200" lvl="1" indent="0">
@@ -6501,9 +6291,36 @@
               </a:spcBef>
               <a:buNone/>
             </a:pPr>
-            <a:endParaRPr lang="en-US" altLang="de-DE" sz="1200" dirty="0">
-              <a:latin typeface="Consolas" panose="020B0609020204030204" pitchFamily="49" charset="0"/>
-            </a:endParaRPr>
+            <a:r>
+              <a:rPr lang="de-DE" altLang="de-DE" sz="1200" dirty="0">
+                <a:latin typeface="Consolas" panose="020B0609020204030204" pitchFamily="49" charset="0"/>
+              </a:rPr>
+              <a:t>$ </a:t>
+            </a:r>
+            <a:r>
+              <a:rPr lang="de-DE" altLang="de-DE" sz="1200" dirty="0" err="1">
+                <a:latin typeface="Consolas" panose="020B0609020204030204" pitchFamily="49" charset="0"/>
+              </a:rPr>
+              <a:t>git</a:t>
+            </a:r>
+            <a:r>
+              <a:rPr lang="de-DE" altLang="de-DE" sz="1200" dirty="0">
+                <a:latin typeface="Consolas" panose="020B0609020204030204" pitchFamily="49" charset="0"/>
+              </a:rPr>
+              <a:t> tag -a release-v1.0.0 -m "</a:t>
+            </a:r>
+            <a:r>
+              <a:rPr lang="de-DE" altLang="de-DE" sz="1200" dirty="0" err="1">
+                <a:latin typeface="Consolas" panose="020B0609020204030204" pitchFamily="49" charset="0"/>
+              </a:rPr>
+              <a:t>Latest</a:t>
+            </a:r>
+            <a:r>
+              <a:rPr lang="de-DE" altLang="de-DE" sz="1200" dirty="0">
+                <a:latin typeface="Consolas" panose="020B0609020204030204" pitchFamily="49" charset="0"/>
+              </a:rPr>
+              <a:t> v1 release"</a:t>
+            </a:r>
           </a:p>
           <a:p>
             <a:pPr marL="457200" lvl="1" indent="0">
@@ -6512,12 +6329,9 @@
               </a:spcBef>
               <a:buNone/>
             </a:pPr>
-            <a:r>
-              <a:rPr lang="en-US" altLang="de-DE" sz="1200" dirty="0">
-                <a:latin typeface="Consolas" panose="020B0609020204030204" pitchFamily="49" charset="0"/>
-              </a:rPr>
-              <a:t>$ git checkout -b hotfix release-v0.0.1</a:t>
-            </a:r>
+            <a:endParaRPr lang="de-DE" altLang="de-DE" sz="1200" dirty="0">
+              <a:latin typeface="Consolas" panose="020B0609020204030204" pitchFamily="49" charset="0"/>
+            </a:endParaRPr>
           </a:p>
           <a:p>
             <a:pPr marL="457200" lvl="1" indent="0">
@@ -6527,33 +6341,35 @@
               <a:buNone/>
             </a:pPr>
             <a:r>
-              <a:rPr lang="en-US" altLang="de-DE" sz="1200" dirty="0">
-                <a:latin typeface="Consolas" panose="020B0609020204030204" pitchFamily="49" charset="0"/>
-              </a:rPr>
-              <a:t>Switched to a new branch 'hotfix‘</a:t>
-            </a:r>
-            <a:endParaRPr lang="de-DE" altLang="de-DE" sz="1200" dirty="0">
-              <a:latin typeface="Consolas" panose="020B0609020204030204" pitchFamily="49" charset="0"/>
-            </a:endParaRPr>
-          </a:p>
-          <a:p>
-            <a:r>
-              <a:rPr lang="de-DE" altLang="de-DE" dirty="0"/>
-              <a:t>Löschen eines Tags ist mit </a:t>
-            </a:r>
-            <a:r>
-              <a:rPr lang="de-DE" altLang="de-DE" dirty="0" err="1">
+              <a:rPr lang="de-DE" altLang="de-DE" sz="1200" dirty="0">
+                <a:latin typeface="Consolas" panose="020B0609020204030204" pitchFamily="49" charset="0"/>
+              </a:rPr>
+              <a:t>$ </a:t>
+            </a:r>
+            <a:r>
+              <a:rPr lang="de-DE" altLang="de-DE" sz="1200" dirty="0" err="1">
                 <a:latin typeface="Consolas" panose="020B0609020204030204" pitchFamily="49" charset="0"/>
               </a:rPr>
               <a:t>git</a:t>
             </a:r>
             <a:r>
-              <a:rPr lang="de-DE" altLang="de-DE" dirty="0">
-                <a:latin typeface="Consolas" panose="020B0609020204030204" pitchFamily="49" charset="0"/>
-              </a:rPr>
-              <a:t> tag -d &lt;tag-name&gt;</a:t>
-            </a:r>
-            <a:endParaRPr lang="de-DE" altLang="de-DE" dirty="0"/>
+              <a:rPr lang="de-DE" altLang="de-DE" sz="1200" dirty="0">
+                <a:latin typeface="Consolas" panose="020B0609020204030204" pitchFamily="49" charset="0"/>
+              </a:rPr>
+              <a:t> </a:t>
+            </a:r>
+            <a:r>
+              <a:rPr lang="de-DE" altLang="de-DE" sz="1200" dirty="0" err="1">
+                <a:latin typeface="Consolas" panose="020B0609020204030204" pitchFamily="49" charset="0"/>
+              </a:rPr>
+              <a:t>show</a:t>
+            </a:r>
+            <a:r>
+              <a:rPr lang="de-DE" altLang="de-DE" sz="1200" dirty="0">
+                <a:latin typeface="Consolas" panose="020B0609020204030204" pitchFamily="49" charset="0"/>
+              </a:rPr>
+              <a:t> release-v1.0.0</a:t>
+            </a:r>
           </a:p>
           <a:p>
             <a:pPr marL="457200" lvl="1" indent="0">
@@ -6562,9 +6378,12 @@
               </a:spcBef>
               <a:buNone/>
             </a:pPr>
-            <a:endParaRPr lang="en-US" altLang="de-DE" sz="1200" dirty="0">
-              <a:latin typeface="Consolas" panose="020B0609020204030204" pitchFamily="49" charset="0"/>
-            </a:endParaRPr>
+            <a:r>
+              <a:rPr lang="de-DE" altLang="de-DE" sz="1200" dirty="0">
+                <a:latin typeface="Consolas" panose="020B0609020204030204" pitchFamily="49" charset="0"/>
+              </a:rPr>
+              <a:t>tag release-v1.0.0</a:t>
+            </a:r>
           </a:p>
           <a:p>
             <a:pPr marL="457200" lvl="1" indent="0">
@@ -6574,10 +6393,10 @@
               <a:buNone/>
             </a:pPr>
             <a:r>
-              <a:rPr lang="en-US" altLang="de-DE" sz="1200" dirty="0">
-                <a:latin typeface="Consolas" panose="020B0609020204030204" pitchFamily="49" charset="0"/>
-              </a:rPr>
-              <a:t>$ git tag -d release-v0.0.0</a:t>
+              <a:rPr lang="de-DE" altLang="de-DE" sz="1200" dirty="0">
+                <a:latin typeface="Consolas" panose="020B0609020204030204" pitchFamily="49" charset="0"/>
+              </a:rPr>
+              <a:t>Tagger: Christopher Keutner &lt;christopher.keutner@alumni.fh-aachen.de&gt;</a:t>
             </a:r>
           </a:p>
           <a:p>
@@ -6588,14 +6407,272 @@
               <a:buNone/>
             </a:pPr>
             <a:r>
-              <a:rPr lang="en-US" altLang="de-DE" sz="1200" dirty="0">
-                <a:latin typeface="Consolas" panose="020B0609020204030204" pitchFamily="49" charset="0"/>
-              </a:rPr>
-              <a:t>Deleted tag 'release-v0.0.0' (was a908be7)</a:t>
-            </a:r>
+              <a:rPr lang="de-DE" altLang="de-DE" sz="1200" dirty="0">
+                <a:latin typeface="Consolas" panose="020B0609020204030204" pitchFamily="49" charset="0"/>
+              </a:rPr>
+              <a:t>Date:   Tue May 28 15:13:44 2024 +0200</a:t>
+            </a:r>
+          </a:p>
+          <a:p>
+            <a:pPr marL="457200" lvl="1" indent="0">
+              <a:spcBef>
+                <a:spcPts val="0"/>
+              </a:spcBef>
+              <a:buNone/>
+            </a:pPr>
             <a:endParaRPr lang="de-DE" altLang="de-DE" sz="1200" dirty="0">
               <a:latin typeface="Consolas" panose="020B0609020204030204" pitchFamily="49" charset="0"/>
             </a:endParaRPr>
+          </a:p>
+          <a:p>
+            <a:pPr marL="457200" lvl="1" indent="0">
+              <a:spcBef>
+                <a:spcPts val="0"/>
+              </a:spcBef>
+              <a:buNone/>
+            </a:pPr>
+            <a:r>
+              <a:rPr lang="de-DE" altLang="de-DE" sz="1200" dirty="0" err="1">
+                <a:latin typeface="Consolas" panose="020B0609020204030204" pitchFamily="49" charset="0"/>
+              </a:rPr>
+              <a:t>Latest</a:t>
+            </a:r>
+            <a:r>
+              <a:rPr lang="de-DE" altLang="de-DE" sz="1200" dirty="0">
+                <a:latin typeface="Consolas" panose="020B0609020204030204" pitchFamily="49" charset="0"/>
+              </a:rPr>
+              <a:t> v1 release</a:t>
+            </a:r>
+          </a:p>
+          <a:p>
+            <a:pPr marL="457200" lvl="1" indent="0">
+              <a:spcBef>
+                <a:spcPts val="0"/>
+              </a:spcBef>
+              <a:buNone/>
+            </a:pPr>
+            <a:endParaRPr lang="de-DE" altLang="de-DE" sz="1200" dirty="0">
+              <a:latin typeface="Consolas" panose="020B0609020204030204" pitchFamily="49" charset="0"/>
+            </a:endParaRPr>
+          </a:p>
+          <a:p>
+            <a:pPr marL="457200" lvl="1" indent="0">
+              <a:spcBef>
+                <a:spcPts val="0"/>
+              </a:spcBef>
+              <a:buNone/>
+            </a:pPr>
+            <a:r>
+              <a:rPr lang="de-DE" altLang="de-DE" sz="1200" dirty="0" err="1">
+                <a:latin typeface="Consolas" panose="020B0609020204030204" pitchFamily="49" charset="0"/>
+              </a:rPr>
+              <a:t>commit</a:t>
+            </a:r>
+            <a:r>
+              <a:rPr lang="de-DE" altLang="de-DE" sz="1200" dirty="0">
+                <a:latin typeface="Consolas" panose="020B0609020204030204" pitchFamily="49" charset="0"/>
+              </a:rPr>
+              <a:t> 11f6b62f8bc7a3403ceae4e8923d7a54abab7b6d (HEAD -&gt; </a:t>
+            </a:r>
+            <a:r>
+              <a:rPr lang="de-DE" altLang="de-DE" sz="1200" dirty="0" err="1">
+                <a:latin typeface="Consolas" panose="020B0609020204030204" pitchFamily="49" charset="0"/>
+              </a:rPr>
+              <a:t>main</a:t>
+            </a:r>
+            <a:r>
+              <a:rPr lang="de-DE" altLang="de-DE" sz="1200" dirty="0">
+                <a:latin typeface="Consolas" panose="020B0609020204030204" pitchFamily="49" charset="0"/>
+              </a:rPr>
+              <a:t>, tag: release-v1.0.0)</a:t>
+            </a:r>
+          </a:p>
+          <a:p>
+            <a:pPr marL="457200" lvl="1" indent="0">
+              <a:spcBef>
+                <a:spcPts val="0"/>
+              </a:spcBef>
+              <a:buNone/>
+            </a:pPr>
+            <a:r>
+              <a:rPr lang="de-DE" altLang="de-DE" sz="1200" dirty="0" err="1">
+                <a:latin typeface="Consolas" panose="020B0609020204030204" pitchFamily="49" charset="0"/>
+              </a:rPr>
+              <a:t>Author</a:t>
+            </a:r>
+            <a:r>
+              <a:rPr lang="de-DE" altLang="de-DE" sz="1200" dirty="0">
+                <a:latin typeface="Consolas" panose="020B0609020204030204" pitchFamily="49" charset="0"/>
+              </a:rPr>
+              <a:t>: Christopher Keutner &lt;christopher.keutner@alumni.fh-aachen.de&gt;</a:t>
+            </a:r>
+          </a:p>
+          <a:p>
+            <a:pPr marL="457200" lvl="1" indent="0">
+              <a:spcBef>
+                <a:spcPts val="0"/>
+              </a:spcBef>
+              <a:buNone/>
+            </a:pPr>
+            <a:r>
+              <a:rPr lang="de-DE" altLang="de-DE" sz="1200" dirty="0">
+                <a:latin typeface="Consolas" panose="020B0609020204030204" pitchFamily="49" charset="0"/>
+              </a:rPr>
+              <a:t>Date:   Tue May 28 15:13:10 2024 +0200</a:t>
+            </a:r>
+          </a:p>
+          <a:p>
+            <a:pPr marL="457200" lvl="1" indent="0">
+              <a:spcBef>
+                <a:spcPts val="0"/>
+              </a:spcBef>
+              <a:buNone/>
+            </a:pPr>
+            <a:endParaRPr lang="de-DE" altLang="de-DE" sz="1200" dirty="0">
+              <a:latin typeface="Consolas" panose="020B0609020204030204" pitchFamily="49" charset="0"/>
+            </a:endParaRPr>
+          </a:p>
+          <a:p>
+            <a:pPr marL="457200" lvl="1" indent="0">
+              <a:spcBef>
+                <a:spcPts val="0"/>
+              </a:spcBef>
+              <a:buNone/>
+            </a:pPr>
+            <a:r>
+              <a:rPr lang="de-DE" altLang="de-DE" sz="1200" dirty="0">
+                <a:latin typeface="Consolas" panose="020B0609020204030204" pitchFamily="49" charset="0"/>
+              </a:rPr>
+              <a:t>    Add </a:t>
+            </a:r>
+            <a:r>
+              <a:rPr lang="de-DE" altLang="de-DE" sz="1200" dirty="0" err="1">
+                <a:latin typeface="Consolas" panose="020B0609020204030204" pitchFamily="49" charset="0"/>
+              </a:rPr>
+              <a:t>new</a:t>
+            </a:r>
+            <a:r>
+              <a:rPr lang="de-DE" altLang="de-DE" sz="1200" dirty="0">
+                <a:latin typeface="Consolas" panose="020B0609020204030204" pitchFamily="49" charset="0"/>
+              </a:rPr>
+              <a:t> </a:t>
+            </a:r>
+            <a:r>
+              <a:rPr lang="de-DE" altLang="de-DE" sz="1200" dirty="0" err="1">
+                <a:latin typeface="Consolas" panose="020B0609020204030204" pitchFamily="49" charset="0"/>
+              </a:rPr>
+              <a:t>file</a:t>
+            </a:r>
+            <a:endParaRPr lang="de-DE" altLang="de-DE" sz="1200" dirty="0">
+              <a:latin typeface="Consolas" panose="020B0609020204030204" pitchFamily="49" charset="0"/>
+            </a:endParaRPr>
+          </a:p>
+          <a:p>
+            <a:pPr marL="457200" lvl="1" indent="0">
+              <a:spcBef>
+                <a:spcPts val="0"/>
+              </a:spcBef>
+              <a:buNone/>
+            </a:pPr>
+            <a:endParaRPr lang="de-DE" altLang="de-DE" sz="1200" dirty="0">
+              <a:latin typeface="Consolas" panose="020B0609020204030204" pitchFamily="49" charset="0"/>
+            </a:endParaRPr>
+          </a:p>
+          <a:p>
+            <a:pPr marL="457200" lvl="1" indent="0">
+              <a:spcBef>
+                <a:spcPts val="0"/>
+              </a:spcBef>
+              <a:buNone/>
+            </a:pPr>
+            <a:r>
+              <a:rPr lang="de-DE" altLang="de-DE" sz="1200" dirty="0" err="1">
+                <a:latin typeface="Consolas" panose="020B0609020204030204" pitchFamily="49" charset="0"/>
+              </a:rPr>
+              <a:t>diff</a:t>
+            </a:r>
+            <a:r>
+              <a:rPr lang="de-DE" altLang="de-DE" sz="1200" dirty="0">
+                <a:latin typeface="Consolas" panose="020B0609020204030204" pitchFamily="49" charset="0"/>
+              </a:rPr>
+              <a:t> --</a:t>
+            </a:r>
+            <a:r>
+              <a:rPr lang="de-DE" altLang="de-DE" sz="1200" dirty="0" err="1">
+                <a:latin typeface="Consolas" panose="020B0609020204030204" pitchFamily="49" charset="0"/>
+              </a:rPr>
+              <a:t>git</a:t>
+            </a:r>
+            <a:r>
+              <a:rPr lang="de-DE" altLang="de-DE" sz="1200" dirty="0">
+                <a:latin typeface="Consolas" panose="020B0609020204030204" pitchFamily="49" charset="0"/>
+              </a:rPr>
+              <a:t> a/file8.txt b/file8.txt</a:t>
+            </a:r>
+          </a:p>
+          <a:p>
+            <a:pPr marL="457200" lvl="1" indent="0">
+              <a:spcBef>
+                <a:spcPts val="0"/>
+              </a:spcBef>
+              <a:buNone/>
+            </a:pPr>
+            <a:r>
+              <a:rPr lang="de-DE" altLang="de-DE" sz="1200" dirty="0" err="1">
+                <a:latin typeface="Consolas" panose="020B0609020204030204" pitchFamily="49" charset="0"/>
+              </a:rPr>
+              <a:t>new</a:t>
+            </a:r>
+            <a:r>
+              <a:rPr lang="de-DE" altLang="de-DE" sz="1200" dirty="0">
+                <a:latin typeface="Consolas" panose="020B0609020204030204" pitchFamily="49" charset="0"/>
+              </a:rPr>
+              <a:t> </a:t>
+            </a:r>
+            <a:r>
+              <a:rPr lang="de-DE" altLang="de-DE" sz="1200" dirty="0" err="1">
+                <a:latin typeface="Consolas" panose="020B0609020204030204" pitchFamily="49" charset="0"/>
+              </a:rPr>
+              <a:t>file</a:t>
+            </a:r>
+            <a:r>
+              <a:rPr lang="de-DE" altLang="de-DE" sz="1200" dirty="0">
+                <a:latin typeface="Consolas" panose="020B0609020204030204" pitchFamily="49" charset="0"/>
+              </a:rPr>
+              <a:t> </a:t>
+            </a:r>
+            <a:r>
+              <a:rPr lang="de-DE" altLang="de-DE" sz="1200" dirty="0" err="1">
+                <a:latin typeface="Consolas" panose="020B0609020204030204" pitchFamily="49" charset="0"/>
+              </a:rPr>
+              <a:t>mode</a:t>
+            </a:r>
+            <a:r>
+              <a:rPr lang="de-DE" altLang="de-DE" sz="1200" dirty="0">
+                <a:latin typeface="Consolas" panose="020B0609020204030204" pitchFamily="49" charset="0"/>
+              </a:rPr>
+              <a:t> 100644</a:t>
+            </a:r>
+          </a:p>
+          <a:p>
+            <a:pPr marL="457200" lvl="1" indent="0">
+              <a:spcBef>
+                <a:spcPts val="0"/>
+              </a:spcBef>
+              <a:buNone/>
+            </a:pPr>
+            <a:r>
+              <a:rPr lang="de-DE" altLang="de-DE" sz="1200" dirty="0" err="1">
+                <a:latin typeface="Consolas" panose="020B0609020204030204" pitchFamily="49" charset="0"/>
+              </a:rPr>
+              <a:t>index</a:t>
+            </a:r>
+            <a:r>
+              <a:rPr lang="de-DE" altLang="de-DE" sz="1200" dirty="0">
+                <a:latin typeface="Consolas" panose="020B0609020204030204" pitchFamily="49" charset="0"/>
+              </a:rPr>
+              <a:t> 0000000..e69de29</a:t>
+            </a:r>
           </a:p>
         </p:txBody>
       </p:sp>
@@ -6639,7 +6716,7 @@
     </p:spTree>
     <p:extLst>
       <p:ext uri="{BB962C8B-B14F-4D97-AF65-F5344CB8AC3E}">
-        <p14:creationId xmlns:p14="http://schemas.microsoft.com/office/powerpoint/2010/main" val="1311074186"/>
+        <p14:creationId xmlns:p14="http://schemas.microsoft.com/office/powerpoint/2010/main" val="641179957"/>
       </p:ext>
     </p:extLst>
   </p:cSld>
@@ -6650,700 +6727,6 @@
 </file>
 
 <file path=ppt/slides/slide12.xml><?xml version="1.0" encoding="utf-8"?>
-<p:sld xmlns:a="http://schemas.openxmlformats.org/drawingml/2006/main" xmlns:r="http://schemas.openxmlformats.org/officeDocument/2006/relationships" xmlns:p="http://schemas.openxmlformats.org/presentationml/2006/main">
-  <p:cSld>
-    <p:spTree>
-      <p:nvGrpSpPr>
-        <p:cNvPr id="1" name=""/>
-        <p:cNvGrpSpPr/>
-        <p:nvPr/>
-      </p:nvGrpSpPr>
-      <p:grpSpPr>
-        <a:xfrm>
-          <a:off x="0" y="0"/>
-          <a:ext cx="0" cy="0"/>
-          <a:chOff x="0" y="0"/>
-          <a:chExt cx="0" cy="0"/>
-        </a:xfrm>
-      </p:grpSpPr>
-      <p:sp>
-        <p:nvSpPr>
-          <p:cNvPr id="6146" name="Inhaltsplatzhalter 18">
-            <a:extLst>
-              <a:ext uri="{FF2B5EF4-FFF2-40B4-BE49-F238E27FC236}">
-                <a16:creationId xmlns:a16="http://schemas.microsoft.com/office/drawing/2014/main" id="{BE3C4C95-FD5D-27F0-ED0C-AB8113CAC9F1}"/>
-              </a:ext>
-            </a:extLst>
-          </p:cNvPr>
-          <p:cNvSpPr>
-            <a:spLocks noGrp="1"/>
-          </p:cNvSpPr>
-          <p:nvPr>
-            <p:ph idx="1"/>
-          </p:nvPr>
-        </p:nvSpPr>
-        <p:spPr>
-          <a:xfrm>
-            <a:off x="303214" y="981075"/>
-            <a:ext cx="8517258" cy="5400675"/>
-          </a:xfrm>
-        </p:spPr>
-        <p:txBody>
-          <a:bodyPr/>
-          <a:lstStyle/>
-          <a:p>
-            <a:pPr marL="0" indent="0">
-              <a:buNone/>
-            </a:pPr>
-            <a:r>
-              <a:rPr lang="de-DE" altLang="de-DE" b="1" dirty="0" err="1"/>
-              <a:t>Annotated</a:t>
-            </a:r>
-            <a:r>
-              <a:rPr lang="de-DE" altLang="de-DE" b="1" dirty="0"/>
-              <a:t> und Lightweight Tags</a:t>
-            </a:r>
-          </a:p>
-          <a:p>
-            <a:r>
-              <a:rPr lang="de-DE" altLang="de-DE" dirty="0"/>
-              <a:t>Lightweight Tags geben Commit nur ein Alias</a:t>
-            </a:r>
-          </a:p>
-          <a:p>
-            <a:r>
-              <a:rPr lang="de-DE" altLang="de-DE" dirty="0" err="1"/>
-              <a:t>Annotated</a:t>
-            </a:r>
-            <a:r>
-              <a:rPr lang="de-DE" altLang="de-DE" dirty="0"/>
-              <a:t> Tags enthalten mehr Informationen</a:t>
-            </a:r>
-          </a:p>
-          <a:p>
-            <a:pPr lvl="1"/>
-            <a:r>
-              <a:rPr lang="de-DE" altLang="de-DE" dirty="0"/>
-              <a:t>Tagger Name</a:t>
-            </a:r>
-          </a:p>
-          <a:p>
-            <a:pPr lvl="1"/>
-            <a:r>
-              <a:rPr lang="de-DE" altLang="de-DE" dirty="0"/>
-              <a:t>Tagger E-Mail</a:t>
-            </a:r>
-          </a:p>
-          <a:p>
-            <a:pPr lvl="1"/>
-            <a:r>
-              <a:rPr lang="de-DE" altLang="de-DE" dirty="0"/>
-              <a:t>Datum</a:t>
-            </a:r>
-          </a:p>
-          <a:p>
-            <a:pPr lvl="1"/>
-            <a:r>
-              <a:rPr lang="de-DE" altLang="de-DE" dirty="0"/>
-              <a:t>Tagging Message</a:t>
-            </a:r>
-          </a:p>
-          <a:p>
-            <a:pPr lvl="1"/>
-            <a:r>
-              <a:rPr lang="de-DE" altLang="de-DE" dirty="0"/>
-              <a:t>Checksumme</a:t>
-            </a:r>
-          </a:p>
-          <a:p>
-            <a:pPr lvl="1"/>
-            <a:r>
-              <a:rPr lang="de-DE" altLang="de-DE" dirty="0"/>
-              <a:t>Signierung</a:t>
-            </a:r>
-          </a:p>
-          <a:p>
-            <a:r>
-              <a:rPr lang="de-DE" altLang="de-DE" dirty="0"/>
-              <a:t>Sinnvoll, falls detaillierte Protokollierung erforderlich ist</a:t>
-            </a:r>
-          </a:p>
-        </p:txBody>
-      </p:sp>
-      <p:sp>
-        <p:nvSpPr>
-          <p:cNvPr id="6147" name="Rectangle 1062">
-            <a:extLst>
-              <a:ext uri="{FF2B5EF4-FFF2-40B4-BE49-F238E27FC236}">
-                <a16:creationId xmlns:a16="http://schemas.microsoft.com/office/drawing/2014/main" id="{C46E9340-3256-8D55-A265-94F2F41E288E}"/>
-              </a:ext>
-            </a:extLst>
-          </p:cNvPr>
-          <p:cNvSpPr>
-            <a:spLocks noGrp="1" noChangeArrowheads="1"/>
-          </p:cNvSpPr>
-          <p:nvPr>
-            <p:ph type="title"/>
-          </p:nvPr>
-        </p:nvSpPr>
-        <p:spPr>
-          <a:xfrm>
-            <a:off x="285750" y="142875"/>
-            <a:ext cx="5654675" cy="706438"/>
-          </a:xfrm>
-        </p:spPr>
-        <p:txBody>
-          <a:bodyPr/>
-          <a:lstStyle/>
-          <a:p>
-            <a:r>
-              <a:rPr lang="de-DE" altLang="de-DE" dirty="0" err="1"/>
-              <a:t>Git</a:t>
-            </a:r>
-            <a:r>
-              <a:rPr lang="de-DE" altLang="de-DE" dirty="0"/>
-              <a:t> – Tags </a:t>
-            </a:r>
-          </a:p>
-        </p:txBody>
-      </p:sp>
-    </p:spTree>
-    <p:extLst>
-      <p:ext uri="{BB962C8B-B14F-4D97-AF65-F5344CB8AC3E}">
-        <p14:creationId xmlns:p14="http://schemas.microsoft.com/office/powerpoint/2010/main" val="968504568"/>
-      </p:ext>
-    </p:extLst>
-  </p:cSld>
-  <p:clrMapOvr>
-    <a:masterClrMapping/>
-  </p:clrMapOvr>
-</p:sld>
-</file>
-
-<file path=ppt/slides/slide13.xml><?xml version="1.0" encoding="utf-8"?>
-<p:sld xmlns:a="http://schemas.openxmlformats.org/drawingml/2006/main" xmlns:r="http://schemas.openxmlformats.org/officeDocument/2006/relationships" xmlns:p="http://schemas.openxmlformats.org/presentationml/2006/main">
-  <p:cSld>
-    <p:spTree>
-      <p:nvGrpSpPr>
-        <p:cNvPr id="1" name=""/>
-        <p:cNvGrpSpPr/>
-        <p:nvPr/>
-      </p:nvGrpSpPr>
-      <p:grpSpPr>
-        <a:xfrm>
-          <a:off x="0" y="0"/>
-          <a:ext cx="0" cy="0"/>
-          <a:chOff x="0" y="0"/>
-          <a:chExt cx="0" cy="0"/>
-        </a:xfrm>
-      </p:grpSpPr>
-      <p:sp>
-        <p:nvSpPr>
-          <p:cNvPr id="6146" name="Inhaltsplatzhalter 18">
-            <a:extLst>
-              <a:ext uri="{FF2B5EF4-FFF2-40B4-BE49-F238E27FC236}">
-                <a16:creationId xmlns:a16="http://schemas.microsoft.com/office/drawing/2014/main" id="{BE3C4C95-FD5D-27F0-ED0C-AB8113CAC9F1}"/>
-              </a:ext>
-            </a:extLst>
-          </p:cNvPr>
-          <p:cNvSpPr>
-            <a:spLocks noGrp="1"/>
-          </p:cNvSpPr>
-          <p:nvPr>
-            <p:ph idx="1"/>
-          </p:nvPr>
-        </p:nvSpPr>
-        <p:spPr>
-          <a:xfrm>
-            <a:off x="303214" y="981075"/>
-            <a:ext cx="8517258" cy="5400675"/>
-          </a:xfrm>
-        </p:spPr>
-        <p:txBody>
-          <a:bodyPr/>
-          <a:lstStyle/>
-          <a:p>
-            <a:r>
-              <a:rPr lang="de-DE" altLang="de-DE" dirty="0" err="1"/>
-              <a:t>Annotated</a:t>
-            </a:r>
-            <a:r>
-              <a:rPr lang="de-DE" altLang="de-DE" dirty="0"/>
-              <a:t> Tag erstellen</a:t>
-            </a:r>
-          </a:p>
-          <a:p>
-            <a:pPr marL="0" indent="0">
-              <a:buNone/>
-            </a:pPr>
-            <a:r>
-              <a:rPr lang="de-DE" altLang="de-DE" dirty="0"/>
-              <a:t>	</a:t>
-            </a:r>
-            <a:r>
-              <a:rPr lang="de-DE" altLang="de-DE" dirty="0" err="1">
-                <a:latin typeface="Consolas" panose="020B0609020204030204" pitchFamily="49" charset="0"/>
-              </a:rPr>
-              <a:t>git</a:t>
-            </a:r>
-            <a:r>
-              <a:rPr lang="de-DE" altLang="de-DE" dirty="0">
-                <a:latin typeface="Consolas" panose="020B0609020204030204" pitchFamily="49" charset="0"/>
-              </a:rPr>
-              <a:t> tag -a &lt;tag-name&gt;</a:t>
-            </a:r>
-          </a:p>
-          <a:p>
-            <a:pPr marL="457200" lvl="1" indent="0">
-              <a:buNone/>
-            </a:pPr>
-            <a:endParaRPr lang="de-DE" altLang="de-DE" sz="1200" dirty="0">
-              <a:latin typeface="Consolas" panose="020B0609020204030204" pitchFamily="49" charset="0"/>
-            </a:endParaRPr>
-          </a:p>
-          <a:p>
-            <a:pPr marL="457200" lvl="1" indent="0">
-              <a:spcBef>
-                <a:spcPts val="0"/>
-              </a:spcBef>
-              <a:buNone/>
-            </a:pPr>
-            <a:r>
-              <a:rPr lang="de-DE" altLang="de-DE" sz="1200" dirty="0">
-                <a:latin typeface="Consolas" panose="020B0609020204030204" pitchFamily="49" charset="0"/>
-              </a:rPr>
-              <a:t>$ </a:t>
-            </a:r>
-            <a:r>
-              <a:rPr lang="de-DE" altLang="de-DE" sz="1200" dirty="0" err="1">
-                <a:latin typeface="Consolas" panose="020B0609020204030204" pitchFamily="49" charset="0"/>
-              </a:rPr>
-              <a:t>git</a:t>
-            </a:r>
-            <a:r>
-              <a:rPr lang="de-DE" altLang="de-DE" sz="1200" dirty="0">
-                <a:latin typeface="Consolas" panose="020B0609020204030204" pitchFamily="49" charset="0"/>
-              </a:rPr>
-              <a:t> tag -a release-v1.0.0 -m "</a:t>
-            </a:r>
-            <a:r>
-              <a:rPr lang="de-DE" altLang="de-DE" sz="1200" dirty="0" err="1">
-                <a:latin typeface="Consolas" panose="020B0609020204030204" pitchFamily="49" charset="0"/>
-              </a:rPr>
-              <a:t>Latest</a:t>
-            </a:r>
-            <a:r>
-              <a:rPr lang="de-DE" altLang="de-DE" sz="1200" dirty="0">
-                <a:latin typeface="Consolas" panose="020B0609020204030204" pitchFamily="49" charset="0"/>
-              </a:rPr>
-              <a:t> v1 release"</a:t>
-            </a:r>
-          </a:p>
-          <a:p>
-            <a:pPr marL="457200" lvl="1" indent="0">
-              <a:spcBef>
-                <a:spcPts val="0"/>
-              </a:spcBef>
-              <a:buNone/>
-            </a:pPr>
-            <a:endParaRPr lang="de-DE" altLang="de-DE" sz="1200" dirty="0">
-              <a:latin typeface="Consolas" panose="020B0609020204030204" pitchFamily="49" charset="0"/>
-            </a:endParaRPr>
-          </a:p>
-          <a:p>
-            <a:pPr marL="457200" lvl="1" indent="0">
-              <a:spcBef>
-                <a:spcPts val="0"/>
-              </a:spcBef>
-              <a:buNone/>
-            </a:pPr>
-            <a:r>
-              <a:rPr lang="de-DE" altLang="de-DE" sz="1200" dirty="0">
-                <a:latin typeface="Consolas" panose="020B0609020204030204" pitchFamily="49" charset="0"/>
-              </a:rPr>
-              <a:t>$ </a:t>
-            </a:r>
-            <a:r>
-              <a:rPr lang="de-DE" altLang="de-DE" sz="1200" dirty="0" err="1">
-                <a:latin typeface="Consolas" panose="020B0609020204030204" pitchFamily="49" charset="0"/>
-              </a:rPr>
-              <a:t>git</a:t>
-            </a:r>
-            <a:r>
-              <a:rPr lang="de-DE" altLang="de-DE" sz="1200" dirty="0">
-                <a:latin typeface="Consolas" panose="020B0609020204030204" pitchFamily="49" charset="0"/>
-              </a:rPr>
-              <a:t> </a:t>
-            </a:r>
-            <a:r>
-              <a:rPr lang="de-DE" altLang="de-DE" sz="1200" dirty="0" err="1">
-                <a:latin typeface="Consolas" panose="020B0609020204030204" pitchFamily="49" charset="0"/>
-              </a:rPr>
-              <a:t>show</a:t>
-            </a:r>
-            <a:r>
-              <a:rPr lang="de-DE" altLang="de-DE" sz="1200" dirty="0">
-                <a:latin typeface="Consolas" panose="020B0609020204030204" pitchFamily="49" charset="0"/>
-              </a:rPr>
-              <a:t> release-v1.0.0</a:t>
-            </a:r>
-          </a:p>
-          <a:p>
-            <a:pPr marL="457200" lvl="1" indent="0">
-              <a:spcBef>
-                <a:spcPts val="0"/>
-              </a:spcBef>
-              <a:buNone/>
-            </a:pPr>
-            <a:r>
-              <a:rPr lang="de-DE" altLang="de-DE" sz="1200" dirty="0">
-                <a:latin typeface="Consolas" panose="020B0609020204030204" pitchFamily="49" charset="0"/>
-              </a:rPr>
-              <a:t>tag release-v1.0.0</a:t>
-            </a:r>
-          </a:p>
-          <a:p>
-            <a:pPr marL="457200" lvl="1" indent="0">
-              <a:spcBef>
-                <a:spcPts val="0"/>
-              </a:spcBef>
-              <a:buNone/>
-            </a:pPr>
-            <a:r>
-              <a:rPr lang="de-DE" altLang="de-DE" sz="1200" dirty="0">
-                <a:latin typeface="Consolas" panose="020B0609020204030204" pitchFamily="49" charset="0"/>
-              </a:rPr>
-              <a:t>Tagger: Christopher Keutner &lt;christopher.keutner@alumni.fh-aachen.de&gt;</a:t>
-            </a:r>
-          </a:p>
-          <a:p>
-            <a:pPr marL="457200" lvl="1" indent="0">
-              <a:spcBef>
-                <a:spcPts val="0"/>
-              </a:spcBef>
-              <a:buNone/>
-            </a:pPr>
-            <a:r>
-              <a:rPr lang="de-DE" altLang="de-DE" sz="1200" dirty="0">
-                <a:latin typeface="Consolas" panose="020B0609020204030204" pitchFamily="49" charset="0"/>
-              </a:rPr>
-              <a:t>Date:   Tue May 28 15:13:44 2024 +0200</a:t>
-            </a:r>
-          </a:p>
-          <a:p>
-            <a:pPr marL="457200" lvl="1" indent="0">
-              <a:spcBef>
-                <a:spcPts val="0"/>
-              </a:spcBef>
-              <a:buNone/>
-            </a:pPr>
-            <a:endParaRPr lang="de-DE" altLang="de-DE" sz="1200" dirty="0">
-              <a:latin typeface="Consolas" panose="020B0609020204030204" pitchFamily="49" charset="0"/>
-            </a:endParaRPr>
-          </a:p>
-          <a:p>
-            <a:pPr marL="457200" lvl="1" indent="0">
-              <a:spcBef>
-                <a:spcPts val="0"/>
-              </a:spcBef>
-              <a:buNone/>
-            </a:pPr>
-            <a:r>
-              <a:rPr lang="de-DE" altLang="de-DE" sz="1200" dirty="0" err="1">
-                <a:latin typeface="Consolas" panose="020B0609020204030204" pitchFamily="49" charset="0"/>
-              </a:rPr>
-              <a:t>Latest</a:t>
-            </a:r>
-            <a:r>
-              <a:rPr lang="de-DE" altLang="de-DE" sz="1200" dirty="0">
-                <a:latin typeface="Consolas" panose="020B0609020204030204" pitchFamily="49" charset="0"/>
-              </a:rPr>
-              <a:t> v1 release</a:t>
-            </a:r>
-          </a:p>
-          <a:p>
-            <a:pPr marL="457200" lvl="1" indent="0">
-              <a:spcBef>
-                <a:spcPts val="0"/>
-              </a:spcBef>
-              <a:buNone/>
-            </a:pPr>
-            <a:endParaRPr lang="de-DE" altLang="de-DE" sz="1200" dirty="0">
-              <a:latin typeface="Consolas" panose="020B0609020204030204" pitchFamily="49" charset="0"/>
-            </a:endParaRPr>
-          </a:p>
-          <a:p>
-            <a:pPr marL="457200" lvl="1" indent="0">
-              <a:spcBef>
-                <a:spcPts val="0"/>
-              </a:spcBef>
-              <a:buNone/>
-            </a:pPr>
-            <a:r>
-              <a:rPr lang="de-DE" altLang="de-DE" sz="1200" dirty="0" err="1">
-                <a:latin typeface="Consolas" panose="020B0609020204030204" pitchFamily="49" charset="0"/>
-              </a:rPr>
-              <a:t>commit</a:t>
-            </a:r>
-            <a:r>
-              <a:rPr lang="de-DE" altLang="de-DE" sz="1200" dirty="0">
-                <a:latin typeface="Consolas" panose="020B0609020204030204" pitchFamily="49" charset="0"/>
-              </a:rPr>
-              <a:t> 11f6b62f8bc7a3403ceae4e8923d7a54abab7b6d (HEAD -&gt; </a:t>
-            </a:r>
-            <a:r>
-              <a:rPr lang="de-DE" altLang="de-DE" sz="1200" dirty="0" err="1">
-                <a:latin typeface="Consolas" panose="020B0609020204030204" pitchFamily="49" charset="0"/>
-              </a:rPr>
-              <a:t>main</a:t>
-            </a:r>
-            <a:r>
-              <a:rPr lang="de-DE" altLang="de-DE" sz="1200" dirty="0">
-                <a:latin typeface="Consolas" panose="020B0609020204030204" pitchFamily="49" charset="0"/>
-              </a:rPr>
-              <a:t>, tag: release-v1.0.0)</a:t>
-            </a:r>
-          </a:p>
-          <a:p>
-            <a:pPr marL="457200" lvl="1" indent="0">
-              <a:spcBef>
-                <a:spcPts val="0"/>
-              </a:spcBef>
-              <a:buNone/>
-            </a:pPr>
-            <a:r>
-              <a:rPr lang="de-DE" altLang="de-DE" sz="1200" dirty="0" err="1">
-                <a:latin typeface="Consolas" panose="020B0609020204030204" pitchFamily="49" charset="0"/>
-              </a:rPr>
-              <a:t>Author</a:t>
-            </a:r>
-            <a:r>
-              <a:rPr lang="de-DE" altLang="de-DE" sz="1200" dirty="0">
-                <a:latin typeface="Consolas" panose="020B0609020204030204" pitchFamily="49" charset="0"/>
-              </a:rPr>
-              <a:t>: Christopher Keutner &lt;christopher.keutner@alumni.fh-aachen.de&gt;</a:t>
-            </a:r>
-          </a:p>
-          <a:p>
-            <a:pPr marL="457200" lvl="1" indent="0">
-              <a:spcBef>
-                <a:spcPts val="0"/>
-              </a:spcBef>
-              <a:buNone/>
-            </a:pPr>
-            <a:r>
-              <a:rPr lang="de-DE" altLang="de-DE" sz="1200" dirty="0">
-                <a:latin typeface="Consolas" panose="020B0609020204030204" pitchFamily="49" charset="0"/>
-              </a:rPr>
-              <a:t>Date:   Tue May 28 15:13:10 2024 +0200</a:t>
-            </a:r>
-          </a:p>
-          <a:p>
-            <a:pPr marL="457200" lvl="1" indent="0">
-              <a:spcBef>
-                <a:spcPts val="0"/>
-              </a:spcBef>
-              <a:buNone/>
-            </a:pPr>
-            <a:endParaRPr lang="de-DE" altLang="de-DE" sz="1200" dirty="0">
-              <a:latin typeface="Consolas" panose="020B0609020204030204" pitchFamily="49" charset="0"/>
-            </a:endParaRPr>
-          </a:p>
-          <a:p>
-            <a:pPr marL="457200" lvl="1" indent="0">
-              <a:spcBef>
-                <a:spcPts val="0"/>
-              </a:spcBef>
-              <a:buNone/>
-            </a:pPr>
-            <a:r>
-              <a:rPr lang="de-DE" altLang="de-DE" sz="1200" dirty="0">
-                <a:latin typeface="Consolas" panose="020B0609020204030204" pitchFamily="49" charset="0"/>
-              </a:rPr>
-              <a:t>    Add </a:t>
-            </a:r>
-            <a:r>
-              <a:rPr lang="de-DE" altLang="de-DE" sz="1200" dirty="0" err="1">
-                <a:latin typeface="Consolas" panose="020B0609020204030204" pitchFamily="49" charset="0"/>
-              </a:rPr>
-              <a:t>new</a:t>
-            </a:r>
-            <a:r>
-              <a:rPr lang="de-DE" altLang="de-DE" sz="1200" dirty="0">
-                <a:latin typeface="Consolas" panose="020B0609020204030204" pitchFamily="49" charset="0"/>
-              </a:rPr>
-              <a:t> </a:t>
-            </a:r>
-            <a:r>
-              <a:rPr lang="de-DE" altLang="de-DE" sz="1200" dirty="0" err="1">
-                <a:latin typeface="Consolas" panose="020B0609020204030204" pitchFamily="49" charset="0"/>
-              </a:rPr>
-              <a:t>file</a:t>
-            </a:r>
-            <a:endParaRPr lang="de-DE" altLang="de-DE" sz="1200" dirty="0">
-              <a:latin typeface="Consolas" panose="020B0609020204030204" pitchFamily="49" charset="0"/>
-            </a:endParaRPr>
-          </a:p>
-          <a:p>
-            <a:pPr marL="457200" lvl="1" indent="0">
-              <a:spcBef>
-                <a:spcPts val="0"/>
-              </a:spcBef>
-              <a:buNone/>
-            </a:pPr>
-            <a:endParaRPr lang="de-DE" altLang="de-DE" sz="1200" dirty="0">
-              <a:latin typeface="Consolas" panose="020B0609020204030204" pitchFamily="49" charset="0"/>
-            </a:endParaRPr>
-          </a:p>
-          <a:p>
-            <a:pPr marL="457200" lvl="1" indent="0">
-              <a:spcBef>
-                <a:spcPts val="0"/>
-              </a:spcBef>
-              <a:buNone/>
-            </a:pPr>
-            <a:r>
-              <a:rPr lang="de-DE" altLang="de-DE" sz="1200" dirty="0" err="1">
-                <a:latin typeface="Consolas" panose="020B0609020204030204" pitchFamily="49" charset="0"/>
-              </a:rPr>
-              <a:t>diff</a:t>
-            </a:r>
-            <a:r>
-              <a:rPr lang="de-DE" altLang="de-DE" sz="1200" dirty="0">
-                <a:latin typeface="Consolas" panose="020B0609020204030204" pitchFamily="49" charset="0"/>
-              </a:rPr>
-              <a:t> --</a:t>
-            </a:r>
-            <a:r>
-              <a:rPr lang="de-DE" altLang="de-DE" sz="1200" dirty="0" err="1">
-                <a:latin typeface="Consolas" panose="020B0609020204030204" pitchFamily="49" charset="0"/>
-              </a:rPr>
-              <a:t>git</a:t>
-            </a:r>
-            <a:r>
-              <a:rPr lang="de-DE" altLang="de-DE" sz="1200" dirty="0">
-                <a:latin typeface="Consolas" panose="020B0609020204030204" pitchFamily="49" charset="0"/>
-              </a:rPr>
-              <a:t> a/file8.txt b/file8.txt</a:t>
-            </a:r>
-          </a:p>
-          <a:p>
-            <a:pPr marL="457200" lvl="1" indent="0">
-              <a:spcBef>
-                <a:spcPts val="0"/>
-              </a:spcBef>
-              <a:buNone/>
-            </a:pPr>
-            <a:r>
-              <a:rPr lang="de-DE" altLang="de-DE" sz="1200" dirty="0" err="1">
-                <a:latin typeface="Consolas" panose="020B0609020204030204" pitchFamily="49" charset="0"/>
-              </a:rPr>
-              <a:t>new</a:t>
-            </a:r>
-            <a:r>
-              <a:rPr lang="de-DE" altLang="de-DE" sz="1200" dirty="0">
-                <a:latin typeface="Consolas" panose="020B0609020204030204" pitchFamily="49" charset="0"/>
-              </a:rPr>
-              <a:t> </a:t>
-            </a:r>
-            <a:r>
-              <a:rPr lang="de-DE" altLang="de-DE" sz="1200" dirty="0" err="1">
-                <a:latin typeface="Consolas" panose="020B0609020204030204" pitchFamily="49" charset="0"/>
-              </a:rPr>
-              <a:t>file</a:t>
-            </a:r>
-            <a:r>
-              <a:rPr lang="de-DE" altLang="de-DE" sz="1200" dirty="0">
-                <a:latin typeface="Consolas" panose="020B0609020204030204" pitchFamily="49" charset="0"/>
-              </a:rPr>
-              <a:t> </a:t>
-            </a:r>
-            <a:r>
-              <a:rPr lang="de-DE" altLang="de-DE" sz="1200" dirty="0" err="1">
-                <a:latin typeface="Consolas" panose="020B0609020204030204" pitchFamily="49" charset="0"/>
-              </a:rPr>
-              <a:t>mode</a:t>
-            </a:r>
-            <a:r>
-              <a:rPr lang="de-DE" altLang="de-DE" sz="1200" dirty="0">
-                <a:latin typeface="Consolas" panose="020B0609020204030204" pitchFamily="49" charset="0"/>
-              </a:rPr>
-              <a:t> 100644</a:t>
-            </a:r>
-          </a:p>
-          <a:p>
-            <a:pPr marL="457200" lvl="1" indent="0">
-              <a:spcBef>
-                <a:spcPts val="0"/>
-              </a:spcBef>
-              <a:buNone/>
-            </a:pPr>
-            <a:r>
-              <a:rPr lang="de-DE" altLang="de-DE" sz="1200" dirty="0" err="1">
-                <a:latin typeface="Consolas" panose="020B0609020204030204" pitchFamily="49" charset="0"/>
-              </a:rPr>
-              <a:t>index</a:t>
-            </a:r>
-            <a:r>
-              <a:rPr lang="de-DE" altLang="de-DE" sz="1200" dirty="0">
-                <a:latin typeface="Consolas" panose="020B0609020204030204" pitchFamily="49" charset="0"/>
-              </a:rPr>
-              <a:t> 0000000..e69de29</a:t>
-            </a:r>
-          </a:p>
-        </p:txBody>
-      </p:sp>
-      <p:sp>
-        <p:nvSpPr>
-          <p:cNvPr id="6147" name="Rectangle 1062">
-            <a:extLst>
-              <a:ext uri="{FF2B5EF4-FFF2-40B4-BE49-F238E27FC236}">
-                <a16:creationId xmlns:a16="http://schemas.microsoft.com/office/drawing/2014/main" id="{C46E9340-3256-8D55-A265-94F2F41E288E}"/>
-              </a:ext>
-            </a:extLst>
-          </p:cNvPr>
-          <p:cNvSpPr>
-            <a:spLocks noGrp="1" noChangeArrowheads="1"/>
-          </p:cNvSpPr>
-          <p:nvPr>
-            <p:ph type="title"/>
-          </p:nvPr>
-        </p:nvSpPr>
-        <p:spPr>
-          <a:xfrm>
-            <a:off x="285750" y="142875"/>
-            <a:ext cx="5654675" cy="706438"/>
-          </a:xfrm>
-        </p:spPr>
-        <p:txBody>
-          <a:bodyPr/>
-          <a:lstStyle/>
-          <a:p>
-            <a:r>
-              <a:rPr lang="de-DE" altLang="de-DE" dirty="0" err="1"/>
-              <a:t>Git</a:t>
-            </a:r>
-            <a:r>
-              <a:rPr lang="de-DE" altLang="de-DE" dirty="0"/>
-              <a:t> – Tags </a:t>
-            </a:r>
-          </a:p>
-        </p:txBody>
-      </p:sp>
-    </p:spTree>
-    <p:extLst>
-      <p:ext uri="{BB962C8B-B14F-4D97-AF65-F5344CB8AC3E}">
-        <p14:creationId xmlns:p14="http://schemas.microsoft.com/office/powerpoint/2010/main" val="641179957"/>
-      </p:ext>
-    </p:extLst>
-  </p:cSld>
-  <p:clrMapOvr>
-    <a:masterClrMapping/>
-  </p:clrMapOvr>
-</p:sld>
-</file>
-
-<file path=ppt/slides/slide14.xml><?xml version="1.0" encoding="utf-8"?>
 <p:sld xmlns:a="http://schemas.openxmlformats.org/drawingml/2006/main" xmlns:r="http://schemas.openxmlformats.org/officeDocument/2006/relationships" xmlns:p="http://schemas.openxmlformats.org/presentationml/2006/main">
   <p:cSld>
     <p:spTree>
@@ -7423,7 +6806,7 @@
 </p:sld>
 </file>
 
-<file path=ppt/slides/slide15.xml><?xml version="1.0" encoding="utf-8"?>
+<file path=ppt/slides/slide13.xml><?xml version="1.0" encoding="utf-8"?>
 <p:sld xmlns:a="http://schemas.openxmlformats.org/drawingml/2006/main" xmlns:r="http://schemas.openxmlformats.org/officeDocument/2006/relationships" xmlns:p="http://schemas.openxmlformats.org/presentationml/2006/main">
   <p:cSld>
     <p:spTree>
@@ -7558,7 +6941,7 @@
 </p:sld>
 </file>
 
-<file path=ppt/slides/slide16.xml><?xml version="1.0" encoding="utf-8"?>
+<file path=ppt/slides/slide14.xml><?xml version="1.0" encoding="utf-8"?>
 <p:sld xmlns:a="http://schemas.openxmlformats.org/drawingml/2006/main" xmlns:r="http://schemas.openxmlformats.org/officeDocument/2006/relationships" xmlns:p="http://schemas.openxmlformats.org/presentationml/2006/main">
   <p:cSld>
     <p:spTree>
@@ -7633,7 +7016,7 @@
 </p:sld>
 </file>
 
-<file path=ppt/slides/slide17.xml><?xml version="1.0" encoding="utf-8"?>
+<file path=ppt/slides/slide15.xml><?xml version="1.0" encoding="utf-8"?>
 <p:sld xmlns:a="http://schemas.openxmlformats.org/drawingml/2006/main" xmlns:r="http://schemas.openxmlformats.org/officeDocument/2006/relationships" xmlns:p="http://schemas.openxmlformats.org/presentationml/2006/main">
   <p:cSld>
     <p:spTree>
@@ -7815,7 +7198,7 @@
 </p:sld>
 </file>
 
-<file path=ppt/slides/slide18.xml><?xml version="1.0" encoding="utf-8"?>
+<file path=ppt/slides/slide16.xml><?xml version="1.0" encoding="utf-8"?>
 <p:sld xmlns:a="http://schemas.openxmlformats.org/drawingml/2006/main" xmlns:r="http://schemas.openxmlformats.org/officeDocument/2006/relationships" xmlns:p="http://schemas.openxmlformats.org/presentationml/2006/main">
   <p:cSld>
     <p:spTree>
@@ -7969,818 +7352,6 @@
       </p:grpSpPr>
       <p:sp>
         <p:nvSpPr>
-          <p:cNvPr id="6146" name="Inhaltsplatzhalter 18">
-            <a:extLst>
-              <a:ext uri="{FF2B5EF4-FFF2-40B4-BE49-F238E27FC236}">
-                <a16:creationId xmlns:a16="http://schemas.microsoft.com/office/drawing/2014/main" id="{BE3C4C95-FD5D-27F0-ED0C-AB8113CAC9F1}"/>
-              </a:ext>
-            </a:extLst>
-          </p:cNvPr>
-          <p:cNvSpPr>
-            <a:spLocks noGrp="1"/>
-          </p:cNvSpPr>
-          <p:nvPr>
-            <p:ph idx="1"/>
-          </p:nvPr>
-        </p:nvSpPr>
-        <p:spPr/>
-        <p:txBody>
-          <a:bodyPr/>
-          <a:lstStyle/>
-          <a:p>
-            <a:pPr>
-              <a:buFont typeface="Arial" panose="020B0604020202020204" pitchFamily="34" charset="0"/>
-              <a:buChar char="•"/>
-            </a:pPr>
-            <a:r>
-              <a:rPr lang="de-DE" altLang="de-DE" sz="1800" b="1" dirty="0"/>
-              <a:t>Tag 1 – Einführung in </a:t>
-            </a:r>
-            <a:r>
-              <a:rPr lang="de-DE" altLang="de-DE" sz="1800" b="1" dirty="0" err="1"/>
-              <a:t>Git</a:t>
-            </a:r>
-            <a:r>
-              <a:rPr lang="de-DE" altLang="de-DE" sz="1800" b="1" dirty="0"/>
-              <a:t> und </a:t>
-            </a:r>
-            <a:r>
-              <a:rPr lang="de-DE" altLang="de-DE" sz="1800" b="1" dirty="0" err="1"/>
-              <a:t>GitLab</a:t>
-            </a:r>
-            <a:endParaRPr lang="de-DE" altLang="de-DE" sz="1800" b="1" dirty="0"/>
-          </a:p>
-          <a:p>
-            <a:pPr lvl="1">
-              <a:buFont typeface="Arial" panose="020B0604020202020204" pitchFamily="34" charset="0"/>
-              <a:buChar char="•"/>
-            </a:pPr>
-            <a:r>
-              <a:rPr lang="de-DE" altLang="de-DE" sz="1400" dirty="0"/>
-              <a:t>Einführung &amp; Kursüberblick</a:t>
-            </a:r>
-          </a:p>
-          <a:p>
-            <a:pPr lvl="1">
-              <a:buFont typeface="Arial" panose="020B0604020202020204" pitchFamily="34" charset="0"/>
-              <a:buChar char="•"/>
-            </a:pPr>
-            <a:r>
-              <a:rPr lang="de-DE" altLang="de-DE" sz="1400" dirty="0"/>
-              <a:t>Grundlagen von </a:t>
-            </a:r>
-            <a:r>
-              <a:rPr lang="de-DE" altLang="de-DE" sz="1400" dirty="0" err="1"/>
-              <a:t>Git</a:t>
-            </a:r>
-            <a:endParaRPr lang="de-DE" altLang="de-DE" sz="1400" dirty="0"/>
-          </a:p>
-          <a:p>
-            <a:pPr lvl="1">
-              <a:buFont typeface="Arial" panose="020B0604020202020204" pitchFamily="34" charset="0"/>
-              <a:buChar char="•"/>
-            </a:pPr>
-            <a:r>
-              <a:rPr lang="de-DE" altLang="de-DE" sz="1400" dirty="0" err="1"/>
-              <a:t>Git</a:t>
-            </a:r>
-            <a:r>
-              <a:rPr lang="de-DE" altLang="de-DE" sz="1400" dirty="0"/>
-              <a:t> </a:t>
-            </a:r>
-            <a:r>
-              <a:rPr lang="de-DE" altLang="de-DE" sz="1400" dirty="0" err="1"/>
-              <a:t>Rebase</a:t>
-            </a:r>
-            <a:r>
-              <a:rPr lang="de-DE" altLang="de-DE" sz="1400" dirty="0"/>
-              <a:t> und </a:t>
-            </a:r>
-            <a:r>
-              <a:rPr lang="de-DE" altLang="de-DE" sz="1400" dirty="0" err="1"/>
-              <a:t>Merge</a:t>
-            </a:r>
-            <a:r>
-              <a:rPr lang="de-DE" altLang="de-DE" sz="1400" dirty="0"/>
-              <a:t>-Strategien</a:t>
-            </a:r>
-          </a:p>
-          <a:p>
-            <a:pPr lvl="1">
-              <a:buFont typeface="Arial" panose="020B0604020202020204" pitchFamily="34" charset="0"/>
-              <a:buChar char="•"/>
-            </a:pPr>
-            <a:r>
-              <a:rPr lang="de-DE" altLang="de-DE" sz="1400" dirty="0" err="1"/>
-              <a:t>Git</a:t>
-            </a:r>
-            <a:r>
-              <a:rPr lang="de-DE" altLang="de-DE" sz="1400" dirty="0"/>
-              <a:t> Remote</a:t>
-            </a:r>
-          </a:p>
-          <a:p>
-            <a:pPr lvl="1">
-              <a:buFont typeface="Arial" panose="020B0604020202020204" pitchFamily="34" charset="0"/>
-              <a:buChar char="•"/>
-            </a:pPr>
-            <a:r>
-              <a:rPr lang="de-DE" altLang="de-DE" sz="1400" dirty="0"/>
-              <a:t>Grundlagen von </a:t>
-            </a:r>
-            <a:r>
-              <a:rPr lang="de-DE" altLang="de-DE" sz="1400" dirty="0" err="1"/>
-              <a:t>GitLab</a:t>
-            </a:r>
-            <a:endParaRPr lang="de-DE" altLang="de-DE" sz="1400" dirty="0"/>
-          </a:p>
-          <a:p>
-            <a:pPr>
-              <a:buFont typeface="Arial" panose="020B0604020202020204" pitchFamily="34" charset="0"/>
-              <a:buChar char="•"/>
-            </a:pPr>
-            <a:r>
-              <a:rPr lang="de-DE" altLang="de-DE" sz="1800" b="1" dirty="0"/>
-              <a:t>Tag 2 – </a:t>
-            </a:r>
-            <a:r>
-              <a:rPr lang="de-DE" altLang="de-DE" sz="1800" b="1" dirty="0" err="1"/>
-              <a:t>Git</a:t>
-            </a:r>
-            <a:r>
-              <a:rPr lang="de-DE" altLang="de-DE" sz="1800" b="1" dirty="0"/>
-              <a:t>-Workflows, CI/CD, </a:t>
-            </a:r>
-            <a:r>
-              <a:rPr lang="de-DE" altLang="de-DE" sz="1800" b="1" dirty="0" err="1"/>
-              <a:t>GitLab</a:t>
-            </a:r>
-            <a:r>
-              <a:rPr lang="de-DE" altLang="de-DE" sz="1800" b="1" dirty="0"/>
-              <a:t> CI </a:t>
-            </a:r>
-          </a:p>
-          <a:p>
-            <a:pPr lvl="1">
-              <a:buFont typeface="Arial" panose="020B0604020202020204" pitchFamily="34" charset="0"/>
-              <a:buChar char="•"/>
-            </a:pPr>
-            <a:r>
-              <a:rPr lang="de-DE" altLang="de-DE" sz="1400" dirty="0" err="1"/>
-              <a:t>Git</a:t>
-            </a:r>
-            <a:r>
-              <a:rPr lang="de-DE" altLang="de-DE" sz="1400" dirty="0"/>
-              <a:t>-Workflow im Team</a:t>
-            </a:r>
-          </a:p>
-          <a:p>
-            <a:pPr lvl="1">
-              <a:buFont typeface="Arial" panose="020B0604020202020204" pitchFamily="34" charset="0"/>
-              <a:buChar char="•"/>
-            </a:pPr>
-            <a:r>
-              <a:rPr lang="de-DE" altLang="de-DE" sz="1400" dirty="0" err="1"/>
-              <a:t>Gitflow</a:t>
-            </a:r>
-            <a:r>
-              <a:rPr lang="de-DE" altLang="de-DE" sz="1400" dirty="0"/>
-              <a:t>-Workflow</a:t>
-            </a:r>
-          </a:p>
-          <a:p>
-            <a:pPr lvl="1">
-              <a:buFont typeface="Arial" panose="020B0604020202020204" pitchFamily="34" charset="0"/>
-              <a:buChar char="•"/>
-            </a:pPr>
-            <a:r>
-              <a:rPr lang="de-DE" altLang="de-DE" sz="1400" dirty="0"/>
-              <a:t>Tags, Releases &amp; deren Verwaltung</a:t>
-            </a:r>
-          </a:p>
-          <a:p>
-            <a:pPr lvl="1">
-              <a:buFont typeface="Arial" panose="020B0604020202020204" pitchFamily="34" charset="0"/>
-              <a:buChar char="•"/>
-            </a:pPr>
-            <a:r>
-              <a:rPr lang="de-DE" altLang="de-DE" sz="1400" dirty="0"/>
-              <a:t>Einführung in </a:t>
-            </a:r>
-            <a:r>
-              <a:rPr lang="de-DE" altLang="de-DE" sz="1400" dirty="0" err="1"/>
-              <a:t>GitLab</a:t>
-            </a:r>
-            <a:r>
-              <a:rPr lang="de-DE" altLang="de-DE" sz="1400" dirty="0"/>
-              <a:t> CI/CD &amp; </a:t>
-            </a:r>
-            <a:r>
-              <a:rPr lang="de-DE" altLang="de-DE" sz="1400" dirty="0" err="1"/>
-              <a:t>gitlab-ci.yml</a:t>
-            </a:r>
-            <a:endParaRPr lang="de-DE" altLang="de-DE" sz="1400" dirty="0"/>
-          </a:p>
-          <a:p>
-            <a:pPr lvl="1">
-              <a:buFont typeface="Arial" panose="020B0604020202020204" pitchFamily="34" charset="0"/>
-              <a:buChar char="•"/>
-            </a:pPr>
-            <a:r>
-              <a:rPr lang="de-DE" altLang="de-DE" sz="1400" dirty="0" err="1"/>
-              <a:t>GitLab</a:t>
-            </a:r>
-            <a:r>
-              <a:rPr lang="de-DE" altLang="de-DE" sz="1400" dirty="0"/>
-              <a:t> Runner</a:t>
-            </a:r>
-          </a:p>
-          <a:p>
-            <a:pPr>
-              <a:buFont typeface="Arial" panose="020B0604020202020204" pitchFamily="34" charset="0"/>
-              <a:buChar char="•"/>
-            </a:pPr>
-            <a:r>
-              <a:rPr lang="de-DE" altLang="de-DE" sz="1800" b="1" dirty="0"/>
-              <a:t>Tag 3 – Docker, </a:t>
-            </a:r>
-            <a:r>
-              <a:rPr lang="de-DE" altLang="de-DE" sz="1800" b="1" dirty="0" err="1"/>
-              <a:t>GitOps</a:t>
-            </a:r>
-            <a:r>
-              <a:rPr lang="de-DE" altLang="de-DE" sz="1800" b="1" dirty="0"/>
-              <a:t>, </a:t>
-            </a:r>
-            <a:r>
-              <a:rPr lang="de-DE" altLang="de-DE" sz="1800" b="1" dirty="0" err="1"/>
-              <a:t>Deployment</a:t>
-            </a:r>
-            <a:r>
-              <a:rPr lang="de-DE" altLang="de-DE" sz="1800" b="1" dirty="0"/>
-              <a:t>-Strategien</a:t>
-            </a:r>
-          </a:p>
-          <a:p>
-            <a:pPr lvl="1">
-              <a:buFont typeface="Arial" panose="020B0604020202020204" pitchFamily="34" charset="0"/>
-              <a:buChar char="•"/>
-            </a:pPr>
-            <a:r>
-              <a:rPr lang="de-DE" altLang="de-DE" sz="1400" dirty="0"/>
-              <a:t>Entwicklung mit Docker</a:t>
-            </a:r>
-          </a:p>
-          <a:p>
-            <a:pPr lvl="1">
-              <a:buFont typeface="Arial" panose="020B0604020202020204" pitchFamily="34" charset="0"/>
-              <a:buChar char="•"/>
-            </a:pPr>
-            <a:r>
-              <a:rPr lang="de-DE" altLang="de-DE" sz="1400" dirty="0"/>
-              <a:t>Container/Docker-Registry</a:t>
-            </a:r>
-          </a:p>
-          <a:p>
-            <a:pPr lvl="1">
-              <a:buFont typeface="Arial" panose="020B0604020202020204" pitchFamily="34" charset="0"/>
-              <a:buChar char="•"/>
-            </a:pPr>
-            <a:r>
-              <a:rPr lang="de-DE" altLang="de-DE" sz="1400" dirty="0"/>
-              <a:t>Erstellen von Release- und </a:t>
-            </a:r>
-            <a:r>
-              <a:rPr lang="de-DE" altLang="de-DE" sz="1400" dirty="0" err="1"/>
-              <a:t>Tagged</a:t>
-            </a:r>
-            <a:r>
-              <a:rPr lang="de-DE" altLang="de-DE" sz="1400" dirty="0"/>
-              <a:t>-Images</a:t>
-            </a:r>
-          </a:p>
-          <a:p>
-            <a:pPr lvl="1">
-              <a:buFont typeface="Arial" panose="020B0604020202020204" pitchFamily="34" charset="0"/>
-              <a:buChar char="•"/>
-            </a:pPr>
-            <a:r>
-              <a:rPr lang="de-DE" altLang="de-DE" sz="1400" dirty="0" err="1"/>
-              <a:t>GitOps</a:t>
-            </a:r>
-            <a:r>
-              <a:rPr lang="de-DE" altLang="de-DE" sz="1400" dirty="0"/>
-              <a:t> Grundlagen</a:t>
-            </a:r>
-          </a:p>
-          <a:p>
-            <a:pPr lvl="1">
-              <a:buFont typeface="Arial" panose="020B0604020202020204" pitchFamily="34" charset="0"/>
-              <a:buChar char="•"/>
-            </a:pPr>
-            <a:r>
-              <a:rPr lang="de-DE" altLang="de-DE" sz="1400" dirty="0"/>
-              <a:t>Möglichkeiten des </a:t>
-            </a:r>
-            <a:r>
-              <a:rPr lang="de-DE" altLang="de-DE" sz="1400" dirty="0" err="1"/>
-              <a:t>Deployments</a:t>
-            </a:r>
-            <a:r>
-              <a:rPr lang="de-DE" altLang="de-DE" sz="1400" dirty="0"/>
-              <a:t> &amp; Verwaltung von Konfiguration</a:t>
-            </a:r>
-          </a:p>
-          <a:p>
-            <a:pPr lvl="1">
-              <a:buFont typeface="Arial" panose="020B0604020202020204" pitchFamily="34" charset="0"/>
-              <a:buChar char="•"/>
-            </a:pPr>
-            <a:r>
-              <a:rPr lang="de-DE" altLang="de-DE" sz="1400" dirty="0"/>
-              <a:t>Abschlussübung &amp; Diskussion</a:t>
-            </a:r>
-          </a:p>
-          <a:p>
-            <a:pPr lvl="1">
-              <a:buFont typeface="Arial" panose="020B0604020202020204" pitchFamily="34" charset="0"/>
-              <a:buChar char="•"/>
-            </a:pPr>
-            <a:endParaRPr lang="de-DE" altLang="de-DE" sz="1400" dirty="0"/>
-          </a:p>
-        </p:txBody>
-      </p:sp>
-      <p:sp>
-        <p:nvSpPr>
-          <p:cNvPr id="6147" name="Rectangle 1062">
-            <a:extLst>
-              <a:ext uri="{FF2B5EF4-FFF2-40B4-BE49-F238E27FC236}">
-                <a16:creationId xmlns:a16="http://schemas.microsoft.com/office/drawing/2014/main" id="{C46E9340-3256-8D55-A265-94F2F41E288E}"/>
-              </a:ext>
-            </a:extLst>
-          </p:cNvPr>
-          <p:cNvSpPr>
-            <a:spLocks noGrp="1" noChangeArrowheads="1"/>
-          </p:cNvSpPr>
-          <p:nvPr>
-            <p:ph type="title"/>
-          </p:nvPr>
-        </p:nvSpPr>
-        <p:spPr>
-          <a:xfrm>
-            <a:off x="285750" y="142875"/>
-            <a:ext cx="5654675" cy="706438"/>
-          </a:xfrm>
-        </p:spPr>
-        <p:txBody>
-          <a:bodyPr/>
-          <a:lstStyle/>
-          <a:p>
-            <a:r>
-              <a:rPr lang="de-DE" altLang="de-DE" dirty="0"/>
-              <a:t>Agenda</a:t>
-            </a:r>
-          </a:p>
-        </p:txBody>
-      </p:sp>
-    </p:spTree>
-    <p:extLst>
-      <p:ext uri="{BB962C8B-B14F-4D97-AF65-F5344CB8AC3E}">
-        <p14:creationId xmlns:p14="http://schemas.microsoft.com/office/powerpoint/2010/main" val="3781715788"/>
-      </p:ext>
-    </p:extLst>
-  </p:cSld>
-  <p:clrMapOvr>
-    <a:masterClrMapping/>
-  </p:clrMapOvr>
-</p:sld>
-</file>
-
-<file path=ppt/slides/slide3.xml><?xml version="1.0" encoding="utf-8"?>
-<p:sld xmlns:a="http://schemas.openxmlformats.org/drawingml/2006/main" xmlns:r="http://schemas.openxmlformats.org/officeDocument/2006/relationships" xmlns:p="http://schemas.openxmlformats.org/presentationml/2006/main">
-  <p:cSld>
-    <p:spTree>
-      <p:nvGrpSpPr>
-        <p:cNvPr id="1" name=""/>
-        <p:cNvGrpSpPr/>
-        <p:nvPr/>
-      </p:nvGrpSpPr>
-      <p:grpSpPr>
-        <a:xfrm>
-          <a:off x="0" y="0"/>
-          <a:ext cx="0" cy="0"/>
-          <a:chOff x="0" y="0"/>
-          <a:chExt cx="0" cy="0"/>
-        </a:xfrm>
-      </p:grpSpPr>
-      <p:sp>
-        <p:nvSpPr>
-          <p:cNvPr id="6146" name="Inhaltsplatzhalter 18">
-            <a:extLst>
-              <a:ext uri="{FF2B5EF4-FFF2-40B4-BE49-F238E27FC236}">
-                <a16:creationId xmlns:a16="http://schemas.microsoft.com/office/drawing/2014/main" id="{BE3C4C95-FD5D-27F0-ED0C-AB8113CAC9F1}"/>
-              </a:ext>
-            </a:extLst>
-          </p:cNvPr>
-          <p:cNvSpPr>
-            <a:spLocks noGrp="1"/>
-          </p:cNvSpPr>
-          <p:nvPr>
-            <p:ph idx="1"/>
-          </p:nvPr>
-        </p:nvSpPr>
-        <p:spPr/>
-        <p:txBody>
-          <a:bodyPr/>
-          <a:lstStyle/>
-          <a:p>
-            <a:pPr>
-              <a:buFont typeface="Arial" panose="020B0604020202020204" pitchFamily="34" charset="0"/>
-              <a:buChar char="•"/>
-            </a:pPr>
-            <a:r>
-              <a:rPr lang="de-DE" altLang="de-DE" sz="1800" b="1" dirty="0"/>
-              <a:t>Tag 1 – Einführung in </a:t>
-            </a:r>
-            <a:r>
-              <a:rPr lang="de-DE" altLang="de-DE" sz="1800" b="1" dirty="0" err="1"/>
-              <a:t>Git</a:t>
-            </a:r>
-            <a:r>
-              <a:rPr lang="de-DE" altLang="de-DE" sz="1800" b="1" dirty="0"/>
-              <a:t> und </a:t>
-            </a:r>
-            <a:r>
-              <a:rPr lang="de-DE" altLang="de-DE" sz="1800" b="1" dirty="0" err="1"/>
-              <a:t>GitLab</a:t>
-            </a:r>
-            <a:endParaRPr lang="de-DE" altLang="de-DE" sz="1800" b="1" dirty="0"/>
-          </a:p>
-          <a:p>
-            <a:pPr lvl="1">
-              <a:buFont typeface="Arial" panose="020B0604020202020204" pitchFamily="34" charset="0"/>
-              <a:buChar char="•"/>
-            </a:pPr>
-            <a:r>
-              <a:rPr lang="de-DE" altLang="de-DE" sz="1400" dirty="0"/>
-              <a:t>Einführung &amp; Kursüberblick</a:t>
-            </a:r>
-          </a:p>
-          <a:p>
-            <a:pPr lvl="1">
-              <a:buFont typeface="Arial" panose="020B0604020202020204" pitchFamily="34" charset="0"/>
-              <a:buChar char="•"/>
-            </a:pPr>
-            <a:r>
-              <a:rPr lang="de-DE" altLang="de-DE" sz="1400" dirty="0"/>
-              <a:t>Grundlagen von </a:t>
-            </a:r>
-            <a:r>
-              <a:rPr lang="de-DE" altLang="de-DE" sz="1400" dirty="0" err="1"/>
-              <a:t>Git</a:t>
-            </a:r>
-            <a:endParaRPr lang="de-DE" altLang="de-DE" sz="1400" dirty="0"/>
-          </a:p>
-          <a:p>
-            <a:pPr lvl="1">
-              <a:buFont typeface="Arial" panose="020B0604020202020204" pitchFamily="34" charset="0"/>
-              <a:buChar char="•"/>
-            </a:pPr>
-            <a:r>
-              <a:rPr lang="de-DE" altLang="de-DE" sz="1400" dirty="0" err="1"/>
-              <a:t>Git</a:t>
-            </a:r>
-            <a:r>
-              <a:rPr lang="de-DE" altLang="de-DE" sz="1400" dirty="0"/>
-              <a:t> </a:t>
-            </a:r>
-            <a:r>
-              <a:rPr lang="de-DE" altLang="de-DE" sz="1400" dirty="0" err="1"/>
-              <a:t>Rebase</a:t>
-            </a:r>
-            <a:r>
-              <a:rPr lang="de-DE" altLang="de-DE" sz="1400" dirty="0"/>
-              <a:t> und </a:t>
-            </a:r>
-            <a:r>
-              <a:rPr lang="de-DE" altLang="de-DE" sz="1400" dirty="0" err="1"/>
-              <a:t>Merge</a:t>
-            </a:r>
-            <a:r>
-              <a:rPr lang="de-DE" altLang="de-DE" sz="1400" dirty="0"/>
-              <a:t>-Strategien</a:t>
-            </a:r>
-          </a:p>
-          <a:p>
-            <a:pPr lvl="1">
-              <a:buFont typeface="Arial" panose="020B0604020202020204" pitchFamily="34" charset="0"/>
-              <a:buChar char="•"/>
-            </a:pPr>
-            <a:r>
-              <a:rPr lang="de-DE" altLang="de-DE" sz="1400" dirty="0" err="1"/>
-              <a:t>Git</a:t>
-            </a:r>
-            <a:r>
-              <a:rPr lang="de-DE" altLang="de-DE" sz="1400" dirty="0"/>
-              <a:t> Remote</a:t>
-            </a:r>
-          </a:p>
-          <a:p>
-            <a:pPr lvl="1">
-              <a:buFont typeface="Arial" panose="020B0604020202020204" pitchFamily="34" charset="0"/>
-              <a:buChar char="•"/>
-            </a:pPr>
-            <a:r>
-              <a:rPr lang="de-DE" altLang="de-DE" sz="1400" dirty="0"/>
-              <a:t>Grundlagen von </a:t>
-            </a:r>
-            <a:r>
-              <a:rPr lang="de-DE" altLang="de-DE" sz="1400" dirty="0" err="1"/>
-              <a:t>GitLab</a:t>
-            </a:r>
-            <a:endParaRPr lang="de-DE" altLang="de-DE" sz="1400" dirty="0"/>
-          </a:p>
-          <a:p>
-            <a:pPr>
-              <a:buFont typeface="Arial" panose="020B0604020202020204" pitchFamily="34" charset="0"/>
-              <a:buChar char="•"/>
-            </a:pPr>
-            <a:r>
-              <a:rPr lang="de-DE" altLang="de-DE" sz="1800" b="1" dirty="0"/>
-              <a:t>Tag 2 – </a:t>
-            </a:r>
-            <a:r>
-              <a:rPr lang="de-DE" altLang="de-DE" sz="1800" b="1" dirty="0" err="1"/>
-              <a:t>Git</a:t>
-            </a:r>
-            <a:r>
-              <a:rPr lang="de-DE" altLang="de-DE" sz="1800" b="1" dirty="0"/>
-              <a:t>-Workflows, CI/CD, </a:t>
-            </a:r>
-            <a:r>
-              <a:rPr lang="de-DE" altLang="de-DE" sz="1800" b="1" dirty="0" err="1"/>
-              <a:t>GitLab</a:t>
-            </a:r>
-            <a:r>
-              <a:rPr lang="de-DE" altLang="de-DE" sz="1800" b="1" dirty="0"/>
-              <a:t> CI </a:t>
-            </a:r>
-          </a:p>
-          <a:p>
-            <a:pPr lvl="1">
-              <a:buFont typeface="Arial" panose="020B0604020202020204" pitchFamily="34" charset="0"/>
-              <a:buChar char="•"/>
-            </a:pPr>
-            <a:r>
-              <a:rPr lang="de-DE" altLang="de-DE" sz="1400" dirty="0" err="1"/>
-              <a:t>Git</a:t>
-            </a:r>
-            <a:r>
-              <a:rPr lang="de-DE" altLang="de-DE" sz="1400" dirty="0"/>
-              <a:t>-Workflow im Team</a:t>
-            </a:r>
-          </a:p>
-          <a:p>
-            <a:pPr lvl="1">
-              <a:buFont typeface="Arial" panose="020B0604020202020204" pitchFamily="34" charset="0"/>
-              <a:buChar char="•"/>
-            </a:pPr>
-            <a:r>
-              <a:rPr lang="de-DE" altLang="de-DE" sz="1400" dirty="0" err="1"/>
-              <a:t>Gitflow</a:t>
-            </a:r>
-            <a:r>
-              <a:rPr lang="de-DE" altLang="de-DE" sz="1400" dirty="0"/>
-              <a:t>-Workflow</a:t>
-            </a:r>
-          </a:p>
-          <a:p>
-            <a:pPr lvl="1">
-              <a:buFont typeface="Arial" panose="020B0604020202020204" pitchFamily="34" charset="0"/>
-              <a:buChar char="•"/>
-            </a:pPr>
-            <a:r>
-              <a:rPr lang="de-DE" altLang="de-DE" sz="1400" u="sng" dirty="0"/>
-              <a:t>Tags, Releases &amp; deren Verwaltung</a:t>
-            </a:r>
-          </a:p>
-          <a:p>
-            <a:pPr lvl="1">
-              <a:buFont typeface="Arial" panose="020B0604020202020204" pitchFamily="34" charset="0"/>
-              <a:buChar char="•"/>
-            </a:pPr>
-            <a:r>
-              <a:rPr lang="de-DE" altLang="de-DE" sz="1400" dirty="0"/>
-              <a:t>Einführung in </a:t>
-            </a:r>
-            <a:r>
-              <a:rPr lang="de-DE" altLang="de-DE" sz="1400" dirty="0" err="1"/>
-              <a:t>GitLab</a:t>
-            </a:r>
-            <a:r>
-              <a:rPr lang="de-DE" altLang="de-DE" sz="1400" dirty="0"/>
-              <a:t> CI/CD &amp; </a:t>
-            </a:r>
-            <a:r>
-              <a:rPr lang="de-DE" altLang="de-DE" sz="1400" dirty="0" err="1"/>
-              <a:t>gitlab-ci.yml</a:t>
-            </a:r>
-            <a:endParaRPr lang="de-DE" altLang="de-DE" sz="1400" dirty="0"/>
-          </a:p>
-          <a:p>
-            <a:pPr lvl="1">
-              <a:buFont typeface="Arial" panose="020B0604020202020204" pitchFamily="34" charset="0"/>
-              <a:buChar char="•"/>
-            </a:pPr>
-            <a:r>
-              <a:rPr lang="de-DE" altLang="de-DE" sz="1400" dirty="0" err="1"/>
-              <a:t>GitLab</a:t>
-            </a:r>
-            <a:r>
-              <a:rPr lang="de-DE" altLang="de-DE" sz="1400" dirty="0"/>
-              <a:t> Runner</a:t>
-            </a:r>
-          </a:p>
-          <a:p>
-            <a:pPr>
-              <a:buFont typeface="Arial" panose="020B0604020202020204" pitchFamily="34" charset="0"/>
-              <a:buChar char="•"/>
-            </a:pPr>
-            <a:r>
-              <a:rPr lang="de-DE" altLang="de-DE" sz="1800" b="1" dirty="0"/>
-              <a:t>Tag 3 – Docker, </a:t>
-            </a:r>
-            <a:r>
-              <a:rPr lang="de-DE" altLang="de-DE" sz="1800" b="1" dirty="0" err="1"/>
-              <a:t>GitOps</a:t>
-            </a:r>
-            <a:r>
-              <a:rPr lang="de-DE" altLang="de-DE" sz="1800" b="1" dirty="0"/>
-              <a:t>, </a:t>
-            </a:r>
-            <a:r>
-              <a:rPr lang="de-DE" altLang="de-DE" sz="1800" b="1" dirty="0" err="1"/>
-              <a:t>Deployment</a:t>
-            </a:r>
-            <a:r>
-              <a:rPr lang="de-DE" altLang="de-DE" sz="1800" b="1" dirty="0"/>
-              <a:t>-Strategien</a:t>
-            </a:r>
-          </a:p>
-          <a:p>
-            <a:pPr lvl="1">
-              <a:buFont typeface="Arial" panose="020B0604020202020204" pitchFamily="34" charset="0"/>
-              <a:buChar char="•"/>
-            </a:pPr>
-            <a:r>
-              <a:rPr lang="de-DE" altLang="de-DE" sz="1400" dirty="0"/>
-              <a:t>Entwicklung mit Docker</a:t>
-            </a:r>
-          </a:p>
-          <a:p>
-            <a:pPr lvl="1">
-              <a:buFont typeface="Arial" panose="020B0604020202020204" pitchFamily="34" charset="0"/>
-              <a:buChar char="•"/>
-            </a:pPr>
-            <a:r>
-              <a:rPr lang="de-DE" altLang="de-DE" sz="1400" dirty="0"/>
-              <a:t>Container/Docker-Registry</a:t>
-            </a:r>
-          </a:p>
-          <a:p>
-            <a:pPr lvl="1">
-              <a:buFont typeface="Arial" panose="020B0604020202020204" pitchFamily="34" charset="0"/>
-              <a:buChar char="•"/>
-            </a:pPr>
-            <a:r>
-              <a:rPr lang="de-DE" altLang="de-DE" sz="1400" dirty="0"/>
-              <a:t>Erstellen von Release- und </a:t>
-            </a:r>
-            <a:r>
-              <a:rPr lang="de-DE" altLang="de-DE" sz="1400" dirty="0" err="1"/>
-              <a:t>Tagged</a:t>
-            </a:r>
-            <a:r>
-              <a:rPr lang="de-DE" altLang="de-DE" sz="1400" dirty="0"/>
-              <a:t>-Images</a:t>
-            </a:r>
-          </a:p>
-          <a:p>
-            <a:pPr lvl="1">
-              <a:buFont typeface="Arial" panose="020B0604020202020204" pitchFamily="34" charset="0"/>
-              <a:buChar char="•"/>
-            </a:pPr>
-            <a:r>
-              <a:rPr lang="de-DE" altLang="de-DE" sz="1400" dirty="0" err="1"/>
-              <a:t>GitOps</a:t>
-            </a:r>
-            <a:r>
-              <a:rPr lang="de-DE" altLang="de-DE" sz="1400" dirty="0"/>
-              <a:t> Grundlagen</a:t>
-            </a:r>
-          </a:p>
-          <a:p>
-            <a:pPr lvl="1">
-              <a:buFont typeface="Arial" panose="020B0604020202020204" pitchFamily="34" charset="0"/>
-              <a:buChar char="•"/>
-            </a:pPr>
-            <a:r>
-              <a:rPr lang="de-DE" altLang="de-DE" sz="1400" dirty="0"/>
-              <a:t>Möglichkeiten des </a:t>
-            </a:r>
-            <a:r>
-              <a:rPr lang="de-DE" altLang="de-DE" sz="1400" dirty="0" err="1"/>
-              <a:t>Deployments</a:t>
-            </a:r>
-            <a:r>
-              <a:rPr lang="de-DE" altLang="de-DE" sz="1400" dirty="0"/>
-              <a:t> &amp; Verwaltung von Konfiguration</a:t>
-            </a:r>
-          </a:p>
-          <a:p>
-            <a:pPr lvl="1">
-              <a:buFont typeface="Arial" panose="020B0604020202020204" pitchFamily="34" charset="0"/>
-              <a:buChar char="•"/>
-            </a:pPr>
-            <a:r>
-              <a:rPr lang="de-DE" altLang="de-DE" sz="1400" dirty="0"/>
-              <a:t>Abschlussübung &amp; Diskussion</a:t>
-            </a:r>
-          </a:p>
-          <a:p>
-            <a:pPr lvl="1">
-              <a:buFont typeface="Arial" panose="020B0604020202020204" pitchFamily="34" charset="0"/>
-              <a:buChar char="•"/>
-            </a:pPr>
-            <a:endParaRPr lang="de-DE" altLang="de-DE" sz="1400" dirty="0"/>
-          </a:p>
-        </p:txBody>
-      </p:sp>
-      <p:sp>
-        <p:nvSpPr>
-          <p:cNvPr id="6147" name="Rectangle 1062">
-            <a:extLst>
-              <a:ext uri="{FF2B5EF4-FFF2-40B4-BE49-F238E27FC236}">
-                <a16:creationId xmlns:a16="http://schemas.microsoft.com/office/drawing/2014/main" id="{C46E9340-3256-8D55-A265-94F2F41E288E}"/>
-              </a:ext>
-            </a:extLst>
-          </p:cNvPr>
-          <p:cNvSpPr>
-            <a:spLocks noGrp="1" noChangeArrowheads="1"/>
-          </p:cNvSpPr>
-          <p:nvPr>
-            <p:ph type="title"/>
-          </p:nvPr>
-        </p:nvSpPr>
-        <p:spPr>
-          <a:xfrm>
-            <a:off x="285750" y="142875"/>
-            <a:ext cx="5654675" cy="706438"/>
-          </a:xfrm>
-        </p:spPr>
-        <p:txBody>
-          <a:bodyPr/>
-          <a:lstStyle/>
-          <a:p>
-            <a:r>
-              <a:rPr lang="de-DE" altLang="de-DE" dirty="0"/>
-              <a:t>Agenda</a:t>
-            </a:r>
-          </a:p>
-        </p:txBody>
-      </p:sp>
-    </p:spTree>
-    <p:extLst>
-      <p:ext uri="{BB962C8B-B14F-4D97-AF65-F5344CB8AC3E}">
-        <p14:creationId xmlns:p14="http://schemas.microsoft.com/office/powerpoint/2010/main" val="3799254221"/>
-      </p:ext>
-    </p:extLst>
-  </p:cSld>
-  <p:clrMapOvr>
-    <a:masterClrMapping/>
-  </p:clrMapOvr>
-</p:sld>
-</file>
-
-<file path=ppt/slides/slide4.xml><?xml version="1.0" encoding="utf-8"?>
-<p:sld xmlns:a="http://schemas.openxmlformats.org/drawingml/2006/main" xmlns:r="http://schemas.openxmlformats.org/officeDocument/2006/relationships" xmlns:p="http://schemas.openxmlformats.org/presentationml/2006/main">
-  <p:cSld>
-    <p:spTree>
-      <p:nvGrpSpPr>
-        <p:cNvPr id="1" name=""/>
-        <p:cNvGrpSpPr/>
-        <p:nvPr/>
-      </p:nvGrpSpPr>
-      <p:grpSpPr>
-        <a:xfrm>
-          <a:off x="0" y="0"/>
-          <a:ext cx="0" cy="0"/>
-          <a:chOff x="0" y="0"/>
-          <a:chExt cx="0" cy="0"/>
-        </a:xfrm>
-      </p:grpSpPr>
-      <p:sp>
-        <p:nvSpPr>
           <p:cNvPr id="2" name="Titel 1"/>
           <p:cNvSpPr>
             <a:spLocks noGrp="1"/>
@@ -8837,7 +7408,7 @@
 </p:sld>
 </file>
 
-<file path=ppt/slides/slide5.xml><?xml version="1.0" encoding="utf-8"?>
+<file path=ppt/slides/slide3.xml><?xml version="1.0" encoding="utf-8"?>
 <p:sld xmlns:a="http://schemas.openxmlformats.org/drawingml/2006/main" xmlns:r="http://schemas.openxmlformats.org/officeDocument/2006/relationships" xmlns:p="http://schemas.openxmlformats.org/presentationml/2006/main">
   <p:cSld>
     <p:spTree>
@@ -9037,6 +7608,514 @@
         </p:txBody>
       </p:sp>
     </p:spTree>
+  </p:cSld>
+  <p:clrMapOvr>
+    <a:masterClrMapping/>
+  </p:clrMapOvr>
+</p:sld>
+</file>
+
+<file path=ppt/slides/slide4.xml><?xml version="1.0" encoding="utf-8"?>
+<p:sld xmlns:a="http://schemas.openxmlformats.org/drawingml/2006/main" xmlns:r="http://schemas.openxmlformats.org/officeDocument/2006/relationships" xmlns:p="http://schemas.openxmlformats.org/presentationml/2006/main">
+  <p:cSld>
+    <p:spTree>
+      <p:nvGrpSpPr>
+        <p:cNvPr id="1" name=""/>
+        <p:cNvGrpSpPr/>
+        <p:nvPr/>
+      </p:nvGrpSpPr>
+      <p:grpSpPr>
+        <a:xfrm>
+          <a:off x="0" y="0"/>
+          <a:ext cx="0" cy="0"/>
+          <a:chOff x="0" y="0"/>
+          <a:chExt cx="0" cy="0"/>
+        </a:xfrm>
+      </p:grpSpPr>
+      <p:sp>
+        <p:nvSpPr>
+          <p:cNvPr id="6146" name="Inhaltsplatzhalter 18">
+            <a:extLst>
+              <a:ext uri="{FF2B5EF4-FFF2-40B4-BE49-F238E27FC236}">
+                <a16:creationId xmlns:a16="http://schemas.microsoft.com/office/drawing/2014/main" id="{BE3C4C95-FD5D-27F0-ED0C-AB8113CAC9F1}"/>
+              </a:ext>
+            </a:extLst>
+          </p:cNvPr>
+          <p:cNvSpPr>
+            <a:spLocks noGrp="1"/>
+          </p:cNvSpPr>
+          <p:nvPr>
+            <p:ph idx="1"/>
+          </p:nvPr>
+        </p:nvSpPr>
+        <p:spPr>
+          <a:xfrm>
+            <a:off x="303214" y="981075"/>
+            <a:ext cx="8517258" cy="5400675"/>
+          </a:xfrm>
+        </p:spPr>
+        <p:txBody>
+          <a:bodyPr/>
+          <a:lstStyle/>
+          <a:p>
+            <a:r>
+              <a:rPr lang="de-DE" altLang="de-DE" dirty="0"/>
+              <a:t>Tagging ist ein wichtiges Konzept der Versionsverwaltung</a:t>
+            </a:r>
+          </a:p>
+          <a:p>
+            <a:r>
+              <a:rPr lang="de-DE" altLang="de-DE" dirty="0"/>
+              <a:t>Markierung (“</a:t>
+            </a:r>
+            <a:r>
+              <a:rPr lang="de-DE" altLang="de-DE" dirty="0" err="1"/>
+              <a:t>Labeling</a:t>
+            </a:r>
+            <a:r>
+              <a:rPr lang="de-DE" altLang="de-DE" dirty="0"/>
+              <a:t>“) spezifischer Entwicklungsstände</a:t>
+            </a:r>
+          </a:p>
+          <a:p>
+            <a:r>
+              <a:rPr lang="de-DE" altLang="de-DE" dirty="0"/>
+              <a:t>Entwicklungsstand wird bei </a:t>
+            </a:r>
+            <a:r>
+              <a:rPr lang="de-DE" altLang="de-DE" dirty="0" err="1"/>
+              <a:t>Git</a:t>
+            </a:r>
+            <a:r>
+              <a:rPr lang="de-DE" altLang="de-DE" dirty="0"/>
+              <a:t> als „Snapshot“ bezeichnet</a:t>
+            </a:r>
+          </a:p>
+          <a:p>
+            <a:r>
+              <a:rPr lang="de-DE" altLang="de-DE" dirty="0"/>
+              <a:t>Use Case: Markierung von Releases</a:t>
+            </a:r>
+          </a:p>
+        </p:txBody>
+      </p:sp>
+      <p:sp>
+        <p:nvSpPr>
+          <p:cNvPr id="6147" name="Rectangle 1062">
+            <a:extLst>
+              <a:ext uri="{FF2B5EF4-FFF2-40B4-BE49-F238E27FC236}">
+                <a16:creationId xmlns:a16="http://schemas.microsoft.com/office/drawing/2014/main" id="{C46E9340-3256-8D55-A265-94F2F41E288E}"/>
+              </a:ext>
+            </a:extLst>
+          </p:cNvPr>
+          <p:cNvSpPr>
+            <a:spLocks noGrp="1" noChangeArrowheads="1"/>
+          </p:cNvSpPr>
+          <p:nvPr>
+            <p:ph type="title"/>
+          </p:nvPr>
+        </p:nvSpPr>
+        <p:spPr>
+          <a:xfrm>
+            <a:off x="285750" y="142875"/>
+            <a:ext cx="5654675" cy="706438"/>
+          </a:xfrm>
+        </p:spPr>
+        <p:txBody>
+          <a:bodyPr/>
+          <a:lstStyle/>
+          <a:p>
+            <a:r>
+              <a:rPr lang="de-DE" altLang="de-DE" dirty="0" err="1"/>
+              <a:t>Git</a:t>
+            </a:r>
+            <a:r>
+              <a:rPr lang="de-DE" altLang="de-DE" dirty="0"/>
+              <a:t> – Tags </a:t>
+            </a:r>
+          </a:p>
+        </p:txBody>
+      </p:sp>
+    </p:spTree>
+    <p:extLst>
+      <p:ext uri="{BB962C8B-B14F-4D97-AF65-F5344CB8AC3E}">
+        <p14:creationId xmlns:p14="http://schemas.microsoft.com/office/powerpoint/2010/main" val="3020803649"/>
+      </p:ext>
+    </p:extLst>
+  </p:cSld>
+  <p:clrMapOvr>
+    <a:masterClrMapping/>
+  </p:clrMapOvr>
+</p:sld>
+</file>
+
+<file path=ppt/slides/slide5.xml><?xml version="1.0" encoding="utf-8"?>
+<p:sld xmlns:a="http://schemas.openxmlformats.org/drawingml/2006/main" xmlns:r="http://schemas.openxmlformats.org/officeDocument/2006/relationships" xmlns:p="http://schemas.openxmlformats.org/presentationml/2006/main">
+  <p:cSld>
+    <p:spTree>
+      <p:nvGrpSpPr>
+        <p:cNvPr id="1" name=""/>
+        <p:cNvGrpSpPr/>
+        <p:nvPr/>
+      </p:nvGrpSpPr>
+      <p:grpSpPr>
+        <a:xfrm>
+          <a:off x="0" y="0"/>
+          <a:ext cx="0" cy="0"/>
+          <a:chOff x="0" y="0"/>
+          <a:chExt cx="0" cy="0"/>
+        </a:xfrm>
+      </p:grpSpPr>
+      <p:sp>
+        <p:nvSpPr>
+          <p:cNvPr id="6146" name="Inhaltsplatzhalter 18">
+            <a:extLst>
+              <a:ext uri="{FF2B5EF4-FFF2-40B4-BE49-F238E27FC236}">
+                <a16:creationId xmlns:a16="http://schemas.microsoft.com/office/drawing/2014/main" id="{BE3C4C95-FD5D-27F0-ED0C-AB8113CAC9F1}"/>
+              </a:ext>
+            </a:extLst>
+          </p:cNvPr>
+          <p:cNvSpPr>
+            <a:spLocks noGrp="1"/>
+          </p:cNvSpPr>
+          <p:nvPr>
+            <p:ph idx="1"/>
+          </p:nvPr>
+        </p:nvSpPr>
+        <p:spPr>
+          <a:xfrm>
+            <a:off x="303214" y="981075"/>
+            <a:ext cx="8517258" cy="5400675"/>
+          </a:xfrm>
+        </p:spPr>
+        <p:txBody>
+          <a:bodyPr/>
+          <a:lstStyle/>
+          <a:p>
+            <a:r>
+              <a:rPr lang="de-DE" altLang="de-DE" dirty="0" err="1">
+                <a:latin typeface="Consolas" panose="020B0609020204030204" pitchFamily="49" charset="0"/>
+              </a:rPr>
+              <a:t>git</a:t>
+            </a:r>
+            <a:r>
+              <a:rPr lang="de-DE" altLang="de-DE" dirty="0">
+                <a:latin typeface="Consolas" panose="020B0609020204030204" pitchFamily="49" charset="0"/>
+              </a:rPr>
+              <a:t> tag &lt;tag-name&gt; </a:t>
+            </a:r>
+            <a:r>
+              <a:rPr lang="de-DE" altLang="de-DE" dirty="0"/>
+              <a:t>um zum letzten </a:t>
+            </a:r>
+            <a:r>
+              <a:rPr lang="de-DE" altLang="de-DE" dirty="0" err="1"/>
+              <a:t>Commits</a:t>
+            </a:r>
+            <a:r>
+              <a:rPr lang="de-DE" altLang="de-DE" dirty="0"/>
+              <a:t> des aktiven </a:t>
+            </a:r>
+            <a:r>
+              <a:rPr lang="de-DE" altLang="de-DE" dirty="0" err="1"/>
+              <a:t>Branches</a:t>
+            </a:r>
+            <a:r>
+              <a:rPr lang="de-DE" altLang="de-DE" dirty="0"/>
+              <a:t> ein Tag hinzuzufügen</a:t>
+            </a:r>
+          </a:p>
+          <a:p>
+            <a:pPr marL="457200" lvl="1" indent="0">
+              <a:spcBef>
+                <a:spcPts val="0"/>
+              </a:spcBef>
+              <a:buNone/>
+            </a:pPr>
+            <a:endParaRPr lang="en-US" altLang="de-DE" sz="1200" dirty="0">
+              <a:latin typeface="Consolas" panose="020B0609020204030204" pitchFamily="49" charset="0"/>
+            </a:endParaRPr>
+          </a:p>
+          <a:p>
+            <a:pPr marL="457200" lvl="1" indent="0">
+              <a:spcBef>
+                <a:spcPts val="0"/>
+              </a:spcBef>
+              <a:buNone/>
+            </a:pPr>
+            <a:r>
+              <a:rPr lang="en-US" altLang="de-DE" sz="1200" dirty="0">
+                <a:latin typeface="Consolas" panose="020B0609020204030204" pitchFamily="49" charset="0"/>
+              </a:rPr>
+              <a:t>$ git log --</a:t>
+            </a:r>
+            <a:r>
+              <a:rPr lang="en-US" altLang="de-DE" sz="1200" dirty="0" err="1">
+                <a:latin typeface="Consolas" panose="020B0609020204030204" pitchFamily="49" charset="0"/>
+              </a:rPr>
+              <a:t>oneline</a:t>
+            </a:r>
+            <a:endParaRPr lang="en-US" altLang="de-DE" sz="1200" dirty="0">
+              <a:latin typeface="Consolas" panose="020B0609020204030204" pitchFamily="49" charset="0"/>
+            </a:endParaRPr>
+          </a:p>
+          <a:p>
+            <a:pPr marL="457200" lvl="1" indent="0">
+              <a:spcBef>
+                <a:spcPts val="0"/>
+              </a:spcBef>
+              <a:buNone/>
+            </a:pPr>
+            <a:r>
+              <a:rPr lang="en-US" altLang="de-DE" sz="1200" dirty="0">
+                <a:latin typeface="Consolas" panose="020B0609020204030204" pitchFamily="49" charset="0"/>
+              </a:rPr>
+              <a:t>c3a059e (HEAD -&gt; main) Add </a:t>
+            </a:r>
+            <a:r>
+              <a:rPr lang="en-US" altLang="de-DE" sz="1200" dirty="0" err="1">
+                <a:latin typeface="Consolas" panose="020B0609020204030204" pitchFamily="49" charset="0"/>
+              </a:rPr>
+              <a:t>final_file</a:t>
+            </a:r>
+            <a:endParaRPr lang="en-US" altLang="de-DE" sz="1200" dirty="0">
+              <a:latin typeface="Consolas" panose="020B0609020204030204" pitchFamily="49" charset="0"/>
+            </a:endParaRPr>
+          </a:p>
+          <a:p>
+            <a:pPr marL="457200" lvl="1" indent="0">
+              <a:spcBef>
+                <a:spcPts val="0"/>
+              </a:spcBef>
+              <a:buNone/>
+            </a:pPr>
+            <a:r>
+              <a:rPr lang="en-US" altLang="de-DE" sz="1200" dirty="0">
+                <a:latin typeface="Consolas" panose="020B0609020204030204" pitchFamily="49" charset="0"/>
+              </a:rPr>
+              <a:t>a908be7 Add file3</a:t>
+            </a:r>
+          </a:p>
+          <a:p>
+            <a:pPr marL="457200" lvl="1" indent="0">
+              <a:spcBef>
+                <a:spcPts val="0"/>
+              </a:spcBef>
+              <a:buNone/>
+            </a:pPr>
+            <a:r>
+              <a:rPr lang="en-US" altLang="de-DE" sz="1200" dirty="0">
+                <a:latin typeface="Consolas" panose="020B0609020204030204" pitchFamily="49" charset="0"/>
+              </a:rPr>
+              <a:t>722eaf0 Add file from main</a:t>
+            </a:r>
+          </a:p>
+          <a:p>
+            <a:pPr marL="457200" lvl="1" indent="0">
+              <a:spcBef>
+                <a:spcPts val="0"/>
+              </a:spcBef>
+              <a:buNone/>
+            </a:pPr>
+            <a:r>
+              <a:rPr lang="en-US" altLang="de-DE" sz="1200" dirty="0">
+                <a:latin typeface="Consolas" panose="020B0609020204030204" pitchFamily="49" charset="0"/>
+              </a:rPr>
+              <a:t>c61ef14 Initial commit</a:t>
+            </a:r>
+          </a:p>
+          <a:p>
+            <a:pPr marL="457200" lvl="1" indent="0">
+              <a:spcBef>
+                <a:spcPts val="0"/>
+              </a:spcBef>
+              <a:buNone/>
+            </a:pPr>
+            <a:endParaRPr lang="en-US" altLang="de-DE" sz="1200" dirty="0">
+              <a:latin typeface="Consolas" panose="020B0609020204030204" pitchFamily="49" charset="0"/>
+            </a:endParaRPr>
+          </a:p>
+          <a:p>
+            <a:pPr marL="457200" lvl="1" indent="0">
+              <a:spcBef>
+                <a:spcPts val="0"/>
+              </a:spcBef>
+              <a:buNone/>
+            </a:pPr>
+            <a:r>
+              <a:rPr lang="en-US" altLang="de-DE" sz="1200" dirty="0">
+                <a:latin typeface="Consolas" panose="020B0609020204030204" pitchFamily="49" charset="0"/>
+              </a:rPr>
+              <a:t>$ git tag "release-v0.0.1"</a:t>
+            </a:r>
+          </a:p>
+          <a:p>
+            <a:pPr marL="457200" lvl="1" indent="0">
+              <a:spcBef>
+                <a:spcPts val="0"/>
+              </a:spcBef>
+              <a:buNone/>
+            </a:pPr>
+            <a:endParaRPr lang="en-US" altLang="de-DE" sz="1200" dirty="0">
+              <a:latin typeface="Consolas" panose="020B0609020204030204" pitchFamily="49" charset="0"/>
+            </a:endParaRPr>
+          </a:p>
+          <a:p>
+            <a:pPr marL="457200" lvl="1" indent="0">
+              <a:spcBef>
+                <a:spcPts val="0"/>
+              </a:spcBef>
+              <a:buNone/>
+            </a:pPr>
+            <a:r>
+              <a:rPr lang="en-US" altLang="de-DE" sz="1200" dirty="0">
+                <a:latin typeface="Consolas" panose="020B0609020204030204" pitchFamily="49" charset="0"/>
+              </a:rPr>
+              <a:t>$ git log --</a:t>
+            </a:r>
+            <a:r>
+              <a:rPr lang="en-US" altLang="de-DE" sz="1200" dirty="0" err="1">
+                <a:latin typeface="Consolas" panose="020B0609020204030204" pitchFamily="49" charset="0"/>
+              </a:rPr>
+              <a:t>oneline</a:t>
+            </a:r>
+            <a:endParaRPr lang="en-US" altLang="de-DE" sz="1200" dirty="0">
+              <a:latin typeface="Consolas" panose="020B0609020204030204" pitchFamily="49" charset="0"/>
+            </a:endParaRPr>
+          </a:p>
+          <a:p>
+            <a:pPr marL="457200" lvl="1" indent="0">
+              <a:spcBef>
+                <a:spcPts val="0"/>
+              </a:spcBef>
+              <a:buNone/>
+            </a:pPr>
+            <a:r>
+              <a:rPr lang="en-US" altLang="de-DE" sz="1200" dirty="0">
+                <a:latin typeface="Consolas" panose="020B0609020204030204" pitchFamily="49" charset="0"/>
+              </a:rPr>
+              <a:t>c3a059e (HEAD -&gt; main, tag: release-v0.0.1) Add </a:t>
+            </a:r>
+            <a:r>
+              <a:rPr lang="en-US" altLang="de-DE" sz="1200" dirty="0" err="1">
+                <a:latin typeface="Consolas" panose="020B0609020204030204" pitchFamily="49" charset="0"/>
+              </a:rPr>
+              <a:t>final_file</a:t>
+            </a:r>
+            <a:endParaRPr lang="en-US" altLang="de-DE" sz="1200" dirty="0">
+              <a:latin typeface="Consolas" panose="020B0609020204030204" pitchFamily="49" charset="0"/>
+            </a:endParaRPr>
+          </a:p>
+          <a:p>
+            <a:pPr marL="457200" lvl="1" indent="0">
+              <a:spcBef>
+                <a:spcPts val="0"/>
+              </a:spcBef>
+              <a:buNone/>
+            </a:pPr>
+            <a:r>
+              <a:rPr lang="en-US" altLang="de-DE" sz="1200" dirty="0">
+                <a:latin typeface="Consolas" panose="020B0609020204030204" pitchFamily="49" charset="0"/>
+              </a:rPr>
+              <a:t>a908be7 Add file3</a:t>
+            </a:r>
+          </a:p>
+          <a:p>
+            <a:pPr marL="457200" lvl="1" indent="0">
+              <a:spcBef>
+                <a:spcPts val="0"/>
+              </a:spcBef>
+              <a:buNone/>
+            </a:pPr>
+            <a:r>
+              <a:rPr lang="en-US" altLang="de-DE" sz="1200" dirty="0">
+                <a:latin typeface="Consolas" panose="020B0609020204030204" pitchFamily="49" charset="0"/>
+              </a:rPr>
+              <a:t>722eaf0 Add file from main</a:t>
+            </a:r>
+          </a:p>
+          <a:p>
+            <a:pPr marL="457200" lvl="1" indent="0">
+              <a:spcBef>
+                <a:spcPts val="0"/>
+              </a:spcBef>
+              <a:buNone/>
+            </a:pPr>
+            <a:r>
+              <a:rPr lang="en-US" altLang="de-DE" sz="1200" dirty="0">
+                <a:latin typeface="Consolas" panose="020B0609020204030204" pitchFamily="49" charset="0"/>
+              </a:rPr>
+              <a:t>c61ef14 Initial commit</a:t>
+            </a:r>
+            <a:endParaRPr lang="de-DE" altLang="de-DE" sz="1200" dirty="0">
+              <a:latin typeface="Consolas" panose="020B0609020204030204" pitchFamily="49" charset="0"/>
+            </a:endParaRPr>
+          </a:p>
+          <a:p>
+            <a:r>
+              <a:rPr lang="de-DE" altLang="de-DE" dirty="0"/>
+              <a:t>Fügt </a:t>
+            </a:r>
+            <a:r>
+              <a:rPr lang="de-DE" altLang="de-DE" i="1" dirty="0"/>
+              <a:t>leichtgewichtigen</a:t>
+            </a:r>
+            <a:r>
+              <a:rPr lang="de-DE" altLang="de-DE" dirty="0"/>
+              <a:t> Tag hinzu</a:t>
+            </a:r>
+          </a:p>
+          <a:p>
+            <a:r>
+              <a:rPr lang="de-DE" altLang="de-DE" dirty="0"/>
+              <a:t>Tag wird an allen Files im Repository gesetzt</a:t>
+            </a:r>
+          </a:p>
+        </p:txBody>
+      </p:sp>
+      <p:sp>
+        <p:nvSpPr>
+          <p:cNvPr id="6147" name="Rectangle 1062">
+            <a:extLst>
+              <a:ext uri="{FF2B5EF4-FFF2-40B4-BE49-F238E27FC236}">
+                <a16:creationId xmlns:a16="http://schemas.microsoft.com/office/drawing/2014/main" id="{C46E9340-3256-8D55-A265-94F2F41E288E}"/>
+              </a:ext>
+            </a:extLst>
+          </p:cNvPr>
+          <p:cNvSpPr>
+            <a:spLocks noGrp="1" noChangeArrowheads="1"/>
+          </p:cNvSpPr>
+          <p:nvPr>
+            <p:ph type="title"/>
+          </p:nvPr>
+        </p:nvSpPr>
+        <p:spPr>
+          <a:xfrm>
+            <a:off x="285750" y="142875"/>
+            <a:ext cx="5654675" cy="706438"/>
+          </a:xfrm>
+        </p:spPr>
+        <p:txBody>
+          <a:bodyPr/>
+          <a:lstStyle/>
+          <a:p>
+            <a:r>
+              <a:rPr lang="de-DE" altLang="de-DE" dirty="0" err="1"/>
+              <a:t>Git</a:t>
+            </a:r>
+            <a:r>
+              <a:rPr lang="de-DE" altLang="de-DE" dirty="0"/>
+              <a:t> – Tags </a:t>
+            </a:r>
+          </a:p>
+        </p:txBody>
+      </p:sp>
+    </p:spTree>
+    <p:extLst>
+      <p:ext uri="{BB962C8B-B14F-4D97-AF65-F5344CB8AC3E}">
+        <p14:creationId xmlns:p14="http://schemas.microsoft.com/office/powerpoint/2010/main" val="95346933"/>
+      </p:ext>
+    </p:extLst>
   </p:cSld>
   <p:clrMapOvr>
     <a:masterClrMapping/>
@@ -9088,42 +8167,376 @@
           <a:lstStyle/>
           <a:p>
             <a:r>
+              <a:rPr lang="de-DE" altLang="de-DE" dirty="0" err="1">
+                <a:latin typeface="Consolas" panose="020B0609020204030204" pitchFamily="49" charset="0"/>
+              </a:rPr>
+              <a:t>git</a:t>
+            </a:r>
+            <a:r>
+              <a:rPr lang="de-DE" altLang="de-DE" dirty="0">
+                <a:latin typeface="Consolas" panose="020B0609020204030204" pitchFamily="49" charset="0"/>
+              </a:rPr>
+              <a:t> tag </a:t>
+            </a:r>
+            <a:r>
               <a:rPr lang="de-DE" altLang="de-DE" dirty="0"/>
-              <a:t>Tagging ist ein wichtiges Konzept der Versionsverwaltung</a:t>
-            </a:r>
-          </a:p>
-          <a:p>
+              <a:t>zeigt alle Tags im aktuellen Projekt</a:t>
+            </a:r>
+          </a:p>
+          <a:p>
+            <a:pPr marL="457200" lvl="1" indent="0">
+              <a:spcBef>
+                <a:spcPts val="0"/>
+              </a:spcBef>
+              <a:buNone/>
+            </a:pPr>
+            <a:endParaRPr lang="en-US" altLang="de-DE" sz="1200" dirty="0">
+              <a:latin typeface="Consolas" panose="020B0609020204030204" pitchFamily="49" charset="0"/>
+            </a:endParaRPr>
+          </a:p>
+          <a:p>
+            <a:pPr marL="457200" lvl="1" indent="0">
+              <a:spcBef>
+                <a:spcPts val="0"/>
+              </a:spcBef>
+              <a:buNone/>
+            </a:pPr>
+            <a:r>
+              <a:rPr lang="en-US" altLang="de-DE" sz="1200" dirty="0">
+                <a:latin typeface="Consolas" panose="020B0609020204030204" pitchFamily="49" charset="0"/>
+              </a:rPr>
+              <a:t>$ git tag</a:t>
+            </a:r>
+          </a:p>
+          <a:p>
+            <a:pPr marL="457200" lvl="1" indent="0">
+              <a:spcBef>
+                <a:spcPts val="0"/>
+              </a:spcBef>
+              <a:buNone/>
+            </a:pPr>
+            <a:r>
+              <a:rPr lang="en-US" altLang="de-DE" sz="1200" dirty="0">
+                <a:latin typeface="Consolas" panose="020B0609020204030204" pitchFamily="49" charset="0"/>
+              </a:rPr>
+              <a:t>release-v0.0.1</a:t>
+            </a:r>
+          </a:p>
+          <a:p>
+            <a:pPr marL="457200" lvl="1" indent="0">
+              <a:spcBef>
+                <a:spcPts val="0"/>
+              </a:spcBef>
+              <a:buNone/>
+            </a:pPr>
+            <a:r>
+              <a:rPr lang="en-US" altLang="de-DE" sz="1200" dirty="0">
+                <a:latin typeface="Consolas" panose="020B0609020204030204" pitchFamily="49" charset="0"/>
+              </a:rPr>
+              <a:t>release-v0.0.2</a:t>
+            </a:r>
+          </a:p>
+          <a:p>
+            <a:pPr marL="457200" lvl="1" indent="0">
+              <a:spcBef>
+                <a:spcPts val="0"/>
+              </a:spcBef>
+              <a:buNone/>
+            </a:pPr>
+            <a:r>
+              <a:rPr lang="en-US" altLang="de-DE" sz="1200" dirty="0">
+                <a:latin typeface="Consolas" panose="020B0609020204030204" pitchFamily="49" charset="0"/>
+              </a:rPr>
+              <a:t>release-v1.0.0</a:t>
+            </a:r>
+            <a:endParaRPr lang="de-DE" altLang="de-DE" dirty="0">
+              <a:latin typeface="Consolas" panose="020B0609020204030204" pitchFamily="49" charset="0"/>
+            </a:endParaRPr>
+          </a:p>
+          <a:p>
+            <a:r>
+              <a:rPr lang="de-DE" altLang="de-DE" dirty="0" err="1">
+                <a:latin typeface="Consolas" panose="020B0609020204030204" pitchFamily="49" charset="0"/>
+              </a:rPr>
+              <a:t>git</a:t>
+            </a:r>
+            <a:r>
+              <a:rPr lang="de-DE" altLang="de-DE" dirty="0">
+                <a:latin typeface="Consolas" panose="020B0609020204030204" pitchFamily="49" charset="0"/>
+              </a:rPr>
+              <a:t> </a:t>
+            </a:r>
+            <a:r>
+              <a:rPr lang="de-DE" altLang="de-DE" dirty="0" err="1">
+                <a:latin typeface="Consolas" panose="020B0609020204030204" pitchFamily="49" charset="0"/>
+              </a:rPr>
+              <a:t>show</a:t>
+            </a:r>
+            <a:r>
+              <a:rPr lang="de-DE" altLang="de-DE" dirty="0">
+                <a:latin typeface="Consolas" panose="020B0609020204030204" pitchFamily="49" charset="0"/>
+              </a:rPr>
+              <a:t> &lt;tag-name&gt; </a:t>
+            </a:r>
             <a:r>
               <a:rPr lang="de-DE" altLang="de-DE" dirty="0"/>
-              <a:t>Markierung (“</a:t>
-            </a:r>
-            <a:r>
-              <a:rPr lang="de-DE" altLang="de-DE" dirty="0" err="1"/>
-              <a:t>Labeling</a:t>
-            </a:r>
-            <a:r>
-              <a:rPr lang="de-DE" altLang="de-DE" dirty="0"/>
-              <a:t>“) spezifischer Entwicklungsstände</a:t>
-            </a:r>
-          </a:p>
-          <a:p>
-            <a:r>
-              <a:rPr lang="de-DE" altLang="de-DE" dirty="0"/>
-              <a:t>Entwicklungsstand wird bei </a:t>
-            </a:r>
-            <a:r>
-              <a:rPr lang="de-DE" altLang="de-DE" dirty="0" err="1"/>
-              <a:t>Git</a:t>
-            </a:r>
-            <a:r>
-              <a:rPr lang="de-DE" altLang="de-DE" dirty="0"/>
-              <a:t> als „Snapshot“ bezeichnet</a:t>
-            </a:r>
-          </a:p>
-          <a:p>
-            <a:r>
-              <a:rPr lang="de-DE" altLang="de-DE" dirty="0"/>
-              <a:t>Use Case: Markierung von Releases</a:t>
+              <a:t>zeigt den Commit zum angegebenen Tag</a:t>
+            </a:r>
+          </a:p>
+          <a:p>
+            <a:pPr marL="457200" lvl="1" indent="0">
+              <a:spcBef>
+                <a:spcPts val="0"/>
+              </a:spcBef>
+              <a:buNone/>
+            </a:pPr>
+            <a:endParaRPr lang="de-DE" altLang="de-DE" sz="1200" dirty="0">
+              <a:latin typeface="Consolas" panose="020B0609020204030204" pitchFamily="49" charset="0"/>
+            </a:endParaRPr>
+          </a:p>
+          <a:p>
+            <a:pPr marL="457200" lvl="1" indent="0">
+              <a:spcBef>
+                <a:spcPts val="0"/>
+              </a:spcBef>
+              <a:buNone/>
+            </a:pPr>
+            <a:r>
+              <a:rPr lang="de-DE" altLang="de-DE" sz="1200" dirty="0">
+                <a:latin typeface="Consolas" panose="020B0609020204030204" pitchFamily="49" charset="0"/>
+              </a:rPr>
+              <a:t>$ </a:t>
+            </a:r>
+            <a:r>
+              <a:rPr lang="de-DE" altLang="de-DE" sz="1200" dirty="0" err="1">
+                <a:latin typeface="Consolas" panose="020B0609020204030204" pitchFamily="49" charset="0"/>
+              </a:rPr>
+              <a:t>git</a:t>
+            </a:r>
+            <a:r>
+              <a:rPr lang="de-DE" altLang="de-DE" sz="1200" dirty="0">
+                <a:latin typeface="Consolas" panose="020B0609020204030204" pitchFamily="49" charset="0"/>
+              </a:rPr>
+              <a:t> </a:t>
+            </a:r>
+            <a:r>
+              <a:rPr lang="de-DE" altLang="de-DE" sz="1200" dirty="0" err="1">
+                <a:latin typeface="Consolas" panose="020B0609020204030204" pitchFamily="49" charset="0"/>
+              </a:rPr>
+              <a:t>show</a:t>
+            </a:r>
+            <a:r>
+              <a:rPr lang="de-DE" altLang="de-DE" sz="1200" dirty="0">
+                <a:latin typeface="Consolas" panose="020B0609020204030204" pitchFamily="49" charset="0"/>
+              </a:rPr>
+              <a:t> release-v0.0.1</a:t>
+            </a:r>
+          </a:p>
+          <a:p>
+            <a:pPr marL="457200" lvl="1" indent="0">
+              <a:spcBef>
+                <a:spcPts val="0"/>
+              </a:spcBef>
+              <a:buNone/>
+            </a:pPr>
+            <a:r>
+              <a:rPr lang="de-DE" altLang="de-DE" sz="1200" dirty="0" err="1">
+                <a:latin typeface="Consolas" panose="020B0609020204030204" pitchFamily="49" charset="0"/>
+              </a:rPr>
+              <a:t>commit</a:t>
+            </a:r>
+            <a:r>
+              <a:rPr lang="de-DE" altLang="de-DE" sz="1200" dirty="0">
+                <a:latin typeface="Consolas" panose="020B0609020204030204" pitchFamily="49" charset="0"/>
+              </a:rPr>
+              <a:t> c3a059e2d6e4acfdca1295104b4d6a55f8bd00e4 (tag: release-v0.0.1)</a:t>
+            </a:r>
+          </a:p>
+          <a:p>
+            <a:pPr marL="457200" lvl="1" indent="0">
+              <a:spcBef>
+                <a:spcPts val="0"/>
+              </a:spcBef>
+              <a:buNone/>
+            </a:pPr>
+            <a:r>
+              <a:rPr lang="de-DE" altLang="de-DE" sz="1200" dirty="0" err="1">
+                <a:latin typeface="Consolas" panose="020B0609020204030204" pitchFamily="49" charset="0"/>
+              </a:rPr>
+              <a:t>Author</a:t>
+            </a:r>
+            <a:r>
+              <a:rPr lang="de-DE" altLang="de-DE" sz="1200" dirty="0">
+                <a:latin typeface="Consolas" panose="020B0609020204030204" pitchFamily="49" charset="0"/>
+              </a:rPr>
+              <a:t>: </a:t>
+            </a:r>
+            <a:r>
+              <a:rPr lang="de-DE" altLang="de-DE" sz="1200" dirty="0" err="1">
+                <a:latin typeface="Consolas" panose="020B0609020204030204" pitchFamily="49" charset="0"/>
+              </a:rPr>
+              <a:t>Example</a:t>
+            </a:r>
+            <a:r>
+              <a:rPr lang="de-DE" altLang="de-DE" sz="1200" dirty="0">
+                <a:latin typeface="Consolas" panose="020B0609020204030204" pitchFamily="49" charset="0"/>
+              </a:rPr>
+              <a:t> User &lt;example.user@example.de&gt;</a:t>
+            </a:r>
+          </a:p>
+          <a:p>
+            <a:pPr marL="457200" lvl="1" indent="0">
+              <a:spcBef>
+                <a:spcPts val="0"/>
+              </a:spcBef>
+              <a:buNone/>
+            </a:pPr>
+            <a:r>
+              <a:rPr lang="de-DE" altLang="de-DE" sz="1200" dirty="0">
+                <a:latin typeface="Consolas" panose="020B0609020204030204" pitchFamily="49" charset="0"/>
+              </a:rPr>
+              <a:t>Date:   Tue May 28 14:47:28 2024 +0200</a:t>
+            </a:r>
+          </a:p>
+          <a:p>
+            <a:pPr marL="457200" lvl="1" indent="0">
+              <a:spcBef>
+                <a:spcPts val="0"/>
+              </a:spcBef>
+              <a:buNone/>
+            </a:pPr>
+            <a:endParaRPr lang="de-DE" altLang="de-DE" sz="1200" dirty="0">
+              <a:latin typeface="Consolas" panose="020B0609020204030204" pitchFamily="49" charset="0"/>
+            </a:endParaRPr>
+          </a:p>
+          <a:p>
+            <a:pPr marL="457200" lvl="1" indent="0">
+              <a:spcBef>
+                <a:spcPts val="0"/>
+              </a:spcBef>
+              <a:buNone/>
+            </a:pPr>
+            <a:r>
+              <a:rPr lang="de-DE" altLang="de-DE" sz="1200" dirty="0">
+                <a:latin typeface="Consolas" panose="020B0609020204030204" pitchFamily="49" charset="0"/>
+              </a:rPr>
+              <a:t>    Add </a:t>
+            </a:r>
+            <a:r>
+              <a:rPr lang="de-DE" altLang="de-DE" sz="1200" dirty="0" err="1">
+                <a:latin typeface="Consolas" panose="020B0609020204030204" pitchFamily="49" charset="0"/>
+              </a:rPr>
+              <a:t>final_file</a:t>
+            </a:r>
+            <a:endParaRPr lang="de-DE" altLang="de-DE" sz="1200" dirty="0">
+              <a:latin typeface="Consolas" panose="020B0609020204030204" pitchFamily="49" charset="0"/>
+            </a:endParaRPr>
+          </a:p>
+          <a:p>
+            <a:pPr marL="457200" lvl="1" indent="0">
+              <a:spcBef>
+                <a:spcPts val="0"/>
+              </a:spcBef>
+              <a:buNone/>
+            </a:pPr>
+            <a:endParaRPr lang="de-DE" altLang="de-DE" sz="1200" dirty="0">
+              <a:latin typeface="Consolas" panose="020B0609020204030204" pitchFamily="49" charset="0"/>
+            </a:endParaRPr>
+          </a:p>
+          <a:p>
+            <a:pPr marL="457200" lvl="1" indent="0">
+              <a:spcBef>
+                <a:spcPts val="0"/>
+              </a:spcBef>
+              <a:buNone/>
+            </a:pPr>
+            <a:r>
+              <a:rPr lang="de-DE" altLang="de-DE" sz="1200" dirty="0" err="1">
+                <a:latin typeface="Consolas" panose="020B0609020204030204" pitchFamily="49" charset="0"/>
+              </a:rPr>
+              <a:t>diff</a:t>
+            </a:r>
+            <a:r>
+              <a:rPr lang="de-DE" altLang="de-DE" sz="1200" dirty="0">
+                <a:latin typeface="Consolas" panose="020B0609020204030204" pitchFamily="49" charset="0"/>
+              </a:rPr>
+              <a:t> --</a:t>
+            </a:r>
+            <a:r>
+              <a:rPr lang="de-DE" altLang="de-DE" sz="1200" dirty="0" err="1">
+                <a:latin typeface="Consolas" panose="020B0609020204030204" pitchFamily="49" charset="0"/>
+              </a:rPr>
+              <a:t>git</a:t>
+            </a:r>
+            <a:r>
+              <a:rPr lang="de-DE" altLang="de-DE" sz="1200" dirty="0">
+                <a:latin typeface="Consolas" panose="020B0609020204030204" pitchFamily="49" charset="0"/>
+              </a:rPr>
+              <a:t> a/final_file.txt b/final_file.txt</a:t>
+            </a:r>
+          </a:p>
+          <a:p>
+            <a:pPr marL="457200" lvl="1" indent="0">
+              <a:spcBef>
+                <a:spcPts val="0"/>
+              </a:spcBef>
+              <a:buNone/>
+            </a:pPr>
+            <a:r>
+              <a:rPr lang="de-DE" altLang="de-DE" sz="1200" dirty="0" err="1">
+                <a:latin typeface="Consolas" panose="020B0609020204030204" pitchFamily="49" charset="0"/>
+              </a:rPr>
+              <a:t>new</a:t>
+            </a:r>
+            <a:r>
+              <a:rPr lang="de-DE" altLang="de-DE" sz="1200" dirty="0">
+                <a:latin typeface="Consolas" panose="020B0609020204030204" pitchFamily="49" charset="0"/>
+              </a:rPr>
+              <a:t> </a:t>
+            </a:r>
+            <a:r>
+              <a:rPr lang="de-DE" altLang="de-DE" sz="1200" dirty="0" err="1">
+                <a:latin typeface="Consolas" panose="020B0609020204030204" pitchFamily="49" charset="0"/>
+              </a:rPr>
+              <a:t>file</a:t>
+            </a:r>
+            <a:r>
+              <a:rPr lang="de-DE" altLang="de-DE" sz="1200" dirty="0">
+                <a:latin typeface="Consolas" panose="020B0609020204030204" pitchFamily="49" charset="0"/>
+              </a:rPr>
+              <a:t> </a:t>
+            </a:r>
+            <a:r>
+              <a:rPr lang="de-DE" altLang="de-DE" sz="1200" dirty="0" err="1">
+                <a:latin typeface="Consolas" panose="020B0609020204030204" pitchFamily="49" charset="0"/>
+              </a:rPr>
+              <a:t>mode</a:t>
+            </a:r>
+            <a:r>
+              <a:rPr lang="de-DE" altLang="de-DE" sz="1200" dirty="0">
+                <a:latin typeface="Consolas" panose="020B0609020204030204" pitchFamily="49" charset="0"/>
+              </a:rPr>
+              <a:t> 100644</a:t>
+            </a:r>
+          </a:p>
+          <a:p>
+            <a:pPr marL="457200" lvl="1" indent="0">
+              <a:spcBef>
+                <a:spcPts val="0"/>
+              </a:spcBef>
+              <a:buNone/>
+            </a:pPr>
+            <a:r>
+              <a:rPr lang="de-DE" altLang="de-DE" sz="1200" dirty="0" err="1">
+                <a:latin typeface="Consolas" panose="020B0609020204030204" pitchFamily="49" charset="0"/>
+              </a:rPr>
+              <a:t>index</a:t>
+            </a:r>
+            <a:r>
+              <a:rPr lang="de-DE" altLang="de-DE" sz="1200" dirty="0">
+                <a:latin typeface="Consolas" panose="020B0609020204030204" pitchFamily="49" charset="0"/>
+              </a:rPr>
+              <a:t> 0000000..e69de29</a:t>
             </a:r>
           </a:p>
         </p:txBody>
@@ -9168,7 +8581,7 @@
     </p:spTree>
     <p:extLst>
       <p:ext uri="{BB962C8B-B14F-4D97-AF65-F5344CB8AC3E}">
-        <p14:creationId xmlns:p14="http://schemas.microsoft.com/office/powerpoint/2010/main" val="3020803649"/>
+        <p14:creationId xmlns:p14="http://schemas.microsoft.com/office/powerpoint/2010/main" val="1109548834"/>
       </p:ext>
     </p:extLst>
   </p:cSld>
@@ -9222,36 +8635,8 @@
           <a:lstStyle/>
           <a:p>
             <a:r>
-              <a:rPr lang="de-DE" altLang="de-DE" dirty="0" err="1">
-                <a:latin typeface="Consolas" panose="020B0609020204030204" pitchFamily="49" charset="0"/>
-              </a:rPr>
-              <a:t>git</a:t>
-            </a:r>
-            <a:r>
-              <a:rPr lang="de-DE" altLang="de-DE" dirty="0">
-                <a:latin typeface="Consolas" panose="020B0609020204030204" pitchFamily="49" charset="0"/>
-              </a:rPr>
-              <a:t> tag &lt;tag-name&gt; </a:t>
-            </a:r>
-            <a:r>
               <a:rPr lang="de-DE" altLang="de-DE" dirty="0"/>
-              <a:t>um zum letzten </a:t>
-            </a:r>
-            <a:r>
-              <a:rPr lang="de-DE" altLang="de-DE" dirty="0" err="1"/>
-              <a:t>Commits</a:t>
-            </a:r>
-            <a:r>
-              <a:rPr lang="de-DE" altLang="de-DE" dirty="0"/>
-              <a:t> des aktiven </a:t>
-            </a:r>
-            <a:r>
-              <a:rPr lang="de-DE" altLang="de-DE" dirty="0" err="1"/>
-              <a:t>Branches</a:t>
-            </a:r>
-            <a:r>
-              <a:rPr lang="de-DE" altLang="de-DE" dirty="0"/>
-              <a:t> ein Tag hinzuzufügen</a:t>
+              <a:t>Rückwirkendes Tagging mit Angabe der Commit-ID möglich</a:t>
             </a:r>
           </a:p>
           <a:p>
@@ -9299,17 +8684,8 @@
               <a:rPr lang="en-US" altLang="de-DE" sz="1200" dirty="0">
                 <a:latin typeface="Consolas" panose="020B0609020204030204" pitchFamily="49" charset="0"/>
               </a:rPr>
-              <a:t>c3a059e (HEAD -&gt; main) Add </a:t>
-            </a:r>
-            <a:r>
-              <a:rPr lang="en-US" altLang="de-DE" sz="1200" dirty="0" err="1">
-                <a:latin typeface="Consolas" panose="020B0609020204030204" pitchFamily="49" charset="0"/>
-              </a:rPr>
-              <a:t>final_file</a:t>
-            </a:r>
-            <a:endParaRPr lang="en-US" altLang="de-DE" sz="1200" dirty="0">
-              <a:latin typeface="Consolas" panose="020B0609020204030204" pitchFamily="49" charset="0"/>
-            </a:endParaRPr>
+              <a:t>89c1108 (HEAD -&gt; main, tag: release-v0.0.2) Add release2_file</a:t>
+            </a:r>
           </a:p>
           <a:p>
             <a:pPr marL="457200" lvl="1" indent="0">
@@ -9322,8 +8698,17 @@
               <a:rPr lang="en-US" altLang="de-DE" sz="1200" dirty="0">
                 <a:latin typeface="Consolas" panose="020B0609020204030204" pitchFamily="49" charset="0"/>
               </a:rPr>
-              <a:t>a908be7 Add file3</a:t>
-            </a:r>
+              <a:t>c3a059e (tag: release-v0.0.1) Add </a:t>
+            </a:r>
+            <a:r>
+              <a:rPr lang="en-US" altLang="de-DE" sz="1200" dirty="0" err="1">
+                <a:latin typeface="Consolas" panose="020B0609020204030204" pitchFamily="49" charset="0"/>
+              </a:rPr>
+              <a:t>final_file</a:t>
+            </a:r>
+            <a:endParaRPr lang="en-US" altLang="de-DE" sz="1200" dirty="0">
+              <a:latin typeface="Consolas" panose="020B0609020204030204" pitchFamily="49" charset="0"/>
+            </a:endParaRPr>
           </a:p>
           <a:p>
             <a:pPr marL="457200" lvl="1" indent="0">
@@ -9336,7 +8721,7 @@
               <a:rPr lang="en-US" altLang="de-DE" sz="1200" dirty="0">
                 <a:latin typeface="Consolas" panose="020B0609020204030204" pitchFamily="49" charset="0"/>
               </a:rPr>
-              <a:t>722eaf0 Add file from main</a:t>
+              <a:t>a908be7 Add file3</a:t>
             </a:r>
           </a:p>
           <a:p>
@@ -9350,7 +8735,7 @@
               <a:rPr lang="en-US" altLang="de-DE" sz="1200" dirty="0">
                 <a:latin typeface="Consolas" panose="020B0609020204030204" pitchFamily="49" charset="0"/>
               </a:rPr>
-              <a:t>c61ef14 Initial commit</a:t>
+              <a:t>722eaf0 Add file from main</a:t>
             </a:r>
           </a:p>
           <a:p>
@@ -9360,9 +8745,12 @@
               </a:spcBef>
               <a:buNone/>
             </a:pPr>
-            <a:endParaRPr lang="en-US" altLang="de-DE" sz="1200" dirty="0">
-              <a:latin typeface="Consolas" panose="020B0609020204030204" pitchFamily="49" charset="0"/>
-            </a:endParaRPr>
+            <a:r>
+              <a:rPr lang="en-US" altLang="de-DE" sz="1200" dirty="0">
+                <a:latin typeface="Consolas" panose="020B0609020204030204" pitchFamily="49" charset="0"/>
+              </a:rPr>
+              <a:t>c61ef14 Initial commit</a:t>
+            </a:r>
           </a:p>
           <a:p>
             <a:pPr marL="457200" lvl="1" indent="0">
@@ -9371,12 +8759,9 @@
               </a:spcBef>
               <a:buNone/>
             </a:pPr>
-            <a:r>
-              <a:rPr lang="en-US" altLang="de-DE" sz="1200" dirty="0">
-                <a:latin typeface="Consolas" panose="020B0609020204030204" pitchFamily="49" charset="0"/>
-              </a:rPr>
-              <a:t>$ git tag "release-v0.0.1"</a:t>
-            </a:r>
+            <a:endParaRPr lang="en-US" altLang="de-DE" sz="1200" dirty="0">
+              <a:latin typeface="Consolas" panose="020B0609020204030204" pitchFamily="49" charset="0"/>
+            </a:endParaRPr>
           </a:p>
           <a:p>
             <a:pPr marL="457200" lvl="1" indent="0">
@@ -9385,9 +8770,12 @@
               </a:spcBef>
               <a:buNone/>
             </a:pPr>
-            <a:endParaRPr lang="en-US" altLang="de-DE" sz="1200" dirty="0">
-              <a:latin typeface="Consolas" panose="020B0609020204030204" pitchFamily="49" charset="0"/>
-            </a:endParaRPr>
+            <a:r>
+              <a:rPr lang="en-US" altLang="de-DE" sz="1200" dirty="0">
+                <a:latin typeface="Consolas" panose="020B0609020204030204" pitchFamily="49" charset="0"/>
+              </a:rPr>
+              <a:t>$ git tag release-v0.0.0 a908be7</a:t>
+            </a:r>
           </a:p>
           <a:p>
             <a:pPr marL="457200" lvl="1" indent="0">
@@ -9396,18 +8784,6 @@
               </a:spcBef>
               <a:buNone/>
             </a:pPr>
-            <a:r>
-              <a:rPr lang="en-US" altLang="de-DE" sz="1200" dirty="0">
-                <a:latin typeface="Consolas" panose="020B0609020204030204" pitchFamily="49" charset="0"/>
-              </a:rPr>
-              <a:t>$ git log --</a:t>
-            </a:r>
-            <a:r>
-              <a:rPr lang="en-US" altLang="de-DE" sz="1200" dirty="0" err="1">
-                <a:latin typeface="Consolas" panose="020B0609020204030204" pitchFamily="49" charset="0"/>
-              </a:rPr>
-              <a:t>oneline</a:t>
-            </a:r>
             <a:endParaRPr lang="en-US" altLang="de-DE" sz="1200" dirty="0">
               <a:latin typeface="Consolas" panose="020B0609020204030204" pitchFamily="49" charset="0"/>
             </a:endParaRPr>
@@ -9423,13 +8799,13 @@
               <a:rPr lang="en-US" altLang="de-DE" sz="1200" dirty="0">
                 <a:latin typeface="Consolas" panose="020B0609020204030204" pitchFamily="49" charset="0"/>
               </a:rPr>
-              <a:t>c3a059e (HEAD -&gt; main, tag: release-v0.0.1) Add </a:t>
+              <a:t>$ git log --</a:t>
             </a:r>
             <a:r>
               <a:rPr lang="en-US" altLang="de-DE" sz="1200" dirty="0" err="1">
                 <a:latin typeface="Consolas" panose="020B0609020204030204" pitchFamily="49" charset="0"/>
               </a:rPr>
-              <a:t>final_file</a:t>
+              <a:t>oneline</a:t>
             </a:r>
             <a:endParaRPr lang="en-US" altLang="de-DE" sz="1200" dirty="0">
               <a:latin typeface="Consolas" panose="020B0609020204030204" pitchFamily="49" charset="0"/>
@@ -9446,7 +8822,7 @@
               <a:rPr lang="en-US" altLang="de-DE" sz="1200" dirty="0">
                 <a:latin typeface="Consolas" panose="020B0609020204030204" pitchFamily="49" charset="0"/>
               </a:rPr>
-              <a:t>a908be7 Add file3</a:t>
+              <a:t>89c1108 (HEAD -&gt; main, tag: release-v0.0.2) Add release2_file</a:t>
             </a:r>
           </a:p>
           <a:p>
@@ -9460,8 +8836,17 @@
               <a:rPr lang="en-US" altLang="de-DE" sz="1200" dirty="0">
                 <a:latin typeface="Consolas" panose="020B0609020204030204" pitchFamily="49" charset="0"/>
               </a:rPr>
-              <a:t>722eaf0 Add file from main</a:t>
-            </a:r>
+              <a:t>c3a059e (tag: release-v0.0.1) Add </a:t>
+            </a:r>
+            <a:r>
+              <a:rPr lang="en-US" altLang="de-DE" sz="1200" dirty="0" err="1">
+                <a:latin typeface="Consolas" panose="020B0609020204030204" pitchFamily="49" charset="0"/>
+              </a:rPr>
+              <a:t>final_file</a:t>
+            </a:r>
+            <a:endParaRPr lang="en-US" altLang="de-DE" sz="1200" dirty="0">
+              <a:latin typeface="Consolas" panose="020B0609020204030204" pitchFamily="49" charset="0"/>
+            </a:endParaRPr>
           </a:p>
           <a:p>
             <a:pPr marL="457200" lvl="1" indent="0">
@@ -9474,6 +8859,34 @@
               <a:rPr lang="en-US" altLang="de-DE" sz="1200" dirty="0">
                 <a:latin typeface="Consolas" panose="020B0609020204030204" pitchFamily="49" charset="0"/>
               </a:rPr>
+              <a:t>a908be7 (tag: release-v0.0.0) Add file3</a:t>
+            </a:r>
+          </a:p>
+          <a:p>
+            <a:pPr marL="457200" lvl="1" indent="0">
+              <a:spcBef>
+                <a:spcPts val="0"/>
+              </a:spcBef>
+              <a:buNone/>
+            </a:pPr>
+            <a:r>
+              <a:rPr lang="en-US" altLang="de-DE" sz="1200" dirty="0">
+                <a:latin typeface="Consolas" panose="020B0609020204030204" pitchFamily="49" charset="0"/>
+              </a:rPr>
+              <a:t>722eaf0 Add file from main</a:t>
+            </a:r>
+          </a:p>
+          <a:p>
+            <a:pPr marL="457200" lvl="1" indent="0">
+              <a:spcBef>
+                <a:spcPts val="0"/>
+              </a:spcBef>
+              <a:buNone/>
+            </a:pPr>
+            <a:r>
+              <a:rPr lang="en-US" altLang="de-DE" sz="1200" dirty="0">
+                <a:latin typeface="Consolas" panose="020B0609020204030204" pitchFamily="49" charset="0"/>
+              </a:rPr>
               <a:t>c61ef14 Initial commit</a:t>
             </a:r>
             <a:endParaRPr lang="de-DE" altLang="de-DE" sz="1200" dirty="0">
@@ -9481,24 +8894,18 @@
             </a:endParaRPr>
           </a:p>
           <a:p>
-            <a:r>
-              <a:rPr lang="de-DE" altLang="de-DE" dirty="0"/>
-              <a:t>Fügt </a:t>
-            </a:r>
-            <a:r>
-              <a:rPr lang="de-DE" altLang="de-DE" i="1" dirty="0"/>
-              <a:t>leichtgewichtigen</a:t>
-            </a:r>
-            <a:r>
-              <a:rPr lang="de-DE" altLang="de-DE" dirty="0"/>
-              <a:t> Tag hinzu</a:t>
-            </a:r>
-          </a:p>
-          <a:p>
-            <a:r>
-              <a:rPr lang="de-DE" altLang="de-DE" dirty="0"/>
-              <a:t>Tag wird an allen Files im Repository gesetzt</a:t>
-            </a:r>
+            <a:pPr marL="457200" lvl="1" indent="0">
+              <a:spcBef>
+                <a:spcPts val="0"/>
+              </a:spcBef>
+              <a:buNone/>
+            </a:pPr>
+            <a:endParaRPr lang="de-DE" altLang="de-DE" sz="1200" dirty="0">
+              <a:latin typeface="Consolas" panose="020B0609020204030204" pitchFamily="49" charset="0"/>
+            </a:endParaRPr>
+          </a:p>
+          <a:p>
+            <a:endParaRPr lang="de-DE" altLang="de-DE" dirty="0"/>
           </a:p>
         </p:txBody>
       </p:sp>
@@ -9542,7 +8949,7 @@
     </p:spTree>
     <p:extLst>
       <p:ext uri="{BB962C8B-B14F-4D97-AF65-F5344CB8AC3E}">
-        <p14:creationId xmlns:p14="http://schemas.microsoft.com/office/powerpoint/2010/main" val="95346933"/>
+        <p14:creationId xmlns:p14="http://schemas.microsoft.com/office/powerpoint/2010/main" val="1475861676"/>
       </p:ext>
     </p:extLst>
   </p:cSld>
@@ -9605,11 +9012,23 @@
               <a:rPr lang="de-DE" altLang="de-DE" dirty="0">
                 <a:latin typeface="Consolas" panose="020B0609020204030204" pitchFamily="49" charset="0"/>
               </a:rPr>
-              <a:t> tag </a:t>
+              <a:t> </a:t>
+            </a:r>
+            <a:r>
+              <a:rPr lang="de-DE" altLang="de-DE" dirty="0" err="1">
+                <a:latin typeface="Consolas" panose="020B0609020204030204" pitchFamily="49" charset="0"/>
+              </a:rPr>
+              <a:t>checkout</a:t>
+            </a:r>
+            <a:r>
+              <a:rPr lang="de-DE" altLang="de-DE" dirty="0">
+                <a:latin typeface="Consolas" panose="020B0609020204030204" pitchFamily="49" charset="0"/>
+              </a:rPr>
+              <a:t> &lt;tag-name&gt; </a:t>
             </a:r>
             <a:r>
               <a:rPr lang="de-DE" altLang="de-DE" dirty="0"/>
-              <a:t>zeigt alle Tags im aktuellen Projekt</a:t>
+              <a:t>ermöglicht Auschecken eines getaggten Commit</a:t>
             </a:r>
           </a:p>
           <a:p>
@@ -9634,7 +9053,7 @@
               <a:rPr lang="en-US" altLang="de-DE" sz="1200" dirty="0">
                 <a:latin typeface="Consolas" panose="020B0609020204030204" pitchFamily="49" charset="0"/>
               </a:rPr>
-              <a:t>$ git tag</a:t>
+              <a:t>$ git checkout release-v0.0.1</a:t>
             </a:r>
           </a:p>
           <a:p>
@@ -9648,7 +9067,7 @@
               <a:rPr lang="en-US" altLang="de-DE" sz="1200" dirty="0">
                 <a:latin typeface="Consolas" panose="020B0609020204030204" pitchFamily="49" charset="0"/>
               </a:rPr>
-              <a:t>release-v0.0.1</a:t>
+              <a:t>Note: switching to 'release-v0.0.1'.</a:t>
             </a:r>
           </a:p>
           <a:p>
@@ -9658,12 +9077,9 @@
               </a:spcBef>
               <a:buNone/>
             </a:pPr>
-            <a:r>
-              <a:rPr lang="en-US" altLang="de-DE" sz="1200" dirty="0">
-                <a:latin typeface="Consolas" panose="020B0609020204030204" pitchFamily="49" charset="0"/>
-              </a:rPr>
-              <a:t>release-v0.0.2</a:t>
-            </a:r>
+            <a:endParaRPr lang="en-US" altLang="de-DE" sz="1200" dirty="0">
+              <a:latin typeface="Consolas" panose="020B0609020204030204" pitchFamily="49" charset="0"/>
+            </a:endParaRPr>
           </a:p>
           <a:p>
             <a:pPr marL="457200" lvl="1" indent="0">
@@ -9676,40 +9092,19 @@
               <a:rPr lang="en-US" altLang="de-DE" sz="1200" dirty="0">
                 <a:latin typeface="Consolas" panose="020B0609020204030204" pitchFamily="49" charset="0"/>
               </a:rPr>
-              <a:t>release-v1.0.0</a:t>
-            </a:r>
-            <a:endParaRPr lang="de-DE" altLang="de-DE" dirty="0">
-              <a:latin typeface="Consolas" panose="020B0609020204030204" pitchFamily="49" charset="0"/>
-            </a:endParaRPr>
-          </a:p>
-          <a:p>
-            <a:r>
-              <a:rPr lang="de-DE" altLang="de-DE" dirty="0" err="1">
-                <a:latin typeface="Consolas" panose="020B0609020204030204" pitchFamily="49" charset="0"/>
-              </a:rPr>
-              <a:t>git</a:t>
-            </a:r>
-            <a:r>
-              <a:rPr lang="de-DE" altLang="de-DE" dirty="0">
-                <a:latin typeface="Consolas" panose="020B0609020204030204" pitchFamily="49" charset="0"/>
-              </a:rPr>
-              <a:t> </a:t>
-            </a:r>
-            <a:r>
-              <a:rPr lang="de-DE" altLang="de-DE" dirty="0" err="1">
-                <a:latin typeface="Consolas" panose="020B0609020204030204" pitchFamily="49" charset="0"/>
-              </a:rPr>
-              <a:t>show</a:t>
-            </a:r>
-            <a:r>
-              <a:rPr lang="de-DE" altLang="de-DE" dirty="0">
-                <a:latin typeface="Consolas" panose="020B0609020204030204" pitchFamily="49" charset="0"/>
-              </a:rPr>
-              <a:t> &lt;tag-name&gt; </a:t>
-            </a:r>
-            <a:r>
-              <a:rPr lang="de-DE" altLang="de-DE" dirty="0"/>
-              <a:t>zeigt den Commit zum angegebenen Tag</a:t>
+              <a:t>You are in '</a:t>
+            </a:r>
+            <a:r>
+              <a:rPr lang="en-US" altLang="de-DE" sz="1200" b="1" dirty="0">
+                <a:latin typeface="Consolas" panose="020B0609020204030204" pitchFamily="49" charset="0"/>
+              </a:rPr>
+              <a:t>detached HEAD</a:t>
+            </a:r>
+            <a:r>
+              <a:rPr lang="en-US" altLang="de-DE" sz="1200" dirty="0">
+                <a:latin typeface="Consolas" panose="020B0609020204030204" pitchFamily="49" charset="0"/>
+              </a:rPr>
+              <a:t>' state. You can look around, make experimental</a:t>
             </a:r>
           </a:p>
           <a:p>
@@ -9719,9 +9114,12 @@
               </a:spcBef>
               <a:buNone/>
             </a:pPr>
-            <a:endParaRPr lang="de-DE" altLang="de-DE" sz="1200" dirty="0">
-              <a:latin typeface="Consolas" panose="020B0609020204030204" pitchFamily="49" charset="0"/>
-            </a:endParaRPr>
+            <a:r>
+              <a:rPr lang="en-US" altLang="de-DE" sz="1200" dirty="0">
+                <a:latin typeface="Consolas" panose="020B0609020204030204" pitchFamily="49" charset="0"/>
+              </a:rPr>
+              <a:t>changes and commit them, and you can discard any commits you make in this</a:t>
+            </a:r>
           </a:p>
           <a:p>
             <a:pPr marL="457200" lvl="1" indent="0">
@@ -9731,34 +9129,10 @@
               <a:buNone/>
             </a:pPr>
             <a:r>
-              <a:rPr lang="de-DE" altLang="de-DE" sz="1200" dirty="0">
-                <a:latin typeface="Consolas" panose="020B0609020204030204" pitchFamily="49" charset="0"/>
-              </a:rPr>
-              <a:t>$ </a:t>
-            </a:r>
-            <a:r>
-              <a:rPr lang="de-DE" altLang="de-DE" sz="1200" dirty="0" err="1">
-                <a:latin typeface="Consolas" panose="020B0609020204030204" pitchFamily="49" charset="0"/>
-              </a:rPr>
-              <a:t>git</a:t>
-            </a:r>
-            <a:r>
-              <a:rPr lang="de-DE" altLang="de-DE" sz="1200" dirty="0">
-                <a:latin typeface="Consolas" panose="020B0609020204030204" pitchFamily="49" charset="0"/>
-              </a:rPr>
-              <a:t> </a:t>
-            </a:r>
-            <a:r>
-              <a:rPr lang="de-DE" altLang="de-DE" sz="1200" dirty="0" err="1">
-                <a:latin typeface="Consolas" panose="020B0609020204030204" pitchFamily="49" charset="0"/>
-              </a:rPr>
-              <a:t>show</a:t>
-            </a:r>
-            <a:r>
-              <a:rPr lang="de-DE" altLang="de-DE" sz="1200" dirty="0">
-                <a:latin typeface="Consolas" panose="020B0609020204030204" pitchFamily="49" charset="0"/>
-              </a:rPr>
-              <a:t> release-v0.0.1</a:t>
+              <a:rPr lang="en-US" altLang="de-DE" sz="1200" dirty="0">
+                <a:latin typeface="Consolas" panose="020B0609020204030204" pitchFamily="49" charset="0"/>
+              </a:rPr>
+              <a:t>state without impacting any branches by switching back to a branch.</a:t>
             </a:r>
           </a:p>
           <a:p>
@@ -9768,18 +9142,9 @@
               </a:spcBef>
               <a:buNone/>
             </a:pPr>
-            <a:r>
-              <a:rPr lang="de-DE" altLang="de-DE" sz="1200" dirty="0" err="1">
-                <a:latin typeface="Consolas" panose="020B0609020204030204" pitchFamily="49" charset="0"/>
-              </a:rPr>
-              <a:t>commit</a:t>
-            </a:r>
-            <a:r>
-              <a:rPr lang="de-DE" altLang="de-DE" sz="1200" dirty="0">
-                <a:latin typeface="Consolas" panose="020B0609020204030204" pitchFamily="49" charset="0"/>
-              </a:rPr>
-              <a:t> c3a059e2d6e4acfdca1295104b4d6a55f8bd00e4 (tag: release-v0.0.1)</a:t>
-            </a:r>
+            <a:endParaRPr lang="en-US" altLang="de-DE" sz="1200" dirty="0">
+              <a:latin typeface="Consolas" panose="020B0609020204030204" pitchFamily="49" charset="0"/>
+            </a:endParaRPr>
           </a:p>
           <a:p>
             <a:pPr marL="457200" lvl="1" indent="0">
@@ -9789,28 +9154,10 @@
               <a:buNone/>
             </a:pPr>
             <a:r>
-              <a:rPr lang="de-DE" altLang="de-DE" sz="1200" dirty="0" err="1">
-                <a:latin typeface="Consolas" panose="020B0609020204030204" pitchFamily="49" charset="0"/>
-              </a:rPr>
-              <a:t>Author</a:t>
-            </a:r>
-            <a:r>
-              <a:rPr lang="de-DE" altLang="de-DE" sz="1200" dirty="0">
-                <a:latin typeface="Consolas" panose="020B0609020204030204" pitchFamily="49" charset="0"/>
-              </a:rPr>
-              <a:t>: </a:t>
-            </a:r>
-            <a:r>
-              <a:rPr lang="de-DE" altLang="de-DE" sz="1200" dirty="0" err="1">
-                <a:latin typeface="Consolas" panose="020B0609020204030204" pitchFamily="49" charset="0"/>
-              </a:rPr>
-              <a:t>Example</a:t>
-            </a:r>
-            <a:r>
-              <a:rPr lang="de-DE" altLang="de-DE" sz="1200" dirty="0">
-                <a:latin typeface="Consolas" panose="020B0609020204030204" pitchFamily="49" charset="0"/>
-              </a:rPr>
-              <a:t> User &lt;example.user@example.de&gt;</a:t>
+              <a:rPr lang="en-US" altLang="de-DE" sz="1200" dirty="0">
+                <a:latin typeface="Consolas" panose="020B0609020204030204" pitchFamily="49" charset="0"/>
+              </a:rPr>
+              <a:t>If you want to create a new branch to retain commits you create, you may</a:t>
             </a:r>
           </a:p>
           <a:p>
@@ -9821,10 +9168,10 @@
               <a:buNone/>
             </a:pPr>
             <a:r>
-              <a:rPr lang="de-DE" altLang="de-DE" sz="1200" dirty="0">
-                <a:latin typeface="Consolas" panose="020B0609020204030204" pitchFamily="49" charset="0"/>
-              </a:rPr>
-              <a:t>Date:   Tue May 28 14:47:28 2024 +0200</a:t>
+              <a:rPr lang="en-US" altLang="de-DE" sz="1200" dirty="0">
+                <a:latin typeface="Consolas" panose="020B0609020204030204" pitchFamily="49" charset="0"/>
+              </a:rPr>
+              <a:t>do so (now or later) by using -c with the switch command. Example:</a:t>
             </a:r>
           </a:p>
           <a:p>
@@ -9834,7 +9181,7 @@
               </a:spcBef>
               <a:buNone/>
             </a:pPr>
-            <a:endParaRPr lang="de-DE" altLang="de-DE" sz="1200" dirty="0">
+            <a:endParaRPr lang="en-US" altLang="de-DE" sz="1200" dirty="0">
               <a:latin typeface="Consolas" panose="020B0609020204030204" pitchFamily="49" charset="0"/>
             </a:endParaRPr>
           </a:p>
@@ -9846,20 +9193,11 @@
               <a:buNone/>
             </a:pPr>
             <a:r>
-              <a:rPr lang="de-DE" altLang="de-DE" sz="1200" dirty="0">
-                <a:latin typeface="Consolas" panose="020B0609020204030204" pitchFamily="49" charset="0"/>
-              </a:rPr>
-              <a:t>    Add </a:t>
-            </a:r>
-            <a:r>
-              <a:rPr lang="de-DE" altLang="de-DE" sz="1200" dirty="0" err="1">
-                <a:latin typeface="Consolas" panose="020B0609020204030204" pitchFamily="49" charset="0"/>
-              </a:rPr>
-              <a:t>final_file</a:t>
-            </a:r>
-            <a:endParaRPr lang="de-DE" altLang="de-DE" sz="1200" dirty="0">
-              <a:latin typeface="Consolas" panose="020B0609020204030204" pitchFamily="49" charset="0"/>
-            </a:endParaRPr>
+              <a:rPr lang="en-US" altLang="de-DE" sz="1200" dirty="0">
+                <a:latin typeface="Consolas" panose="020B0609020204030204" pitchFamily="49" charset="0"/>
+              </a:rPr>
+              <a:t>  git switch -c &lt;new-branch-name&gt;</a:t>
+            </a:r>
           </a:p>
           <a:p>
             <a:pPr marL="457200" lvl="1" indent="0">
@@ -9868,7 +9206,7 @@
               </a:spcBef>
               <a:buNone/>
             </a:pPr>
-            <a:endParaRPr lang="de-DE" altLang="de-DE" sz="1200" dirty="0">
+            <a:endParaRPr lang="en-US" altLang="de-DE" sz="1200" dirty="0">
               <a:latin typeface="Consolas" panose="020B0609020204030204" pitchFamily="49" charset="0"/>
             </a:endParaRPr>
           </a:p>
@@ -9880,28 +9218,10 @@
               <a:buNone/>
             </a:pPr>
             <a:r>
-              <a:rPr lang="de-DE" altLang="de-DE" sz="1200" dirty="0" err="1">
-                <a:latin typeface="Consolas" panose="020B0609020204030204" pitchFamily="49" charset="0"/>
-              </a:rPr>
-              <a:t>diff</a:t>
-            </a:r>
-            <a:r>
-              <a:rPr lang="de-DE" altLang="de-DE" sz="1200" dirty="0">
-                <a:latin typeface="Consolas" panose="020B0609020204030204" pitchFamily="49" charset="0"/>
-              </a:rPr>
-              <a:t> --</a:t>
-            </a:r>
-            <a:r>
-              <a:rPr lang="de-DE" altLang="de-DE" sz="1200" dirty="0" err="1">
-                <a:latin typeface="Consolas" panose="020B0609020204030204" pitchFamily="49" charset="0"/>
-              </a:rPr>
-              <a:t>git</a:t>
-            </a:r>
-            <a:r>
-              <a:rPr lang="de-DE" altLang="de-DE" sz="1200" dirty="0">
-                <a:latin typeface="Consolas" panose="020B0609020204030204" pitchFamily="49" charset="0"/>
-              </a:rPr>
-              <a:t> a/final_file.txt b/final_file.txt</a:t>
+              <a:rPr lang="en-US" altLang="de-DE" sz="1200" dirty="0">
+                <a:latin typeface="Consolas" panose="020B0609020204030204" pitchFamily="49" charset="0"/>
+              </a:rPr>
+              <a:t>Or undo this operation with:</a:t>
             </a:r>
           </a:p>
           <a:p>
@@ -9911,42 +9231,9 @@
               </a:spcBef>
               <a:buNone/>
             </a:pPr>
-            <a:r>
-              <a:rPr lang="de-DE" altLang="de-DE" sz="1200" dirty="0" err="1">
-                <a:latin typeface="Consolas" panose="020B0609020204030204" pitchFamily="49" charset="0"/>
-              </a:rPr>
-              <a:t>new</a:t>
-            </a:r>
-            <a:r>
-              <a:rPr lang="de-DE" altLang="de-DE" sz="1200" dirty="0">
-                <a:latin typeface="Consolas" panose="020B0609020204030204" pitchFamily="49" charset="0"/>
-              </a:rPr>
-              <a:t> </a:t>
-            </a:r>
-            <a:r>
-              <a:rPr lang="de-DE" altLang="de-DE" sz="1200" dirty="0" err="1">
-                <a:latin typeface="Consolas" panose="020B0609020204030204" pitchFamily="49" charset="0"/>
-              </a:rPr>
-              <a:t>file</a:t>
-            </a:r>
-            <a:r>
-              <a:rPr lang="de-DE" altLang="de-DE" sz="1200" dirty="0">
-                <a:latin typeface="Consolas" panose="020B0609020204030204" pitchFamily="49" charset="0"/>
-              </a:rPr>
-              <a:t> </a:t>
-            </a:r>
-            <a:r>
-              <a:rPr lang="de-DE" altLang="de-DE" sz="1200" dirty="0" err="1">
-                <a:latin typeface="Consolas" panose="020B0609020204030204" pitchFamily="49" charset="0"/>
-              </a:rPr>
-              <a:t>mode</a:t>
-            </a:r>
-            <a:r>
-              <a:rPr lang="de-DE" altLang="de-DE" sz="1200" dirty="0">
-                <a:latin typeface="Consolas" panose="020B0609020204030204" pitchFamily="49" charset="0"/>
-              </a:rPr>
-              <a:t> 100644</a:t>
-            </a:r>
+            <a:endParaRPr lang="en-US" altLang="de-DE" sz="1200" dirty="0">
+              <a:latin typeface="Consolas" panose="020B0609020204030204" pitchFamily="49" charset="0"/>
+            </a:endParaRPr>
           </a:p>
           <a:p>
             <a:pPr marL="457200" lvl="1" indent="0">
@@ -9956,17 +9243,85 @@
               <a:buNone/>
             </a:pPr>
             <a:r>
-              <a:rPr lang="de-DE" altLang="de-DE" sz="1200" dirty="0" err="1">
-                <a:latin typeface="Consolas" panose="020B0609020204030204" pitchFamily="49" charset="0"/>
-              </a:rPr>
-              <a:t>index</a:t>
-            </a:r>
-            <a:r>
-              <a:rPr lang="de-DE" altLang="de-DE" sz="1200" dirty="0">
-                <a:latin typeface="Consolas" panose="020B0609020204030204" pitchFamily="49" charset="0"/>
-              </a:rPr>
-              <a:t> 0000000..e69de29</a:t>
-            </a:r>
+              <a:rPr lang="en-US" altLang="de-DE" sz="1200" dirty="0">
+                <a:latin typeface="Consolas" panose="020B0609020204030204" pitchFamily="49" charset="0"/>
+              </a:rPr>
+              <a:t>  git switch -</a:t>
+            </a:r>
+          </a:p>
+          <a:p>
+            <a:pPr marL="457200" lvl="1" indent="0">
+              <a:spcBef>
+                <a:spcPts val="0"/>
+              </a:spcBef>
+              <a:buNone/>
+            </a:pPr>
+            <a:endParaRPr lang="en-US" altLang="de-DE" sz="1200" dirty="0">
+              <a:latin typeface="Consolas" panose="020B0609020204030204" pitchFamily="49" charset="0"/>
+            </a:endParaRPr>
+          </a:p>
+          <a:p>
+            <a:pPr marL="457200" lvl="1" indent="0">
+              <a:spcBef>
+                <a:spcPts val="0"/>
+              </a:spcBef>
+              <a:buNone/>
+            </a:pPr>
+            <a:r>
+              <a:rPr lang="en-US" altLang="de-DE" sz="1200" dirty="0">
+                <a:latin typeface="Consolas" panose="020B0609020204030204" pitchFamily="49" charset="0"/>
+              </a:rPr>
+              <a:t>Turn off this advice by setting config variable </a:t>
+            </a:r>
+            <a:r>
+              <a:rPr lang="en-US" altLang="de-DE" sz="1200" dirty="0" err="1">
+                <a:latin typeface="Consolas" panose="020B0609020204030204" pitchFamily="49" charset="0"/>
+              </a:rPr>
+              <a:t>advice.detachedHead</a:t>
+            </a:r>
+            <a:r>
+              <a:rPr lang="en-US" altLang="de-DE" sz="1200" dirty="0">
+                <a:latin typeface="Consolas" panose="020B0609020204030204" pitchFamily="49" charset="0"/>
+              </a:rPr>
+              <a:t> to false</a:t>
+            </a:r>
+          </a:p>
+          <a:p>
+            <a:pPr marL="457200" lvl="1" indent="0">
+              <a:spcBef>
+                <a:spcPts val="0"/>
+              </a:spcBef>
+              <a:buNone/>
+            </a:pPr>
+            <a:endParaRPr lang="en-US" altLang="de-DE" sz="1200" dirty="0">
+              <a:latin typeface="Consolas" panose="020B0609020204030204" pitchFamily="49" charset="0"/>
+            </a:endParaRPr>
+          </a:p>
+          <a:p>
+            <a:pPr marL="457200" lvl="1" indent="0">
+              <a:spcBef>
+                <a:spcPts val="0"/>
+              </a:spcBef>
+              <a:buNone/>
+            </a:pPr>
+            <a:r>
+              <a:rPr lang="en-US" altLang="de-DE" sz="1200" dirty="0">
+                <a:latin typeface="Consolas" panose="020B0609020204030204" pitchFamily="49" charset="0"/>
+              </a:rPr>
+              <a:t>HEAD is now at c3a059e Add </a:t>
+            </a:r>
+            <a:r>
+              <a:rPr lang="en-US" altLang="de-DE" sz="1200" dirty="0" err="1">
+                <a:latin typeface="Consolas" panose="020B0609020204030204" pitchFamily="49" charset="0"/>
+              </a:rPr>
+              <a:t>final_file</a:t>
+            </a:r>
+            <a:endParaRPr lang="de-DE" altLang="de-DE" sz="1200" dirty="0">
+              <a:latin typeface="Consolas" panose="020B0609020204030204" pitchFamily="49" charset="0"/>
+            </a:endParaRPr>
+          </a:p>
+          <a:p>
+            <a:endParaRPr lang="de-DE" altLang="de-DE" dirty="0"/>
           </a:p>
         </p:txBody>
       </p:sp>
@@ -10010,7 +9365,7 @@
     </p:spTree>
     <p:extLst>
       <p:ext uri="{BB962C8B-B14F-4D97-AF65-F5344CB8AC3E}">
-        <p14:creationId xmlns:p14="http://schemas.microsoft.com/office/powerpoint/2010/main" val="1109548834"/>
+        <p14:creationId xmlns:p14="http://schemas.microsoft.com/office/powerpoint/2010/main" val="1904022772"/>
       </p:ext>
     </p:extLst>
   </p:cSld>
@@ -10064,8 +9419,52 @@
           <a:lstStyle/>
           <a:p>
             <a:r>
+              <a:rPr lang="de-DE" altLang="de-DE" dirty="0" err="1">
+                <a:latin typeface="Consolas" panose="020B0609020204030204" pitchFamily="49" charset="0"/>
+              </a:rPr>
+              <a:t>git</a:t>
+            </a:r>
+            <a:r>
+              <a:rPr lang="de-DE" altLang="de-DE" dirty="0">
+                <a:latin typeface="Consolas" panose="020B0609020204030204" pitchFamily="49" charset="0"/>
+              </a:rPr>
+              <a:t> </a:t>
+            </a:r>
+            <a:r>
+              <a:rPr lang="de-DE" altLang="de-DE" dirty="0" err="1">
+                <a:latin typeface="Consolas" panose="020B0609020204030204" pitchFamily="49" charset="0"/>
+              </a:rPr>
+              <a:t>checkout</a:t>
+            </a:r>
+            <a:r>
+              <a:rPr lang="de-DE" altLang="de-DE" dirty="0">
+                <a:latin typeface="Consolas" panose="020B0609020204030204" pitchFamily="49" charset="0"/>
+              </a:rPr>
+              <a:t> –b &lt;</a:t>
+            </a:r>
+            <a:r>
+              <a:rPr lang="de-DE" altLang="de-DE" dirty="0" err="1">
+                <a:latin typeface="Consolas" panose="020B0609020204030204" pitchFamily="49" charset="0"/>
+              </a:rPr>
+              <a:t>branch</a:t>
+            </a:r>
+            <a:r>
+              <a:rPr lang="de-DE" altLang="de-DE" dirty="0">
+                <a:latin typeface="Consolas" panose="020B0609020204030204" pitchFamily="49" charset="0"/>
+              </a:rPr>
+              <a:t>-name&gt; &lt;tag-name&gt; </a:t>
+            </a:r>
+            <a:r>
               <a:rPr lang="de-DE" altLang="de-DE" dirty="0"/>
-              <a:t>Rückwirkendes Tagging mit Angabe der Commit-ID möglich</a:t>
+              <a:t>ermöglicht Erstellen eines </a:t>
+            </a:r>
+            <a:r>
+              <a:rPr lang="de-DE" altLang="de-DE" dirty="0" err="1"/>
+              <a:t>Branches</a:t>
+            </a:r>
+            <a:r>
+              <a:rPr lang="de-DE" altLang="de-DE" dirty="0"/>
+              <a:t> abzweigend vom getaggten Commit</a:t>
             </a:r>
           </a:p>
           <a:p>
@@ -10090,17 +9489,8 @@
               <a:rPr lang="en-US" altLang="de-DE" sz="1200" dirty="0">
                 <a:latin typeface="Consolas" panose="020B0609020204030204" pitchFamily="49" charset="0"/>
               </a:rPr>
-              <a:t>$ git log --</a:t>
-            </a:r>
-            <a:r>
-              <a:rPr lang="en-US" altLang="de-DE" sz="1200" dirty="0" err="1">
-                <a:latin typeface="Consolas" panose="020B0609020204030204" pitchFamily="49" charset="0"/>
-              </a:rPr>
-              <a:t>oneline</a:t>
-            </a:r>
-            <a:endParaRPr lang="en-US" altLang="de-DE" sz="1200" dirty="0">
-              <a:latin typeface="Consolas" panose="020B0609020204030204" pitchFamily="49" charset="0"/>
-            </a:endParaRPr>
+              <a:t>$ git checkout -b hotfix release-v0.0.1</a:t>
+            </a:r>
           </a:p>
           <a:p>
             <a:pPr marL="457200" lvl="1" indent="0">
@@ -10113,8 +9503,30 @@
               <a:rPr lang="en-US" altLang="de-DE" sz="1200" dirty="0">
                 <a:latin typeface="Consolas" panose="020B0609020204030204" pitchFamily="49" charset="0"/>
               </a:rPr>
-              <a:t>89c1108 (HEAD -&gt; main, tag: release-v0.0.2) Add release2_file</a:t>
-            </a:r>
+              <a:t>Switched to a new branch 'hotfix‘</a:t>
+            </a:r>
+            <a:endParaRPr lang="de-DE" altLang="de-DE" sz="1200" dirty="0">
+              <a:latin typeface="Consolas" panose="020B0609020204030204" pitchFamily="49" charset="0"/>
+            </a:endParaRPr>
+          </a:p>
+          <a:p>
+            <a:r>
+              <a:rPr lang="de-DE" altLang="de-DE" dirty="0"/>
+              <a:t>Löschen eines Tags ist mit </a:t>
+            </a:r>
+            <a:r>
+              <a:rPr lang="de-DE" altLang="de-DE" dirty="0" err="1">
+                <a:latin typeface="Consolas" panose="020B0609020204030204" pitchFamily="49" charset="0"/>
+              </a:rPr>
+              <a:t>git</a:t>
+            </a:r>
+            <a:r>
+              <a:rPr lang="de-DE" altLang="de-DE" dirty="0">
+                <a:latin typeface="Consolas" panose="020B0609020204030204" pitchFamily="49" charset="0"/>
+              </a:rPr>
+              <a:t> tag -d &lt;tag-name&gt;</a:t>
+            </a:r>
+            <a:endParaRPr lang="de-DE" altLang="de-DE" dirty="0"/>
           </a:p>
           <a:p>
             <a:pPr marL="457200" lvl="1" indent="0">
@@ -10123,18 +9535,6 @@
               </a:spcBef>
               <a:buNone/>
             </a:pPr>
-            <a:r>
-              <a:rPr lang="en-US" altLang="de-DE" sz="1200" dirty="0">
-                <a:latin typeface="Consolas" panose="020B0609020204030204" pitchFamily="49" charset="0"/>
-              </a:rPr>
-              <a:t>c3a059e (tag: release-v0.0.1) Add </a:t>
-            </a:r>
-            <a:r>
-              <a:rPr lang="en-US" altLang="de-DE" sz="1200" dirty="0" err="1">
-                <a:latin typeface="Consolas" panose="020B0609020204030204" pitchFamily="49" charset="0"/>
-              </a:rPr>
-              <a:t>final_file</a:t>
-            </a:r>
             <a:endParaRPr lang="en-US" altLang="de-DE" sz="1200" dirty="0">
               <a:latin typeface="Consolas" panose="020B0609020204030204" pitchFamily="49" charset="0"/>
             </a:endParaRPr>
@@ -10150,7 +9550,7 @@
               <a:rPr lang="en-US" altLang="de-DE" sz="1200" dirty="0">
                 <a:latin typeface="Consolas" panose="020B0609020204030204" pitchFamily="49" charset="0"/>
               </a:rPr>
-              <a:t>a908be7 Add file3</a:t>
+              <a:t>$ git tag -d release-v0.0.0</a:t>
             </a:r>
           </a:p>
           <a:p>
@@ -10164,177 +9564,11 @@
               <a:rPr lang="en-US" altLang="de-DE" sz="1200" dirty="0">
                 <a:latin typeface="Consolas" panose="020B0609020204030204" pitchFamily="49" charset="0"/>
               </a:rPr>
-              <a:t>722eaf0 Add file from main</a:t>
-            </a:r>
-          </a:p>
-          <a:p>
-            <a:pPr marL="457200" lvl="1" indent="0">
-              <a:spcBef>
-                <a:spcPts val="0"/>
-              </a:spcBef>
-              <a:buNone/>
-            </a:pPr>
-            <a:r>
-              <a:rPr lang="en-US" altLang="de-DE" sz="1200" dirty="0">
-                <a:latin typeface="Consolas" panose="020B0609020204030204" pitchFamily="49" charset="0"/>
-              </a:rPr>
-              <a:t>c61ef14 Initial commit</a:t>
-            </a:r>
-          </a:p>
-          <a:p>
-            <a:pPr marL="457200" lvl="1" indent="0">
-              <a:spcBef>
-                <a:spcPts val="0"/>
-              </a:spcBef>
-              <a:buNone/>
-            </a:pPr>
-            <a:endParaRPr lang="en-US" altLang="de-DE" sz="1200" dirty="0">
-              <a:latin typeface="Consolas" panose="020B0609020204030204" pitchFamily="49" charset="0"/>
-            </a:endParaRPr>
-          </a:p>
-          <a:p>
-            <a:pPr marL="457200" lvl="1" indent="0">
-              <a:spcBef>
-                <a:spcPts val="0"/>
-              </a:spcBef>
-              <a:buNone/>
-            </a:pPr>
-            <a:r>
-              <a:rPr lang="en-US" altLang="de-DE" sz="1200" dirty="0">
-                <a:latin typeface="Consolas" panose="020B0609020204030204" pitchFamily="49" charset="0"/>
-              </a:rPr>
-              <a:t>$ git tag release-v0.0.0 a908be7</a:t>
-            </a:r>
-          </a:p>
-          <a:p>
-            <a:pPr marL="457200" lvl="1" indent="0">
-              <a:spcBef>
-                <a:spcPts val="0"/>
-              </a:spcBef>
-              <a:buNone/>
-            </a:pPr>
-            <a:endParaRPr lang="en-US" altLang="de-DE" sz="1200" dirty="0">
-              <a:latin typeface="Consolas" panose="020B0609020204030204" pitchFamily="49" charset="0"/>
-            </a:endParaRPr>
-          </a:p>
-          <a:p>
-            <a:pPr marL="457200" lvl="1" indent="0">
-              <a:spcBef>
-                <a:spcPts val="0"/>
-              </a:spcBef>
-              <a:buNone/>
-            </a:pPr>
-            <a:r>
-              <a:rPr lang="en-US" altLang="de-DE" sz="1200" dirty="0">
-                <a:latin typeface="Consolas" panose="020B0609020204030204" pitchFamily="49" charset="0"/>
-              </a:rPr>
-              <a:t>$ git log --</a:t>
-            </a:r>
-            <a:r>
-              <a:rPr lang="en-US" altLang="de-DE" sz="1200" dirty="0" err="1">
-                <a:latin typeface="Consolas" panose="020B0609020204030204" pitchFamily="49" charset="0"/>
-              </a:rPr>
-              <a:t>oneline</a:t>
-            </a:r>
-            <a:endParaRPr lang="en-US" altLang="de-DE" sz="1200" dirty="0">
-              <a:latin typeface="Consolas" panose="020B0609020204030204" pitchFamily="49" charset="0"/>
-            </a:endParaRPr>
-          </a:p>
-          <a:p>
-            <a:pPr marL="457200" lvl="1" indent="0">
-              <a:spcBef>
-                <a:spcPts val="0"/>
-              </a:spcBef>
-              <a:buNone/>
-            </a:pPr>
-            <a:r>
-              <a:rPr lang="en-US" altLang="de-DE" sz="1200" dirty="0">
-                <a:latin typeface="Consolas" panose="020B0609020204030204" pitchFamily="49" charset="0"/>
-              </a:rPr>
-              <a:t>89c1108 (HEAD -&gt; main, tag: release-v0.0.2) Add release2_file</a:t>
-            </a:r>
-          </a:p>
-          <a:p>
-            <a:pPr marL="457200" lvl="1" indent="0">
-              <a:spcBef>
-                <a:spcPts val="0"/>
-              </a:spcBef>
-              <a:buNone/>
-            </a:pPr>
-            <a:r>
-              <a:rPr lang="en-US" altLang="de-DE" sz="1200" dirty="0">
-                <a:latin typeface="Consolas" panose="020B0609020204030204" pitchFamily="49" charset="0"/>
-              </a:rPr>
-              <a:t>c3a059e (tag: release-v0.0.1) Add </a:t>
-            </a:r>
-            <a:r>
-              <a:rPr lang="en-US" altLang="de-DE" sz="1200" dirty="0" err="1">
-                <a:latin typeface="Consolas" panose="020B0609020204030204" pitchFamily="49" charset="0"/>
-              </a:rPr>
-              <a:t>final_file</a:t>
-            </a:r>
-            <a:endParaRPr lang="en-US" altLang="de-DE" sz="1200" dirty="0">
-              <a:latin typeface="Consolas" panose="020B0609020204030204" pitchFamily="49" charset="0"/>
-            </a:endParaRPr>
-          </a:p>
-          <a:p>
-            <a:pPr marL="457200" lvl="1" indent="0">
-              <a:spcBef>
-                <a:spcPts val="0"/>
-              </a:spcBef>
-              <a:buNone/>
-            </a:pPr>
-            <a:r>
-              <a:rPr lang="en-US" altLang="de-DE" sz="1200" dirty="0">
-                <a:latin typeface="Consolas" panose="020B0609020204030204" pitchFamily="49" charset="0"/>
-              </a:rPr>
-              <a:t>a908be7 (tag: release-v0.0.0) Add file3</a:t>
-            </a:r>
-          </a:p>
-          <a:p>
-            <a:pPr marL="457200" lvl="1" indent="0">
-              <a:spcBef>
-                <a:spcPts val="0"/>
-              </a:spcBef>
-              <a:buNone/>
-            </a:pPr>
-            <a:r>
-              <a:rPr lang="en-US" altLang="de-DE" sz="1200" dirty="0">
-                <a:latin typeface="Consolas" panose="020B0609020204030204" pitchFamily="49" charset="0"/>
-              </a:rPr>
-              <a:t>722eaf0 Add file from main</a:t>
-            </a:r>
-          </a:p>
-          <a:p>
-            <a:pPr marL="457200" lvl="1" indent="0">
-              <a:spcBef>
-                <a:spcPts val="0"/>
-              </a:spcBef>
-              <a:buNone/>
-            </a:pPr>
-            <a:r>
-              <a:rPr lang="en-US" altLang="de-DE" sz="1200" dirty="0">
-                <a:latin typeface="Consolas" panose="020B0609020204030204" pitchFamily="49" charset="0"/>
-              </a:rPr>
-              <a:t>c61ef14 Initial commit</a:t>
+              <a:t>Deleted tag 'release-v0.0.0' (was a908be7)</a:t>
             </a:r>
             <a:endParaRPr lang="de-DE" altLang="de-DE" sz="1200" dirty="0">
               <a:latin typeface="Consolas" panose="020B0609020204030204" pitchFamily="49" charset="0"/>
             </a:endParaRPr>
-          </a:p>
-          <a:p>
-            <a:pPr marL="457200" lvl="1" indent="0">
-              <a:spcBef>
-                <a:spcPts val="0"/>
-              </a:spcBef>
-              <a:buNone/>
-            </a:pPr>
-            <a:endParaRPr lang="de-DE" altLang="de-DE" sz="1200" dirty="0">
-              <a:latin typeface="Consolas" panose="020B0609020204030204" pitchFamily="49" charset="0"/>
-            </a:endParaRPr>
-          </a:p>
-          <a:p>
-            <a:endParaRPr lang="de-DE" altLang="de-DE" dirty="0"/>
           </a:p>
         </p:txBody>
       </p:sp>
@@ -10378,7 +9612,7 @@
     </p:spTree>
     <p:extLst>
       <p:ext uri="{BB962C8B-B14F-4D97-AF65-F5344CB8AC3E}">
-        <p14:creationId xmlns:p14="http://schemas.microsoft.com/office/powerpoint/2010/main" val="1475861676"/>
+        <p14:creationId xmlns:p14="http://schemas.microsoft.com/office/powerpoint/2010/main" val="1311074186"/>
       </p:ext>
     </p:extLst>
   </p:cSld>
